--- a/Lecture Slides/Linear Regression.pptx
+++ b/Lecture Slides/Linear Regression.pptx
@@ -212,7 +212,7 @@
           <a:p>
             <a:fld id="{0F6E8B2A-D3A9-4310-9FD4-F3933CFED3F4}" type="datetimeFigureOut">
               <a:rPr lang="en-US" smtClean="0"/>
-              <a:t>9/27/2016</a:t>
+              <a:t>1/17/2017</a:t>
             </a:fld>
             <a:endParaRPr lang="en-US"/>
           </a:p>
@@ -1179,7 +1179,7 @@
           <a:p>
             <a:fld id="{97D96F92-60BC-4D7D-9EB3-890823037968}" type="datetimeFigureOut">
               <a:rPr lang="en-US" smtClean="0"/>
-              <a:t>9/27/2016</a:t>
+              <a:t>1/17/2017</a:t>
             </a:fld>
             <a:endParaRPr lang="en-US"/>
           </a:p>
@@ -1460,7 +1460,7 @@
           <a:p>
             <a:fld id="{97D96F92-60BC-4D7D-9EB3-890823037968}" type="datetimeFigureOut">
               <a:rPr lang="en-US" smtClean="0"/>
-              <a:t>9/27/2016</a:t>
+              <a:t>1/17/2017</a:t>
             </a:fld>
             <a:endParaRPr lang="en-US"/>
           </a:p>
@@ -1652,7 +1652,7 @@
           <a:p>
             <a:fld id="{97D96F92-60BC-4D7D-9EB3-890823037968}" type="datetimeFigureOut">
               <a:rPr lang="en-US" smtClean="0"/>
-              <a:t>9/27/2016</a:t>
+              <a:t>1/17/2017</a:t>
             </a:fld>
             <a:endParaRPr lang="en-US"/>
           </a:p>
@@ -1913,7 +1913,7 @@
           <a:p>
             <a:fld id="{97D96F92-60BC-4D7D-9EB3-890823037968}" type="datetimeFigureOut">
               <a:rPr lang="en-US" smtClean="0"/>
-              <a:t>9/27/2016</a:t>
+              <a:t>1/17/2017</a:t>
             </a:fld>
             <a:endParaRPr lang="en-US"/>
           </a:p>
@@ -2339,7 +2339,7 @@
           <a:p>
             <a:fld id="{97D96F92-60BC-4D7D-9EB3-890823037968}" type="datetimeFigureOut">
               <a:rPr lang="en-US" smtClean="0"/>
-              <a:t>9/27/2016</a:t>
+              <a:t>1/17/2017</a:t>
             </a:fld>
             <a:endParaRPr lang="en-US"/>
           </a:p>
@@ -2885,7 +2885,7 @@
           <a:p>
             <a:fld id="{97D96F92-60BC-4D7D-9EB3-890823037968}" type="datetimeFigureOut">
               <a:rPr lang="en-US" smtClean="0"/>
-              <a:t>9/27/2016</a:t>
+              <a:t>1/17/2017</a:t>
             </a:fld>
             <a:endParaRPr lang="en-US"/>
           </a:p>
@@ -3716,7 +3716,7 @@
           <a:p>
             <a:fld id="{97D96F92-60BC-4D7D-9EB3-890823037968}" type="datetimeFigureOut">
               <a:rPr lang="en-US" smtClean="0"/>
-              <a:t>9/27/2016</a:t>
+              <a:t>1/17/2017</a:t>
             </a:fld>
             <a:endParaRPr lang="en-US"/>
           </a:p>
@@ -3886,7 +3886,7 @@
           <a:p>
             <a:fld id="{97D96F92-60BC-4D7D-9EB3-890823037968}" type="datetimeFigureOut">
               <a:rPr lang="en-US" smtClean="0"/>
-              <a:t>9/27/2016</a:t>
+              <a:t>1/17/2017</a:t>
             </a:fld>
             <a:endParaRPr lang="en-US"/>
           </a:p>
@@ -4066,7 +4066,7 @@
           <a:p>
             <a:fld id="{97D96F92-60BC-4D7D-9EB3-890823037968}" type="datetimeFigureOut">
               <a:rPr lang="en-US" smtClean="0"/>
-              <a:t>9/27/2016</a:t>
+              <a:t>1/17/2017</a:t>
             </a:fld>
             <a:endParaRPr lang="en-US"/>
           </a:p>
@@ -4236,7 +4236,7 @@
           <a:p>
             <a:fld id="{97D96F92-60BC-4D7D-9EB3-890823037968}" type="datetimeFigureOut">
               <a:rPr lang="en-US" smtClean="0"/>
-              <a:t>9/27/2016</a:t>
+              <a:t>1/17/2017</a:t>
             </a:fld>
             <a:endParaRPr lang="en-US"/>
           </a:p>
@@ -4493,7 +4493,7 @@
           <a:p>
             <a:fld id="{97D96F92-60BC-4D7D-9EB3-890823037968}" type="datetimeFigureOut">
               <a:rPr lang="en-US" smtClean="0"/>
-              <a:t>9/27/2016</a:t>
+              <a:t>1/17/2017</a:t>
             </a:fld>
             <a:endParaRPr lang="en-US"/>
           </a:p>
@@ -4725,7 +4725,7 @@
           <a:p>
             <a:fld id="{97D96F92-60BC-4D7D-9EB3-890823037968}" type="datetimeFigureOut">
               <a:rPr lang="en-US" smtClean="0"/>
-              <a:t>9/27/2016</a:t>
+              <a:t>1/17/2017</a:t>
             </a:fld>
             <a:endParaRPr lang="en-US"/>
           </a:p>
@@ -5118,7 +5118,7 @@
           <a:p>
             <a:fld id="{97D96F92-60BC-4D7D-9EB3-890823037968}" type="datetimeFigureOut">
               <a:rPr lang="en-US" smtClean="0"/>
-              <a:t>9/27/2016</a:t>
+              <a:t>1/17/2017</a:t>
             </a:fld>
             <a:endParaRPr lang="en-US"/>
           </a:p>
@@ -5236,7 +5236,7 @@
           <a:p>
             <a:fld id="{97D96F92-60BC-4D7D-9EB3-890823037968}" type="datetimeFigureOut">
               <a:rPr lang="en-US" smtClean="0"/>
-              <a:t>9/27/2016</a:t>
+              <a:t>1/17/2017</a:t>
             </a:fld>
             <a:endParaRPr lang="en-US"/>
           </a:p>
@@ -5331,7 +5331,7 @@
           <a:p>
             <a:fld id="{97D96F92-60BC-4D7D-9EB3-890823037968}" type="datetimeFigureOut">
               <a:rPr lang="en-US" smtClean="0"/>
-              <a:t>9/27/2016</a:t>
+              <a:t>1/17/2017</a:t>
             </a:fld>
             <a:endParaRPr lang="en-US"/>
           </a:p>
@@ -5604,7 +5604,7 @@
           <a:p>
             <a:fld id="{97D96F92-60BC-4D7D-9EB3-890823037968}" type="datetimeFigureOut">
               <a:rPr lang="en-US" smtClean="0"/>
-              <a:t>9/27/2016</a:t>
+              <a:t>1/17/2017</a:t>
             </a:fld>
             <a:endParaRPr lang="en-US"/>
           </a:p>
@@ -5885,7 +5885,7 @@
           <a:p>
             <a:fld id="{97D96F92-60BC-4D7D-9EB3-890823037968}" type="datetimeFigureOut">
               <a:rPr lang="en-US" smtClean="0"/>
-              <a:t>9/27/2016</a:t>
+              <a:t>1/17/2017</a:t>
             </a:fld>
             <a:endParaRPr lang="en-US"/>
           </a:p>
@@ -6125,7 +6125,7 @@
           <a:p>
             <a:fld id="{97D96F92-60BC-4D7D-9EB3-890823037968}" type="datetimeFigureOut">
               <a:rPr lang="en-US" smtClean="0"/>
-              <a:t>9/27/2016</a:t>
+              <a:t>1/17/2017</a:t>
             </a:fld>
             <a:endParaRPr lang="en-US"/>
           </a:p>
@@ -6822,8 +6822,8 @@
           </a:p>
         </p:txBody>
       </p:sp>
-      <mc:AlternateContent xmlns:mc="http://schemas.openxmlformats.org/markup-compatibility/2006" xmlns:a14="http://schemas.microsoft.com/office/drawing/2010/main">
-        <mc:Choice Requires="a14">
+      <mc:AlternateContent xmlns:mc="http://schemas.openxmlformats.org/markup-compatibility/2006">
+        <mc:Choice xmlns:a14="http://schemas.microsoft.com/office/drawing/2010/main" Requires="a14">
           <p:sp>
             <p:nvSpPr>
               <p:cNvPr id="3" name="Content Placeholder 2"/>
@@ -6958,7 +6958,7 @@
                 </a14:m>
                 <a:r>
                   <a:rPr lang="en-US" dirty="0"/>
-                  <a:t> defines the positions on the graph, then its derivative,</a:t>
+                  <a:t> defines the positions on the graph, then its partial derivative, </a:t>
                 </a:r>
                 <a14:m>
                   <m:oMath xmlns:m="http://schemas.openxmlformats.org/officeDocument/2006/math">
@@ -7134,7 +7134,7 @@
             </p:txBody>
           </p:sp>
         </mc:Choice>
-        <mc:Fallback xmlns="">
+        <mc:Fallback>
           <p:sp>
             <p:nvSpPr>
               <p:cNvPr id="3" name="Content Placeholder 2"/>
@@ -9473,7 +9473,7 @@
           <a:p>
             <a:r>
               <a:rPr lang="en-US" dirty="0"/>
-              <a:t>It is impossible to find the global minima of an arbitrary function.</a:t>
+              <a:t>It is impossible to guarantee finding of the global minima of an arbitrary function.</a:t>
             </a:r>
           </a:p>
         </p:txBody>
@@ -11042,7 +11042,7 @@
         </p:spPr>
         <p:txBody>
           <a:bodyPr>
-            <a:normAutofit fontScale="92500" lnSpcReduction="10000"/>
+            <a:normAutofit fontScale="92500" lnSpcReduction="20000"/>
           </a:bodyPr>
           <a:lstStyle/>
           <a:p>
@@ -11061,6 +11061,13 @@
             <a:r>
               <a:rPr lang="en-US" dirty="0"/>
               <a:t>We will have to manually adjust our number of iterations and learning rate to get the best results possible.</a:t>
+            </a:r>
+          </a:p>
+          <a:p>
+            <a:pPr lvl="1"/>
+            <a:r>
+              <a:rPr lang="en-US" dirty="0"/>
+              <a:t>This can of course be automated as well.</a:t>
             </a:r>
           </a:p>
         </p:txBody>
@@ -11702,8 +11709,8 @@
           </a:p>
         </p:txBody>
       </p:sp>
-      <mc:AlternateContent xmlns:mc="http://schemas.openxmlformats.org/markup-compatibility/2006" xmlns:a14="http://schemas.microsoft.com/office/drawing/2010/main">
-        <mc:Choice Requires="a14">
+      <mc:AlternateContent xmlns:mc="http://schemas.openxmlformats.org/markup-compatibility/2006">
+        <mc:Choice xmlns:a14="http://schemas.microsoft.com/office/drawing/2010/main" Requires="a14">
           <p:sp>
             <p:nvSpPr>
               <p:cNvPr id="3" name="Content Placeholder 2"/>
@@ -11734,7 +11741,7 @@
               <a:p>
                 <a:r>
                   <a:rPr lang="en-US" dirty="0"/>
-                  <a:t>Standard line formula we maybe familiar with:</a:t>
+                  <a:t>Standard line formula we may be familiar with:</a:t>
                 </a:r>
               </a:p>
               <a:p>
@@ -12017,7 +12024,7 @@
             </p:txBody>
           </p:sp>
         </mc:Choice>
-        <mc:Fallback xmlns="">
+        <mc:Fallback>
           <p:sp>
             <p:nvSpPr>
               <p:cNvPr id="3" name="Content Placeholder 2"/>
@@ -12139,8 +12146,8 @@
           </a:p>
         </p:txBody>
       </p:sp>
-      <mc:AlternateContent xmlns:mc="http://schemas.openxmlformats.org/markup-compatibility/2006">
-        <mc:Choice xmlns:a14="http://schemas.microsoft.com/office/drawing/2010/main" Requires="a14">
+      <mc:AlternateContent xmlns:mc="http://schemas.openxmlformats.org/markup-compatibility/2006" xmlns:a14="http://schemas.microsoft.com/office/drawing/2010/main">
+        <mc:Choice Requires="a14">
           <p:sp>
             <p:nvSpPr>
               <p:cNvPr id="3" name="Content Placeholder 2"/>
@@ -12365,7 +12372,7 @@
             </p:txBody>
           </p:sp>
         </mc:Choice>
-        <mc:Fallback>
+        <mc:Fallback xmlns="">
           <p:sp>
             <p:nvSpPr>
               <p:cNvPr id="3" name="Content Placeholder 2"/>
@@ -13631,8 +13638,8 @@
           </a:p>
         </p:txBody>
       </p:sp>
-      <mc:AlternateContent xmlns:mc="http://schemas.openxmlformats.org/markup-compatibility/2006" xmlns:a14="http://schemas.microsoft.com/office/drawing/2010/main">
-        <mc:Choice Requires="a14">
+      <mc:AlternateContent xmlns:mc="http://schemas.openxmlformats.org/markup-compatibility/2006">
+        <mc:Choice xmlns:a14="http://schemas.microsoft.com/office/drawing/2010/main" Requires="a14">
           <p:sp>
             <p:nvSpPr>
               <p:cNvPr id="8" name="Content Placeholder 7"/>
@@ -13984,7 +13991,7 @@
                   <a:rPr lang="en-US" b="0" dirty="0">
                     <a:latin typeface="Cambria Math" panose="02040503050406030204" pitchFamily="18" charset="0"/>
                   </a:rPr>
-                  <a:t>We want the difference to always be positive, and the further apart they are the worse</a:t>
+                  <a:t>We want the difference to always be positive, and the further apart they are the larger the result…</a:t>
                 </a:r>
               </a:p>
               <a:p>
@@ -14765,13 +14772,13 @@
                 <a:pPr lvl="1"/>
                 <a:r>
                   <a:rPr lang="en-US" dirty="0"/>
-                  <a:t>The divide by 2 does not change our relative results, but makes a derivation we do later easier…</a:t>
+                  <a:t>The divide by 2 does not change our relative results, but makes a derivation we do later easier.</a:t>
                 </a:r>
               </a:p>
             </p:txBody>
           </p:sp>
         </mc:Choice>
-        <mc:Fallback xmlns="">
+        <mc:Fallback>
           <p:sp>
             <p:nvSpPr>
               <p:cNvPr id="8" name="Content Placeholder 7"/>

--- a/Lecture Slides/Linear Regression.pptx
+++ b/Lecture Slides/Linear Regression.pptx
@@ -5,7 +5,7 @@
     <p:sldMasterId id="2147483738" r:id="rId1"/>
   </p:sldMasterIdLst>
   <p:notesMasterIdLst>
-    <p:notesMasterId r:id="rId18"/>
+    <p:notesMasterId r:id="rId24"/>
   </p:notesMasterIdLst>
   <p:sldIdLst>
     <p:sldId id="256" r:id="rId2"/>
@@ -15,15 +15,21 @@
     <p:sldId id="264" r:id="rId6"/>
     <p:sldId id="266" r:id="rId7"/>
     <p:sldId id="265" r:id="rId8"/>
-    <p:sldId id="268" r:id="rId9"/>
-    <p:sldId id="271" r:id="rId10"/>
-    <p:sldId id="270" r:id="rId11"/>
-    <p:sldId id="272" r:id="rId12"/>
-    <p:sldId id="276" r:id="rId13"/>
-    <p:sldId id="273" r:id="rId14"/>
-    <p:sldId id="274" r:id="rId15"/>
-    <p:sldId id="275" r:id="rId16"/>
-    <p:sldId id="277" r:id="rId17"/>
+    <p:sldId id="279" r:id="rId9"/>
+    <p:sldId id="268" r:id="rId10"/>
+    <p:sldId id="271" r:id="rId11"/>
+    <p:sldId id="270" r:id="rId12"/>
+    <p:sldId id="272" r:id="rId13"/>
+    <p:sldId id="280" r:id="rId14"/>
+    <p:sldId id="276" r:id="rId15"/>
+    <p:sldId id="273" r:id="rId16"/>
+    <p:sldId id="274" r:id="rId17"/>
+    <p:sldId id="281" r:id="rId18"/>
+    <p:sldId id="282" r:id="rId19"/>
+    <p:sldId id="283" r:id="rId20"/>
+    <p:sldId id="284" r:id="rId21"/>
+    <p:sldId id="275" r:id="rId22"/>
+    <p:sldId id="277" r:id="rId23"/>
   </p:sldIdLst>
   <p:sldSz cx="12192000" cy="6858000"/>
   <p:notesSz cx="6858000" cy="9144000"/>
@@ -212,7 +218,7 @@
           <a:p>
             <a:fld id="{0F6E8B2A-D3A9-4310-9FD4-F3933CFED3F4}" type="datetimeFigureOut">
               <a:rPr lang="en-US" smtClean="0"/>
-              <a:t>1/17/2017</a:t>
+              <a:t>4/10/2017</a:t>
             </a:fld>
             <a:endParaRPr lang="en-US"/>
           </a:p>
@@ -796,7 +802,7 @@
           <a:p>
             <a:fld id="{647E4543-8B4C-4B91-B200-0E2AFE9F88B8}" type="slidenum">
               <a:rPr lang="en-US" smtClean="0"/>
-              <a:t>9</a:t>
+              <a:t>10</a:t>
             </a:fld>
             <a:endParaRPr lang="en-US"/>
           </a:p>
@@ -880,7 +886,7 @@
           <a:p>
             <a:fld id="{647E4543-8B4C-4B91-B200-0E2AFE9F88B8}" type="slidenum">
               <a:rPr lang="en-US" smtClean="0"/>
-              <a:t>10</a:t>
+              <a:t>11</a:t>
             </a:fld>
             <a:endParaRPr lang="en-US"/>
           </a:p>
@@ -964,7 +970,7 @@
           <a:p>
             <a:fld id="{647E4543-8B4C-4B91-B200-0E2AFE9F88B8}" type="slidenum">
               <a:rPr lang="en-US" smtClean="0"/>
-              <a:t>15</a:t>
+              <a:t>21</a:t>
             </a:fld>
             <a:endParaRPr lang="en-US"/>
           </a:p>
@@ -1179,7 +1185,7 @@
           <a:p>
             <a:fld id="{97D96F92-60BC-4D7D-9EB3-890823037968}" type="datetimeFigureOut">
               <a:rPr lang="en-US" smtClean="0"/>
-              <a:t>1/17/2017</a:t>
+              <a:t>4/10/2017</a:t>
             </a:fld>
             <a:endParaRPr lang="en-US"/>
           </a:p>
@@ -1460,7 +1466,7 @@
           <a:p>
             <a:fld id="{97D96F92-60BC-4D7D-9EB3-890823037968}" type="datetimeFigureOut">
               <a:rPr lang="en-US" smtClean="0"/>
-              <a:t>1/17/2017</a:t>
+              <a:t>4/10/2017</a:t>
             </a:fld>
             <a:endParaRPr lang="en-US"/>
           </a:p>
@@ -1652,7 +1658,7 @@
           <a:p>
             <a:fld id="{97D96F92-60BC-4D7D-9EB3-890823037968}" type="datetimeFigureOut">
               <a:rPr lang="en-US" smtClean="0"/>
-              <a:t>1/17/2017</a:t>
+              <a:t>4/10/2017</a:t>
             </a:fld>
             <a:endParaRPr lang="en-US"/>
           </a:p>
@@ -1913,7 +1919,7 @@
           <a:p>
             <a:fld id="{97D96F92-60BC-4D7D-9EB3-890823037968}" type="datetimeFigureOut">
               <a:rPr lang="en-US" smtClean="0"/>
-              <a:t>1/17/2017</a:t>
+              <a:t>4/10/2017</a:t>
             </a:fld>
             <a:endParaRPr lang="en-US"/>
           </a:p>
@@ -2339,7 +2345,7 @@
           <a:p>
             <a:fld id="{97D96F92-60BC-4D7D-9EB3-890823037968}" type="datetimeFigureOut">
               <a:rPr lang="en-US" smtClean="0"/>
-              <a:t>1/17/2017</a:t>
+              <a:t>4/10/2017</a:t>
             </a:fld>
             <a:endParaRPr lang="en-US"/>
           </a:p>
@@ -2885,7 +2891,7 @@
           <a:p>
             <a:fld id="{97D96F92-60BC-4D7D-9EB3-890823037968}" type="datetimeFigureOut">
               <a:rPr lang="en-US" smtClean="0"/>
-              <a:t>1/17/2017</a:t>
+              <a:t>4/10/2017</a:t>
             </a:fld>
             <a:endParaRPr lang="en-US"/>
           </a:p>
@@ -3716,7 +3722,7 @@
           <a:p>
             <a:fld id="{97D96F92-60BC-4D7D-9EB3-890823037968}" type="datetimeFigureOut">
               <a:rPr lang="en-US" smtClean="0"/>
-              <a:t>1/17/2017</a:t>
+              <a:t>4/10/2017</a:t>
             </a:fld>
             <a:endParaRPr lang="en-US"/>
           </a:p>
@@ -3886,7 +3892,7 @@
           <a:p>
             <a:fld id="{97D96F92-60BC-4D7D-9EB3-890823037968}" type="datetimeFigureOut">
               <a:rPr lang="en-US" smtClean="0"/>
-              <a:t>1/17/2017</a:t>
+              <a:t>4/10/2017</a:t>
             </a:fld>
             <a:endParaRPr lang="en-US"/>
           </a:p>
@@ -4066,7 +4072,7 @@
           <a:p>
             <a:fld id="{97D96F92-60BC-4D7D-9EB3-890823037968}" type="datetimeFigureOut">
               <a:rPr lang="en-US" smtClean="0"/>
-              <a:t>1/17/2017</a:t>
+              <a:t>4/10/2017</a:t>
             </a:fld>
             <a:endParaRPr lang="en-US"/>
           </a:p>
@@ -4236,7 +4242,7 @@
           <a:p>
             <a:fld id="{97D96F92-60BC-4D7D-9EB3-890823037968}" type="datetimeFigureOut">
               <a:rPr lang="en-US" smtClean="0"/>
-              <a:t>1/17/2017</a:t>
+              <a:t>4/10/2017</a:t>
             </a:fld>
             <a:endParaRPr lang="en-US"/>
           </a:p>
@@ -4493,7 +4499,7 @@
           <a:p>
             <a:fld id="{97D96F92-60BC-4D7D-9EB3-890823037968}" type="datetimeFigureOut">
               <a:rPr lang="en-US" smtClean="0"/>
-              <a:t>1/17/2017</a:t>
+              <a:t>4/10/2017</a:t>
             </a:fld>
             <a:endParaRPr lang="en-US"/>
           </a:p>
@@ -4725,7 +4731,7 @@
           <a:p>
             <a:fld id="{97D96F92-60BC-4D7D-9EB3-890823037968}" type="datetimeFigureOut">
               <a:rPr lang="en-US" smtClean="0"/>
-              <a:t>1/17/2017</a:t>
+              <a:t>4/10/2017</a:t>
             </a:fld>
             <a:endParaRPr lang="en-US"/>
           </a:p>
@@ -5118,7 +5124,7 @@
           <a:p>
             <a:fld id="{97D96F92-60BC-4D7D-9EB3-890823037968}" type="datetimeFigureOut">
               <a:rPr lang="en-US" smtClean="0"/>
-              <a:t>1/17/2017</a:t>
+              <a:t>4/10/2017</a:t>
             </a:fld>
             <a:endParaRPr lang="en-US"/>
           </a:p>
@@ -5236,7 +5242,7 @@
           <a:p>
             <a:fld id="{97D96F92-60BC-4D7D-9EB3-890823037968}" type="datetimeFigureOut">
               <a:rPr lang="en-US" smtClean="0"/>
-              <a:t>1/17/2017</a:t>
+              <a:t>4/10/2017</a:t>
             </a:fld>
             <a:endParaRPr lang="en-US"/>
           </a:p>
@@ -5331,7 +5337,7 @@
           <a:p>
             <a:fld id="{97D96F92-60BC-4D7D-9EB3-890823037968}" type="datetimeFigureOut">
               <a:rPr lang="en-US" smtClean="0"/>
-              <a:t>1/17/2017</a:t>
+              <a:t>4/10/2017</a:t>
             </a:fld>
             <a:endParaRPr lang="en-US"/>
           </a:p>
@@ -5604,7 +5610,7 @@
           <a:p>
             <a:fld id="{97D96F92-60BC-4D7D-9EB3-890823037968}" type="datetimeFigureOut">
               <a:rPr lang="en-US" smtClean="0"/>
-              <a:t>1/17/2017</a:t>
+              <a:t>4/10/2017</a:t>
             </a:fld>
             <a:endParaRPr lang="en-US"/>
           </a:p>
@@ -5885,7 +5891,7 @@
           <a:p>
             <a:fld id="{97D96F92-60BC-4D7D-9EB3-890823037968}" type="datetimeFigureOut">
               <a:rPr lang="en-US" smtClean="0"/>
-              <a:t>1/17/2017</a:t>
+              <a:t>4/10/2017</a:t>
             </a:fld>
             <a:endParaRPr lang="en-US"/>
           </a:p>
@@ -6125,7 +6131,7 @@
           <a:p>
             <a:fld id="{97D96F92-60BC-4D7D-9EB3-890823037968}" type="datetimeFigureOut">
               <a:rPr lang="en-US" smtClean="0"/>
-              <a:t>1/17/2017</a:t>
+              <a:t>4/10/2017</a:t>
             </a:fld>
             <a:endParaRPr lang="en-US"/>
           </a:p>
@@ -6765,6 +6771,309 @@
       </p:grpSpPr>
       <p:pic>
         <p:nvPicPr>
+          <p:cNvPr id="4" name="Picture 3" descr="Home-Simpson-Thinking-Vector-Image.png"/>
+          <p:cNvPicPr>
+            <a:picLocks noChangeAspect="1"/>
+          </p:cNvPicPr>
+          <p:nvPr/>
+        </p:nvPicPr>
+        <p:blipFill rotWithShape="1">
+          <a:blip r:embed="rId3">
+            <a:extLst>
+              <a:ext uri="{28A0092B-C50C-407E-A947-70E740481C1C}">
+                <a14:useLocalDpi xmlns:a14="http://schemas.microsoft.com/office/drawing/2010/main" val="0"/>
+              </a:ext>
+            </a:extLst>
+          </a:blip>
+          <a:srcRect l="19149" r="21590" b="-3"/>
+          <a:stretch/>
+        </p:blipFill>
+        <p:spPr>
+          <a:xfrm>
+            <a:off x="6096000" y="10"/>
+            <a:ext cx="6096000" cy="6857990"/>
+          </a:xfrm>
+          <a:prstGeom prst="rect">
+            <a:avLst/>
+          </a:prstGeom>
+        </p:spPr>
+      </p:pic>
+      <p:sp useBgFill="1">
+        <p:nvSpPr>
+          <p:cNvPr id="6" name="Rectangle 5"/>
+          <p:cNvSpPr>
+            <a:spLocks noGrp="1" noRot="1" noChangeAspect="1" noMove="1" noResize="1" noEditPoints="1" noAdjustHandles="1" noChangeArrowheads="1" noChangeShapeType="1" noTextEdit="1"/>
+          </p:cNvSpPr>
+          <p:nvPr>
+            <p:extLst>
+              <p:ext uri="{386F3935-93C4-4BCD-93E2-E3B085C9AB24}">
+                <p16:designElem xmlns:p16="http://schemas.microsoft.com/office/powerpoint/2015/main" val="1"/>
+              </p:ext>
+            </p:extLst>
+          </p:nvPr>
+        </p:nvSpPr>
+        <p:spPr>
+          <a:xfrm>
+            <a:off x="0" y="0"/>
+            <a:ext cx="6096000" cy="6858000"/>
+          </a:xfrm>
+          <a:prstGeom prst="rect">
+            <a:avLst/>
+          </a:prstGeom>
+          <a:ln>
+            <a:noFill/>
+          </a:ln>
+          <a:effectLst>
+            <a:outerShdw blurRad="139700" dist="50800" algn="l" rotWithShape="0">
+              <a:prstClr val="black">
+                <a:alpha val="40000"/>
+              </a:prstClr>
+            </a:outerShdw>
+          </a:effectLst>
+        </p:spPr>
+        <p:style>
+          <a:lnRef idx="2">
+            <a:schemeClr val="accent1">
+              <a:shade val="50000"/>
+            </a:schemeClr>
+          </a:lnRef>
+          <a:fillRef idx="1">
+            <a:schemeClr val="accent1"/>
+          </a:fillRef>
+          <a:effectRef idx="0">
+            <a:schemeClr val="accent1"/>
+          </a:effectRef>
+          <a:fontRef idx="minor">
+            <a:schemeClr val="lt1"/>
+          </a:fontRef>
+        </p:style>
+        <p:txBody>
+          <a:bodyPr rtlCol="0" anchor="ctr"/>
+          <a:lstStyle/>
+          <a:p>
+            <a:pPr algn="ctr"/>
+            <a:endParaRPr lang="en-US"/>
+          </a:p>
+        </p:txBody>
+      </p:sp>
+      <p:sp>
+        <p:nvSpPr>
+          <p:cNvPr id="2" name="Title 1"/>
+          <p:cNvSpPr>
+            <a:spLocks noGrp="1"/>
+          </p:cNvSpPr>
+          <p:nvPr>
+            <p:ph type="title"/>
+          </p:nvPr>
+        </p:nvSpPr>
+        <p:spPr>
+          <a:xfrm>
+            <a:off x="838201" y="365125"/>
+            <a:ext cx="4854676" cy="1325563"/>
+          </a:xfrm>
+        </p:spPr>
+        <p:txBody>
+          <a:bodyPr>
+            <a:normAutofit/>
+          </a:bodyPr>
+          <a:lstStyle/>
+          <a:p>
+            <a:pPr>
+              <a:lnSpc>
+                <a:spcPct val="80000"/>
+              </a:lnSpc>
+            </a:pPr>
+            <a:r>
+              <a:rPr lang="en-US" sz="4600" dirty="0"/>
+              <a:t>Linear Regression- adjusting our guess </a:t>
+            </a:r>
+          </a:p>
+        </p:txBody>
+      </p:sp>
+      <mc:AlternateContent xmlns:mc="http://schemas.openxmlformats.org/markup-compatibility/2006" xmlns:a14="http://schemas.microsoft.com/office/drawing/2010/main">
+        <mc:Choice Requires="a14">
+          <p:sp>
+            <p:nvSpPr>
+              <p:cNvPr id="3" name="Content Placeholder 2"/>
+              <p:cNvSpPr>
+                <a:spLocks noGrp="1"/>
+              </p:cNvSpPr>
+              <p:nvPr>
+                <p:ph idx="1"/>
+              </p:nvPr>
+            </p:nvSpPr>
+            <p:spPr>
+              <a:xfrm>
+                <a:off x="1120000" y="1825625"/>
+                <a:ext cx="4572877" cy="4351338"/>
+              </a:xfrm>
+            </p:spPr>
+            <p:txBody>
+              <a:bodyPr>
+                <a:normAutofit/>
+              </a:bodyPr>
+              <a:lstStyle/>
+              <a:p>
+                <a:pPr>
+                  <a:lnSpc>
+                    <a:spcPct val="80000"/>
+                  </a:lnSpc>
+                </a:pPr>
+                <a:r>
+                  <a:rPr lang="en-US" sz="2600"/>
+                  <a:t>We could just set values for our input weights randomly until we find a low cost, but this approach is likely to give poor results and take a very long time to get any sort of good answer.</a:t>
+                </a:r>
+              </a:p>
+              <a:p>
+                <a:pPr>
+                  <a:lnSpc>
+                    <a:spcPct val="80000"/>
+                  </a:lnSpc>
+                </a:pPr>
+                <a:r>
+                  <a:rPr lang="en-US" sz="2600"/>
+                  <a:t>Each of our input weights, </a:t>
+                </a:r>
+                <a14:m>
+                  <m:oMath xmlns:m="http://schemas.openxmlformats.org/officeDocument/2006/math">
+                    <m:sSub>
+                      <m:sSubPr>
+                        <m:ctrlPr>
+                          <a:rPr lang="en-US" sz="2600" i="1">
+                            <a:latin typeface="Cambria Math" panose="02040503050406030204" pitchFamily="18" charset="0"/>
+                          </a:rPr>
+                        </m:ctrlPr>
+                      </m:sSubPr>
+                      <m:e>
+                        <m:r>
+                          <a:rPr lang="en-US" sz="2600" i="1">
+                            <a:latin typeface="Cambria Math" panose="02040503050406030204" pitchFamily="18" charset="0"/>
+                            <a:ea typeface="Cambria Math" panose="02040503050406030204" pitchFamily="18" charset="0"/>
+                          </a:rPr>
+                          <m:t>𝜃</m:t>
+                        </m:r>
+                      </m:e>
+                      <m:sub>
+                        <m:r>
+                          <a:rPr lang="en-US" sz="2600" i="1">
+                            <a:latin typeface="Cambria Math" panose="02040503050406030204" pitchFamily="18" charset="0"/>
+                          </a:rPr>
+                          <m:t>0</m:t>
+                        </m:r>
+                      </m:sub>
+                    </m:sSub>
+                    <m:r>
+                      <a:rPr lang="en-US" sz="2600" i="1">
+                        <a:latin typeface="Cambria Math" panose="02040503050406030204" pitchFamily="18" charset="0"/>
+                      </a:rPr>
+                      <m:t>,</m:t>
+                    </m:r>
+                    <m:sSub>
+                      <m:sSubPr>
+                        <m:ctrlPr>
+                          <a:rPr lang="en-US" sz="2600" i="1">
+                            <a:latin typeface="Cambria Math" panose="02040503050406030204" pitchFamily="18" charset="0"/>
+                          </a:rPr>
+                        </m:ctrlPr>
+                      </m:sSubPr>
+                      <m:e>
+                        <m:r>
+                          <a:rPr lang="en-US" sz="2600" i="1">
+                            <a:latin typeface="Cambria Math" panose="02040503050406030204" pitchFamily="18" charset="0"/>
+                            <a:ea typeface="Cambria Math" panose="02040503050406030204" pitchFamily="18" charset="0"/>
+                          </a:rPr>
+                          <m:t>𝜃</m:t>
+                        </m:r>
+                      </m:e>
+                      <m:sub>
+                        <m:r>
+                          <a:rPr lang="en-US" sz="2600" i="1">
+                            <a:latin typeface="Cambria Math" panose="02040503050406030204" pitchFamily="18" charset="0"/>
+                          </a:rPr>
+                          <m:t>1</m:t>
+                        </m:r>
+                      </m:sub>
+                    </m:sSub>
+                  </m:oMath>
+                </a14:m>
+                <a:r>
+                  <a:rPr lang="en-US" sz="2600"/>
+                  <a:t>, are linear values. If only we knew which direction to adjust them in so as to reduce our cost function result…</a:t>
+                </a:r>
+              </a:p>
+            </p:txBody>
+          </p:sp>
+        </mc:Choice>
+        <mc:Fallback xmlns="">
+          <p:sp>
+            <p:nvSpPr>
+              <p:cNvPr id="3" name="Content Placeholder 2"/>
+              <p:cNvSpPr>
+                <a:spLocks noGrp="1" noRot="1" noChangeAspect="1" noMove="1" noResize="1" noEditPoints="1" noAdjustHandles="1" noChangeArrowheads="1" noChangeShapeType="1" noTextEdit="1"/>
+              </p:cNvSpPr>
+              <p:nvPr>
+                <p:ph idx="1"/>
+              </p:nvPr>
+            </p:nvSpPr>
+            <p:spPr>
+              <a:xfrm>
+                <a:off x="1120000" y="1825625"/>
+                <a:ext cx="4572877" cy="4351338"/>
+              </a:xfrm>
+              <a:blipFill>
+                <a:blip r:embed="rId4"/>
+                <a:stretch>
+                  <a:fillRect/>
+                </a:stretch>
+              </a:blipFill>
+            </p:spPr>
+            <p:txBody>
+              <a:bodyPr/>
+              <a:lstStyle/>
+              <a:p>
+                <a:r>
+                  <a:rPr lang="en-US">
+                    <a:noFill/>
+                  </a:rPr>
+                  <a:t> </a:t>
+                </a:r>
+              </a:p>
+            </p:txBody>
+          </p:sp>
+        </mc:Fallback>
+      </mc:AlternateContent>
+    </p:spTree>
+    <p:extLst>
+      <p:ext uri="{BB962C8B-B14F-4D97-AF65-F5344CB8AC3E}">
+        <p14:creationId xmlns:p14="http://schemas.microsoft.com/office/powerpoint/2010/main" val="2981040638"/>
+      </p:ext>
+    </p:extLst>
+  </p:cSld>
+  <p:clrMapOvr>
+    <a:masterClrMapping/>
+  </p:clrMapOvr>
+</p:sld>
+</file>
+
+<file path=ppt/slides/slide11.xml><?xml version="1.0" encoding="utf-8"?>
+<p:sld xmlns:a="http://schemas.openxmlformats.org/drawingml/2006/main" xmlns:r="http://schemas.openxmlformats.org/officeDocument/2006/relationships" xmlns:p="http://schemas.openxmlformats.org/presentationml/2006/main">
+  <p:cSld>
+    <p:spTree>
+      <p:nvGrpSpPr>
+        <p:cNvPr id="1" name=""/>
+        <p:cNvGrpSpPr/>
+        <p:nvPr/>
+      </p:nvGrpSpPr>
+      <p:grpSpPr>
+        <a:xfrm>
+          <a:off x="0" y="0"/>
+          <a:ext cx="0" cy="0"/>
+          <a:chOff x="0" y="0"/>
+          <a:chExt cx="0" cy="0"/>
+        </a:xfrm>
+      </p:grpSpPr>
+      <p:pic>
+        <p:nvPicPr>
           <p:cNvPr id="4" name="Picture 3"/>
           <p:cNvPicPr>
             <a:picLocks noChangeAspect="1"/>
@@ -6817,13 +7126,13 @@
           <a:p>
             <a:r>
               <a:rPr lang="en-US" dirty="0"/>
-              <a:t>Linear Regression - adjusting our guess</a:t>
+              <a:t>Linear Regression – This looks like a job for Calculus!</a:t>
             </a:r>
           </a:p>
         </p:txBody>
       </p:sp>
-      <mc:AlternateContent xmlns:mc="http://schemas.openxmlformats.org/markup-compatibility/2006">
-        <mc:Choice xmlns:a14="http://schemas.microsoft.com/office/drawing/2010/main" Requires="a14">
+      <mc:AlternateContent xmlns:mc="http://schemas.openxmlformats.org/markup-compatibility/2006" xmlns:a14="http://schemas.microsoft.com/office/drawing/2010/main">
+        <mc:Choice Requires="a14">
           <p:sp>
             <p:nvSpPr>
               <p:cNvPr id="3" name="Content Placeholder 2"/>
@@ -6847,7 +7156,7 @@
               <a:lstStyle/>
               <a:p>
                 <a:r>
-                  <a:rPr lang="en-US" dirty="0"/>
+                  <a:rPr lang="en-US" i="1" dirty="0"/>
                   <a:t>Going to 2d view of cost across one feature to make life easier.</a:t>
                 </a:r>
               </a:p>
@@ -6958,7 +7267,7 @@
                 </a14:m>
                 <a:r>
                   <a:rPr lang="en-US" dirty="0"/>
-                  <a:t> defines the positions on the graph, then its partial derivative, </a:t>
+                  <a:t> defines the positions on the graph, then its derivative,</a:t>
                 </a:r>
                 <a14:m>
                   <m:oMath xmlns:m="http://schemas.openxmlformats.org/officeDocument/2006/math">
@@ -7134,7 +7443,7 @@
             </p:txBody>
           </p:sp>
         </mc:Choice>
-        <mc:Fallback>
+        <mc:Fallback xmlns="">
           <p:sp>
             <p:nvSpPr>
               <p:cNvPr id="3" name="Content Placeholder 2"/>
@@ -7632,7 +7941,7 @@
 </p:sld>
 </file>
 
-<file path=ppt/slides/slide11.xml><?xml version="1.0" encoding="utf-8"?>
+<file path=ppt/slides/slide12.xml><?xml version="1.0" encoding="utf-8"?>
 <p:sld xmlns:a="http://schemas.openxmlformats.org/drawingml/2006/main" xmlns:r="http://schemas.openxmlformats.org/officeDocument/2006/relationships" xmlns:p="http://schemas.openxmlformats.org/presentationml/2006/main">
   <p:cSld>
     <p:spTree>
@@ -9354,7 +9663,1193 @@
 </p:sld>
 </file>
 
-<file path=ppt/slides/slide12.xml><?xml version="1.0" encoding="utf-8"?>
+<file path=ppt/slides/slide13.xml><?xml version="1.0" encoding="utf-8"?>
+<p:sld xmlns:a="http://schemas.openxmlformats.org/drawingml/2006/main" xmlns:r="http://schemas.openxmlformats.org/officeDocument/2006/relationships" xmlns:p="http://schemas.openxmlformats.org/presentationml/2006/main">
+  <p:cSld>
+    <p:spTree>
+      <p:nvGrpSpPr>
+        <p:cNvPr id="1" name=""/>
+        <p:cNvGrpSpPr/>
+        <p:nvPr/>
+      </p:nvGrpSpPr>
+      <p:grpSpPr>
+        <a:xfrm>
+          <a:off x="0" y="0"/>
+          <a:ext cx="0" cy="0"/>
+          <a:chOff x="0" y="0"/>
+          <a:chExt cx="0" cy="0"/>
+        </a:xfrm>
+      </p:grpSpPr>
+      <p:sp>
+        <p:nvSpPr>
+          <p:cNvPr id="2" name="Title 1"/>
+          <p:cNvSpPr>
+            <a:spLocks noGrp="1"/>
+          </p:cNvSpPr>
+          <p:nvPr>
+            <p:ph type="title"/>
+          </p:nvPr>
+        </p:nvSpPr>
+        <p:spPr/>
+        <p:txBody>
+          <a:bodyPr>
+            <a:normAutofit fontScale="90000"/>
+          </a:bodyPr>
+          <a:lstStyle/>
+          <a:p>
+            <a:r>
+              <a:rPr lang="en-US" dirty="0"/>
+              <a:t>Partial derivative of cost pseudo-code</a:t>
+            </a:r>
+          </a:p>
+        </p:txBody>
+      </p:sp>
+      <mc:AlternateContent xmlns:mc="http://schemas.openxmlformats.org/markup-compatibility/2006" xmlns:a14="http://schemas.microsoft.com/office/drawing/2010/main">
+        <mc:Choice Requires="a14">
+          <p:sp>
+            <p:nvSpPr>
+              <p:cNvPr id="3" name="Content Placeholder 2"/>
+              <p:cNvSpPr>
+                <a:spLocks noGrp="1"/>
+              </p:cNvSpPr>
+              <p:nvPr>
+                <p:ph idx="1"/>
+              </p:nvPr>
+            </p:nvSpPr>
+            <p:spPr/>
+            <p:txBody>
+              <a:bodyPr>
+                <a:normAutofit lnSpcReduction="10000"/>
+              </a:bodyPr>
+              <a:lstStyle/>
+              <a:p>
+                <a14:m>
+                  <m:oMath xmlns:m="http://schemas.openxmlformats.org/officeDocument/2006/math">
+                    <m:f>
+                      <m:fPr>
+                        <m:ctrlPr>
+                          <a:rPr lang="en-US" i="1" smtClean="0">
+                            <a:solidFill>
+                              <a:schemeClr val="tx1"/>
+                            </a:solidFill>
+                            <a:latin typeface="Cambria Math" panose="02040503050406030204" pitchFamily="18" charset="0"/>
+                          </a:rPr>
+                        </m:ctrlPr>
+                      </m:fPr>
+                      <m:num>
+                        <m:r>
+                          <a:rPr lang="en-US" i="1">
+                            <a:solidFill>
+                              <a:schemeClr val="tx1"/>
+                            </a:solidFill>
+                            <a:latin typeface="Cambria Math" panose="02040503050406030204" pitchFamily="18" charset="0"/>
+                          </a:rPr>
+                          <m:t>𝜕</m:t>
+                        </m:r>
+                      </m:num>
+                      <m:den>
+                        <m:r>
+                          <a:rPr lang="en-US" i="1">
+                            <a:solidFill>
+                              <a:schemeClr val="tx1"/>
+                            </a:solidFill>
+                            <a:latin typeface="Cambria Math" panose="02040503050406030204" pitchFamily="18" charset="0"/>
+                          </a:rPr>
+                          <m:t>𝜕</m:t>
+                        </m:r>
+                        <m:sSub>
+                          <m:sSubPr>
+                            <m:ctrlPr>
+                              <a:rPr lang="en-US" i="1">
+                                <a:solidFill>
+                                  <a:schemeClr val="tx1"/>
+                                </a:solidFill>
+                                <a:latin typeface="Cambria Math" panose="02040503050406030204" pitchFamily="18" charset="0"/>
+                              </a:rPr>
+                            </m:ctrlPr>
+                          </m:sSubPr>
+                          <m:e>
+                            <m:r>
+                              <a:rPr lang="en-US" i="1">
+                                <a:solidFill>
+                                  <a:schemeClr val="tx1"/>
+                                </a:solidFill>
+                                <a:latin typeface="Cambria Math" panose="02040503050406030204" pitchFamily="18" charset="0"/>
+                                <a:ea typeface="Cambria Math" panose="02040503050406030204" pitchFamily="18" charset="0"/>
+                              </a:rPr>
+                              <m:t>𝜃</m:t>
+                            </m:r>
+                          </m:e>
+                          <m:sub>
+                            <m:r>
+                              <a:rPr lang="en-US" i="1">
+                                <a:solidFill>
+                                  <a:schemeClr val="tx1"/>
+                                </a:solidFill>
+                                <a:latin typeface="Cambria Math" panose="02040503050406030204" pitchFamily="18" charset="0"/>
+                              </a:rPr>
+                              <m:t>𝑗</m:t>
+                            </m:r>
+                          </m:sub>
+                        </m:sSub>
+                      </m:den>
+                    </m:f>
+                    <m:r>
+                      <a:rPr lang="en-US" i="1">
+                        <a:solidFill>
+                          <a:schemeClr val="tx1"/>
+                        </a:solidFill>
+                        <a:latin typeface="Cambria Math" panose="02040503050406030204" pitchFamily="18" charset="0"/>
+                      </a:rPr>
+                      <m:t>𝐽</m:t>
+                    </m:r>
+                    <m:d>
+                      <m:dPr>
+                        <m:ctrlPr>
+                          <a:rPr lang="en-US" i="1">
+                            <a:solidFill>
+                              <a:schemeClr val="tx1"/>
+                            </a:solidFill>
+                            <a:latin typeface="Cambria Math" panose="02040503050406030204" pitchFamily="18" charset="0"/>
+                          </a:rPr>
+                        </m:ctrlPr>
+                      </m:dPr>
+                      <m:e>
+                        <m:sSub>
+                          <m:sSubPr>
+                            <m:ctrlPr>
+                              <a:rPr lang="en-US" i="1">
+                                <a:solidFill>
+                                  <a:schemeClr val="tx1"/>
+                                </a:solidFill>
+                                <a:latin typeface="Cambria Math" panose="02040503050406030204" pitchFamily="18" charset="0"/>
+                              </a:rPr>
+                            </m:ctrlPr>
+                          </m:sSubPr>
+                          <m:e>
+                            <m:r>
+                              <a:rPr lang="en-US" i="1">
+                                <a:solidFill>
+                                  <a:schemeClr val="tx1"/>
+                                </a:solidFill>
+                                <a:latin typeface="Cambria Math" panose="02040503050406030204" pitchFamily="18" charset="0"/>
+                                <a:ea typeface="Cambria Math" panose="02040503050406030204" pitchFamily="18" charset="0"/>
+                              </a:rPr>
+                              <m:t>𝜃</m:t>
+                            </m:r>
+                          </m:e>
+                          <m:sub>
+                            <m:r>
+                              <a:rPr lang="en-US" i="1">
+                                <a:solidFill>
+                                  <a:schemeClr val="tx1"/>
+                                </a:solidFill>
+                                <a:latin typeface="Cambria Math" panose="02040503050406030204" pitchFamily="18" charset="0"/>
+                              </a:rPr>
+                              <m:t>0</m:t>
+                            </m:r>
+                          </m:sub>
+                        </m:sSub>
+                        <m:r>
+                          <a:rPr lang="en-US" i="1">
+                            <a:solidFill>
+                              <a:schemeClr val="tx1"/>
+                            </a:solidFill>
+                            <a:latin typeface="Cambria Math" panose="02040503050406030204" pitchFamily="18" charset="0"/>
+                          </a:rPr>
+                          <m:t>,</m:t>
+                        </m:r>
+                        <m:sSub>
+                          <m:sSubPr>
+                            <m:ctrlPr>
+                              <a:rPr lang="en-US" i="1">
+                                <a:solidFill>
+                                  <a:schemeClr val="tx1"/>
+                                </a:solidFill>
+                                <a:latin typeface="Cambria Math" panose="02040503050406030204" pitchFamily="18" charset="0"/>
+                              </a:rPr>
+                            </m:ctrlPr>
+                          </m:sSubPr>
+                          <m:e>
+                            <m:r>
+                              <a:rPr lang="en-US" i="1">
+                                <a:solidFill>
+                                  <a:schemeClr val="tx1"/>
+                                </a:solidFill>
+                                <a:latin typeface="Cambria Math" panose="02040503050406030204" pitchFamily="18" charset="0"/>
+                                <a:ea typeface="Cambria Math" panose="02040503050406030204" pitchFamily="18" charset="0"/>
+                              </a:rPr>
+                              <m:t>𝜃</m:t>
+                            </m:r>
+                          </m:e>
+                          <m:sub>
+                            <m:r>
+                              <a:rPr lang="en-US" i="1">
+                                <a:solidFill>
+                                  <a:schemeClr val="tx1"/>
+                                </a:solidFill>
+                                <a:latin typeface="Cambria Math" panose="02040503050406030204" pitchFamily="18" charset="0"/>
+                              </a:rPr>
+                              <m:t>1</m:t>
+                            </m:r>
+                          </m:sub>
+                        </m:sSub>
+                      </m:e>
+                    </m:d>
+                    <m:r>
+                      <a:rPr lang="en-US" i="1">
+                        <a:solidFill>
+                          <a:schemeClr val="tx1"/>
+                        </a:solidFill>
+                        <a:latin typeface="Cambria Math" panose="02040503050406030204" pitchFamily="18" charset="0"/>
+                      </a:rPr>
+                      <m:t>= </m:t>
+                    </m:r>
+                    <m:f>
+                      <m:fPr>
+                        <m:ctrlPr>
+                          <a:rPr lang="en-US" i="1">
+                            <a:solidFill>
+                              <a:schemeClr val="tx1"/>
+                            </a:solidFill>
+                            <a:latin typeface="Cambria Math" panose="02040503050406030204" pitchFamily="18" charset="0"/>
+                            <a:ea typeface="Cambria Math" panose="02040503050406030204" pitchFamily="18" charset="0"/>
+                          </a:rPr>
+                        </m:ctrlPr>
+                      </m:fPr>
+                      <m:num>
+                        <m:r>
+                          <a:rPr lang="en-US" i="1">
+                            <a:solidFill>
+                              <a:schemeClr val="tx1"/>
+                            </a:solidFill>
+                            <a:latin typeface="Cambria Math" panose="02040503050406030204" pitchFamily="18" charset="0"/>
+                            <a:ea typeface="Cambria Math" panose="02040503050406030204" pitchFamily="18" charset="0"/>
+                          </a:rPr>
+                          <m:t>1</m:t>
+                        </m:r>
+                      </m:num>
+                      <m:den>
+                        <m:r>
+                          <a:rPr lang="en-US" i="1">
+                            <a:solidFill>
+                              <a:schemeClr val="tx1"/>
+                            </a:solidFill>
+                            <a:latin typeface="Cambria Math" panose="02040503050406030204" pitchFamily="18" charset="0"/>
+                            <a:ea typeface="Cambria Math" panose="02040503050406030204" pitchFamily="18" charset="0"/>
+                          </a:rPr>
+                          <m:t>𝑚</m:t>
+                        </m:r>
+                      </m:den>
+                    </m:f>
+                    <m:nary>
+                      <m:naryPr>
+                        <m:chr m:val="∑"/>
+                        <m:ctrlPr>
+                          <a:rPr lang="en-US" i="1">
+                            <a:solidFill>
+                              <a:schemeClr val="tx1"/>
+                            </a:solidFill>
+                            <a:latin typeface="Cambria Math" panose="02040503050406030204" pitchFamily="18" charset="0"/>
+                            <a:ea typeface="Cambria Math" panose="02040503050406030204" pitchFamily="18" charset="0"/>
+                          </a:rPr>
+                        </m:ctrlPr>
+                      </m:naryPr>
+                      <m:sub>
+                        <m:r>
+                          <m:rPr>
+                            <m:brk m:alnAt="23"/>
+                          </m:rPr>
+                          <a:rPr lang="en-US" i="1">
+                            <a:solidFill>
+                              <a:schemeClr val="tx1"/>
+                            </a:solidFill>
+                            <a:latin typeface="Cambria Math" panose="02040503050406030204" pitchFamily="18" charset="0"/>
+                            <a:ea typeface="Cambria Math" panose="02040503050406030204" pitchFamily="18" charset="0"/>
+                          </a:rPr>
+                          <m:t>𝑖</m:t>
+                        </m:r>
+                        <m:r>
+                          <a:rPr lang="en-US" i="1">
+                            <a:solidFill>
+                              <a:schemeClr val="tx1"/>
+                            </a:solidFill>
+                            <a:latin typeface="Cambria Math" panose="02040503050406030204" pitchFamily="18" charset="0"/>
+                            <a:ea typeface="Cambria Math" panose="02040503050406030204" pitchFamily="18" charset="0"/>
+                          </a:rPr>
+                          <m:t>=1</m:t>
+                        </m:r>
+                      </m:sub>
+                      <m:sup>
+                        <m:r>
+                          <a:rPr lang="en-US" i="1">
+                            <a:solidFill>
+                              <a:schemeClr val="tx1"/>
+                            </a:solidFill>
+                            <a:latin typeface="Cambria Math" panose="02040503050406030204" pitchFamily="18" charset="0"/>
+                            <a:ea typeface="Cambria Math" panose="02040503050406030204" pitchFamily="18" charset="0"/>
+                          </a:rPr>
+                          <m:t>𝑚</m:t>
+                        </m:r>
+                      </m:sup>
+                      <m:e>
+                        <m:d>
+                          <m:dPr>
+                            <m:ctrlPr>
+                              <a:rPr lang="en-US" i="1">
+                                <a:solidFill>
+                                  <a:schemeClr val="tx1"/>
+                                </a:solidFill>
+                                <a:latin typeface="Cambria Math" panose="02040503050406030204" pitchFamily="18" charset="0"/>
+                                <a:ea typeface="Cambria Math" panose="02040503050406030204" pitchFamily="18" charset="0"/>
+                              </a:rPr>
+                            </m:ctrlPr>
+                          </m:dPr>
+                          <m:e>
+                            <m:sSub>
+                              <m:sSubPr>
+                                <m:ctrlPr>
+                                  <a:rPr lang="en-US" i="1">
+                                    <a:solidFill>
+                                      <a:schemeClr val="tx1"/>
+                                    </a:solidFill>
+                                    <a:latin typeface="Cambria Math" panose="02040503050406030204" pitchFamily="18" charset="0"/>
+                                    <a:ea typeface="Cambria Math" panose="02040503050406030204" pitchFamily="18" charset="0"/>
+                                  </a:rPr>
+                                </m:ctrlPr>
+                              </m:sSubPr>
+                              <m:e>
+                                <m:r>
+                                  <a:rPr lang="en-US" i="1">
+                                    <a:solidFill>
+                                      <a:schemeClr val="tx1"/>
+                                    </a:solidFill>
+                                    <a:latin typeface="Cambria Math" panose="02040503050406030204" pitchFamily="18" charset="0"/>
+                                    <a:ea typeface="Cambria Math" panose="02040503050406030204" pitchFamily="18" charset="0"/>
+                                  </a:rPr>
+                                  <m:t>h</m:t>
+                                </m:r>
+                              </m:e>
+                              <m:sub>
+                                <m:r>
+                                  <a:rPr lang="en-US" i="1">
+                                    <a:solidFill>
+                                      <a:schemeClr val="tx1"/>
+                                    </a:solidFill>
+                                    <a:latin typeface="Cambria Math" panose="02040503050406030204" pitchFamily="18" charset="0"/>
+                                    <a:ea typeface="Cambria Math" panose="02040503050406030204" pitchFamily="18" charset="0"/>
+                                  </a:rPr>
+                                  <m:t>𝜃</m:t>
+                                </m:r>
+                              </m:sub>
+                            </m:sSub>
+                            <m:d>
+                              <m:dPr>
+                                <m:ctrlPr>
+                                  <a:rPr lang="en-US" i="1">
+                                    <a:solidFill>
+                                      <a:schemeClr val="tx1"/>
+                                    </a:solidFill>
+                                    <a:latin typeface="Cambria Math" panose="02040503050406030204" pitchFamily="18" charset="0"/>
+                                    <a:ea typeface="Cambria Math" panose="02040503050406030204" pitchFamily="18" charset="0"/>
+                                  </a:rPr>
+                                </m:ctrlPr>
+                              </m:dPr>
+                              <m:e>
+                                <m:sSub>
+                                  <m:sSubPr>
+                                    <m:ctrlPr>
+                                      <a:rPr lang="en-US" i="1">
+                                        <a:solidFill>
+                                          <a:schemeClr val="tx1"/>
+                                        </a:solidFill>
+                                        <a:latin typeface="Cambria Math" panose="02040503050406030204" pitchFamily="18" charset="0"/>
+                                        <a:ea typeface="Cambria Math" panose="02040503050406030204" pitchFamily="18" charset="0"/>
+                                      </a:rPr>
+                                    </m:ctrlPr>
+                                  </m:sSubPr>
+                                  <m:e>
+                                    <m:r>
+                                      <a:rPr lang="en-US" i="1">
+                                        <a:solidFill>
+                                          <a:schemeClr val="tx1"/>
+                                        </a:solidFill>
+                                        <a:latin typeface="Cambria Math" panose="02040503050406030204" pitchFamily="18" charset="0"/>
+                                        <a:ea typeface="Cambria Math" panose="02040503050406030204" pitchFamily="18" charset="0"/>
+                                      </a:rPr>
+                                      <m:t>𝑥</m:t>
+                                    </m:r>
+                                  </m:e>
+                                  <m:sub>
+                                    <m:r>
+                                      <a:rPr lang="en-US" i="1">
+                                        <a:solidFill>
+                                          <a:schemeClr val="tx1"/>
+                                        </a:solidFill>
+                                        <a:latin typeface="Cambria Math" panose="02040503050406030204" pitchFamily="18" charset="0"/>
+                                        <a:ea typeface="Cambria Math" panose="02040503050406030204" pitchFamily="18" charset="0"/>
+                                      </a:rPr>
+                                      <m:t>𝑖</m:t>
+                                    </m:r>
+                                  </m:sub>
+                                </m:sSub>
+                              </m:e>
+                            </m:d>
+                            <m:r>
+                              <a:rPr lang="en-US" i="1">
+                                <a:solidFill>
+                                  <a:schemeClr val="tx1"/>
+                                </a:solidFill>
+                                <a:latin typeface="Cambria Math" panose="02040503050406030204" pitchFamily="18" charset="0"/>
+                                <a:ea typeface="Cambria Math" panose="02040503050406030204" pitchFamily="18" charset="0"/>
+                              </a:rPr>
+                              <m:t> − </m:t>
+                            </m:r>
+                            <m:sSub>
+                              <m:sSubPr>
+                                <m:ctrlPr>
+                                  <a:rPr lang="en-US" i="1">
+                                    <a:solidFill>
+                                      <a:schemeClr val="tx1"/>
+                                    </a:solidFill>
+                                    <a:latin typeface="Cambria Math" panose="02040503050406030204" pitchFamily="18" charset="0"/>
+                                    <a:ea typeface="Cambria Math" panose="02040503050406030204" pitchFamily="18" charset="0"/>
+                                  </a:rPr>
+                                </m:ctrlPr>
+                              </m:sSubPr>
+                              <m:e>
+                                <m:r>
+                                  <a:rPr lang="en-US" i="1">
+                                    <a:solidFill>
+                                      <a:schemeClr val="tx1"/>
+                                    </a:solidFill>
+                                    <a:latin typeface="Cambria Math" panose="02040503050406030204" pitchFamily="18" charset="0"/>
+                                    <a:ea typeface="Cambria Math" panose="02040503050406030204" pitchFamily="18" charset="0"/>
+                                  </a:rPr>
+                                  <m:t>𝑦</m:t>
+                                </m:r>
+                              </m:e>
+                              <m:sub>
+                                <m:r>
+                                  <a:rPr lang="en-US" i="1">
+                                    <a:solidFill>
+                                      <a:schemeClr val="tx1"/>
+                                    </a:solidFill>
+                                    <a:latin typeface="Cambria Math" panose="02040503050406030204" pitchFamily="18" charset="0"/>
+                                    <a:ea typeface="Cambria Math" panose="02040503050406030204" pitchFamily="18" charset="0"/>
+                                  </a:rPr>
+                                  <m:t>𝑖</m:t>
+                                </m:r>
+                              </m:sub>
+                            </m:sSub>
+                          </m:e>
+                        </m:d>
+                      </m:e>
+                    </m:nary>
+                    <m:r>
+                      <a:rPr lang="en-US" i="1">
+                        <a:solidFill>
+                          <a:schemeClr val="tx1"/>
+                        </a:solidFill>
+                        <a:latin typeface="Cambria Math" panose="02040503050406030204" pitchFamily="18" charset="0"/>
+                        <a:ea typeface="Cambria Math" panose="02040503050406030204" pitchFamily="18" charset="0"/>
+                      </a:rPr>
+                      <m:t> ∗</m:t>
+                    </m:r>
+                    <m:sSub>
+                      <m:sSubPr>
+                        <m:ctrlPr>
+                          <a:rPr lang="en-US" i="1">
+                            <a:solidFill>
+                              <a:schemeClr val="tx1"/>
+                            </a:solidFill>
+                            <a:latin typeface="Cambria Math" panose="02040503050406030204" pitchFamily="18" charset="0"/>
+                            <a:ea typeface="Cambria Math" panose="02040503050406030204" pitchFamily="18" charset="0"/>
+                          </a:rPr>
+                        </m:ctrlPr>
+                      </m:sSubPr>
+                      <m:e>
+                        <m:r>
+                          <a:rPr lang="en-US" i="1">
+                            <a:solidFill>
+                              <a:schemeClr val="tx1"/>
+                            </a:solidFill>
+                            <a:latin typeface="Cambria Math" panose="02040503050406030204" pitchFamily="18" charset="0"/>
+                            <a:ea typeface="Cambria Math" panose="02040503050406030204" pitchFamily="18" charset="0"/>
+                          </a:rPr>
+                          <m:t>𝑥</m:t>
+                        </m:r>
+                      </m:e>
+                      <m:sub>
+                        <m:r>
+                          <a:rPr lang="en-US" i="1">
+                            <a:solidFill>
+                              <a:schemeClr val="tx1"/>
+                            </a:solidFill>
+                            <a:latin typeface="Cambria Math" panose="02040503050406030204" pitchFamily="18" charset="0"/>
+                            <a:ea typeface="Cambria Math" panose="02040503050406030204" pitchFamily="18" charset="0"/>
+                          </a:rPr>
+                          <m:t>𝑖</m:t>
+                        </m:r>
+                      </m:sub>
+                    </m:sSub>
+                  </m:oMath>
+                </a14:m>
+                <a:r>
+                  <a:rPr lang="en-US" dirty="0">
+                    <a:solidFill>
+                      <a:schemeClr val="tx1"/>
+                    </a:solidFill>
+                  </a:rPr>
+                  <a:t> where </a:t>
+                </a:r>
+                <a14:m>
+                  <m:oMath xmlns:m="http://schemas.openxmlformats.org/officeDocument/2006/math">
+                    <m:sSub>
+                      <m:sSubPr>
+                        <m:ctrlPr>
+                          <a:rPr lang="en-US" i="1">
+                            <a:solidFill>
+                              <a:schemeClr val="tx1"/>
+                            </a:solidFill>
+                            <a:latin typeface="Cambria Math" panose="02040503050406030204" pitchFamily="18" charset="0"/>
+                            <a:ea typeface="Cambria Math" panose="02040503050406030204" pitchFamily="18" charset="0"/>
+                          </a:rPr>
+                        </m:ctrlPr>
+                      </m:sSubPr>
+                      <m:e>
+                        <m:r>
+                          <a:rPr lang="en-US" i="1">
+                            <a:solidFill>
+                              <a:schemeClr val="tx1"/>
+                            </a:solidFill>
+                            <a:latin typeface="Cambria Math" panose="02040503050406030204" pitchFamily="18" charset="0"/>
+                            <a:ea typeface="Cambria Math" panose="02040503050406030204" pitchFamily="18" charset="0"/>
+                          </a:rPr>
+                          <m:t>𝑥</m:t>
+                        </m:r>
+                      </m:e>
+                      <m:sub>
+                        <m:r>
+                          <a:rPr lang="en-US" b="0" i="1" smtClean="0">
+                            <a:solidFill>
+                              <a:schemeClr val="tx1"/>
+                            </a:solidFill>
+                            <a:latin typeface="Cambria Math" panose="02040503050406030204" pitchFamily="18" charset="0"/>
+                            <a:ea typeface="Cambria Math" panose="02040503050406030204" pitchFamily="18" charset="0"/>
+                          </a:rPr>
+                          <m:t>0</m:t>
+                        </m:r>
+                      </m:sub>
+                    </m:sSub>
+                    <m:r>
+                      <a:rPr lang="en-US" b="0" i="1" smtClean="0">
+                        <a:solidFill>
+                          <a:schemeClr val="tx1"/>
+                        </a:solidFill>
+                        <a:latin typeface="Cambria Math" panose="02040503050406030204" pitchFamily="18" charset="0"/>
+                        <a:ea typeface="Cambria Math" panose="02040503050406030204" pitchFamily="18" charset="0"/>
+                      </a:rPr>
+                      <m:t>=1</m:t>
+                    </m:r>
+                  </m:oMath>
+                </a14:m>
+                <a:endParaRPr lang="en-US" dirty="0">
+                  <a:solidFill>
+                    <a:schemeClr val="tx1"/>
+                  </a:solidFill>
+                </a:endParaRPr>
+              </a:p>
+              <a:p>
+                <a:pPr marL="0" indent="0">
+                  <a:buNone/>
+                </a:pPr>
+                <a:endParaRPr lang="en-US" dirty="0">
+                  <a:solidFill>
+                    <a:schemeClr val="tx1"/>
+                  </a:solidFill>
+                </a:endParaRPr>
+              </a:p>
+              <a:p>
+                <a:r>
+                  <a:rPr lang="en-US" dirty="0">
+                    <a:solidFill>
+                      <a:schemeClr val="tx1"/>
+                    </a:solidFill>
+                    <a:latin typeface="Verdana" panose="020B0604030504040204" pitchFamily="34" charset="0"/>
+                    <a:ea typeface="Verdana" panose="020B0604030504040204" pitchFamily="34" charset="0"/>
+                    <a:cs typeface="Verdana" panose="020B0604030504040204" pitchFamily="34" charset="0"/>
+                  </a:rPr>
+                  <a:t>for each feature </a:t>
+                </a:r>
+                <a:r>
+                  <a:rPr lang="en-US" i="1" dirty="0">
+                    <a:solidFill>
+                      <a:srgbClr val="FFC000"/>
+                    </a:solidFill>
+                    <a:latin typeface="Verdana" panose="020B0604030504040204" pitchFamily="34" charset="0"/>
+                    <a:ea typeface="Verdana" panose="020B0604030504040204" pitchFamily="34" charset="0"/>
+                    <a:cs typeface="Verdana" panose="020B0604030504040204" pitchFamily="34" charset="0"/>
+                  </a:rPr>
+                  <a:t>(there are </a:t>
+                </a:r>
+                <a14:m>
+                  <m:oMath xmlns:m="http://schemas.openxmlformats.org/officeDocument/2006/math">
+                    <m:r>
+                      <a:rPr lang="en-US" i="1">
+                        <a:solidFill>
+                          <a:srgbClr val="FFC000"/>
+                        </a:solidFill>
+                        <a:latin typeface="Cambria Math" panose="02040503050406030204" pitchFamily="18" charset="0"/>
+                        <a:ea typeface="Cambria Math" panose="02040503050406030204" pitchFamily="18" charset="0"/>
+                      </a:rPr>
+                      <m:t>𝑚</m:t>
+                    </m:r>
+                  </m:oMath>
+                </a14:m>
+                <a:r>
+                  <a:rPr lang="en-US" i="1" dirty="0">
+                    <a:solidFill>
+                      <a:srgbClr val="FFC000"/>
+                    </a:solidFill>
+                  </a:rPr>
+                  <a:t> </a:t>
+                </a:r>
+                <a:r>
+                  <a:rPr lang="en-US" i="1" dirty="0">
+                    <a:solidFill>
+                      <a:srgbClr val="FFC000"/>
+                    </a:solidFill>
+                    <a:latin typeface="Verdana" panose="020B0604030504040204" pitchFamily="34" charset="0"/>
+                    <a:ea typeface="Verdana" panose="020B0604030504040204" pitchFamily="34" charset="0"/>
+                    <a:cs typeface="Verdana" panose="020B0604030504040204" pitchFamily="34" charset="0"/>
+                  </a:rPr>
+                  <a:t>number of features)</a:t>
+                </a:r>
+              </a:p>
+              <a:p>
+                <a:pPr lvl="1"/>
+                <a:r>
+                  <a:rPr lang="en-US" dirty="0" err="1">
+                    <a:solidFill>
+                      <a:schemeClr val="tx1"/>
+                    </a:solidFill>
+                    <a:latin typeface="Verdana" panose="020B0604030504040204" pitchFamily="34" charset="0"/>
+                    <a:ea typeface="Verdana" panose="020B0604030504040204" pitchFamily="34" charset="0"/>
+                    <a:cs typeface="Verdana" panose="020B0604030504040204" pitchFamily="34" charset="0"/>
+                  </a:rPr>
+                  <a:t>featureError</a:t>
+                </a:r>
+                <a:r>
+                  <a:rPr lang="en-US" dirty="0">
+                    <a:solidFill>
+                      <a:schemeClr val="tx1"/>
+                    </a:solidFill>
+                    <a:latin typeface="Verdana" panose="020B0604030504040204" pitchFamily="34" charset="0"/>
+                    <a:ea typeface="Verdana" panose="020B0604030504040204" pitchFamily="34" charset="0"/>
+                    <a:cs typeface="Verdana" panose="020B0604030504040204" pitchFamily="34" charset="0"/>
+                  </a:rPr>
+                  <a:t> = </a:t>
+                </a:r>
+                <a:r>
+                  <a:rPr lang="en-US" dirty="0" err="1">
+                    <a:solidFill>
+                      <a:schemeClr val="tx1"/>
+                    </a:solidFill>
+                    <a:latin typeface="Verdana" panose="020B0604030504040204" pitchFamily="34" charset="0"/>
+                    <a:ea typeface="Verdana" panose="020B0604030504040204" pitchFamily="34" charset="0"/>
+                    <a:cs typeface="Verdana" panose="020B0604030504040204" pitchFamily="34" charset="0"/>
+                  </a:rPr>
+                  <a:t>linearHeuristic</a:t>
+                </a:r>
+                <a:r>
+                  <a:rPr lang="en-US" dirty="0">
+                    <a:solidFill>
+                      <a:schemeClr val="tx1"/>
+                    </a:solidFill>
+                    <a:latin typeface="Verdana" panose="020B0604030504040204" pitchFamily="34" charset="0"/>
+                    <a:ea typeface="Verdana" panose="020B0604030504040204" pitchFamily="34" charset="0"/>
+                    <a:cs typeface="Verdana" panose="020B0604030504040204" pitchFamily="34" charset="0"/>
+                  </a:rPr>
+                  <a:t>(</a:t>
+                </a:r>
+                <a:r>
+                  <a:rPr lang="en-US" dirty="0" err="1">
+                    <a:solidFill>
+                      <a:schemeClr val="tx1"/>
+                    </a:solidFill>
+                    <a:latin typeface="Verdana" panose="020B0604030504040204" pitchFamily="34" charset="0"/>
+                    <a:ea typeface="Verdana" panose="020B0604030504040204" pitchFamily="34" charset="0"/>
+                    <a:cs typeface="Verdana" panose="020B0604030504040204" pitchFamily="34" charset="0"/>
+                  </a:rPr>
+                  <a:t>currentFeature</a:t>
+                </a:r>
+                <a:r>
+                  <a:rPr lang="en-US" dirty="0">
+                    <a:solidFill>
+                      <a:schemeClr val="tx1"/>
+                    </a:solidFill>
+                    <a:latin typeface="Verdana" panose="020B0604030504040204" pitchFamily="34" charset="0"/>
+                    <a:ea typeface="Verdana" panose="020B0604030504040204" pitchFamily="34" charset="0"/>
+                    <a:cs typeface="Verdana" panose="020B0604030504040204" pitchFamily="34" charset="0"/>
+                  </a:rPr>
+                  <a:t>) – </a:t>
+                </a:r>
+                <a:r>
+                  <a:rPr lang="en-US" dirty="0" err="1">
+                    <a:solidFill>
+                      <a:schemeClr val="tx1"/>
+                    </a:solidFill>
+                    <a:latin typeface="Verdana" panose="020B0604030504040204" pitchFamily="34" charset="0"/>
+                    <a:ea typeface="Verdana" panose="020B0604030504040204" pitchFamily="34" charset="0"/>
+                    <a:cs typeface="Verdana" panose="020B0604030504040204" pitchFamily="34" charset="0"/>
+                  </a:rPr>
+                  <a:t>currentLabel</a:t>
+                </a:r>
+                <a:endParaRPr lang="en-US" dirty="0">
+                  <a:solidFill>
+                    <a:schemeClr val="tx1"/>
+                  </a:solidFill>
+                  <a:latin typeface="Verdana" panose="020B0604030504040204" pitchFamily="34" charset="0"/>
+                  <a:ea typeface="Verdana" panose="020B0604030504040204" pitchFamily="34" charset="0"/>
+                  <a:cs typeface="Verdana" panose="020B0604030504040204" pitchFamily="34" charset="0"/>
+                </a:endParaRPr>
+              </a:p>
+              <a:p>
+                <a:pPr lvl="1"/>
+                <a:r>
+                  <a:rPr lang="en-US" dirty="0">
+                    <a:solidFill>
+                      <a:schemeClr val="tx1"/>
+                    </a:solidFill>
+                    <a:latin typeface="Verdana" panose="020B0604030504040204" pitchFamily="34" charset="0"/>
+                    <a:ea typeface="Verdana" panose="020B0604030504040204" pitchFamily="34" charset="0"/>
+                    <a:cs typeface="Verdana" panose="020B0604030504040204" pitchFamily="34" charset="0"/>
+                  </a:rPr>
+                  <a:t>for </a:t>
+                </a:r>
+                <a:r>
+                  <a:rPr lang="en-US" dirty="0" err="1">
+                    <a:solidFill>
+                      <a:schemeClr val="tx1"/>
+                    </a:solidFill>
+                    <a:latin typeface="Verdana" panose="020B0604030504040204" pitchFamily="34" charset="0"/>
+                    <a:ea typeface="Verdana" panose="020B0604030504040204" pitchFamily="34" charset="0"/>
+                    <a:cs typeface="Verdana" panose="020B0604030504040204" pitchFamily="34" charset="0"/>
+                  </a:rPr>
+                  <a:t>numInputs</a:t>
+                </a:r>
+                <a:r>
+                  <a:rPr lang="en-US" dirty="0">
+                    <a:solidFill>
+                      <a:schemeClr val="tx1"/>
+                    </a:solidFill>
+                    <a:latin typeface="Verdana" panose="020B0604030504040204" pitchFamily="34" charset="0"/>
+                    <a:ea typeface="Verdana" panose="020B0604030504040204" pitchFamily="34" charset="0"/>
+                    <a:cs typeface="Verdana" panose="020B0604030504040204" pitchFamily="34" charset="0"/>
+                  </a:rPr>
+                  <a:t> </a:t>
+                </a:r>
+                <a:r>
+                  <a:rPr lang="en-US" i="1" dirty="0">
+                    <a:solidFill>
+                      <a:srgbClr val="FFC000"/>
+                    </a:solidFill>
+                    <a:latin typeface="Verdana" panose="020B0604030504040204" pitchFamily="34" charset="0"/>
+                    <a:ea typeface="Verdana" panose="020B0604030504040204" pitchFamily="34" charset="0"/>
+                    <a:cs typeface="Verdana" panose="020B0604030504040204" pitchFamily="34" charset="0"/>
+                  </a:rPr>
+                  <a:t>(range of </a:t>
+                </a:r>
+                <a14:m>
+                  <m:oMath xmlns:m="http://schemas.openxmlformats.org/officeDocument/2006/math">
+                    <m:r>
+                      <a:rPr lang="en-US" i="1">
+                        <a:solidFill>
+                          <a:srgbClr val="FFC000"/>
+                        </a:solidFill>
+                        <a:latin typeface="Cambria Math" panose="02040503050406030204" pitchFamily="18" charset="0"/>
+                      </a:rPr>
+                      <m:t>𝑗</m:t>
+                    </m:r>
+                  </m:oMath>
+                </a14:m>
+                <a:r>
+                  <a:rPr lang="en-US" i="1" dirty="0">
+                    <a:solidFill>
+                      <a:srgbClr val="FFC000"/>
+                    </a:solidFill>
+                    <a:latin typeface="Verdana" panose="020B0604030504040204" pitchFamily="34" charset="0"/>
+                    <a:ea typeface="Verdana" panose="020B0604030504040204" pitchFamily="34" charset="0"/>
+                    <a:cs typeface="Verdana" panose="020B0604030504040204" pitchFamily="34" charset="0"/>
+                  </a:rPr>
+                  <a:t>)</a:t>
+                </a:r>
+                <a:endParaRPr lang="en-US" i="1" dirty="0">
+                  <a:solidFill>
+                    <a:schemeClr val="tx1"/>
+                  </a:solidFill>
+                  <a:latin typeface="Verdana" panose="020B0604030504040204" pitchFamily="34" charset="0"/>
+                  <a:ea typeface="Verdana" panose="020B0604030504040204" pitchFamily="34" charset="0"/>
+                  <a:cs typeface="Verdana" panose="020B0604030504040204" pitchFamily="34" charset="0"/>
+                </a:endParaRPr>
+              </a:p>
+              <a:p>
+                <a:pPr lvl="2"/>
+                <a:r>
+                  <a:rPr lang="en-US" sz="2400" dirty="0" err="1">
+                    <a:solidFill>
+                      <a:schemeClr val="tx1"/>
+                    </a:solidFill>
+                    <a:latin typeface="Verdana" panose="020B0604030504040204" pitchFamily="34" charset="0"/>
+                    <a:ea typeface="Verdana" panose="020B0604030504040204" pitchFamily="34" charset="0"/>
+                    <a:cs typeface="Verdana" panose="020B0604030504040204" pitchFamily="34" charset="0"/>
+                  </a:rPr>
+                  <a:t>runningTotal</a:t>
+                </a:r>
+                <a:r>
+                  <a:rPr lang="en-US" sz="2400" dirty="0">
+                    <a:solidFill>
+                      <a:schemeClr val="tx1"/>
+                    </a:solidFill>
+                    <a:latin typeface="Verdana" panose="020B0604030504040204" pitchFamily="34" charset="0"/>
+                    <a:ea typeface="Verdana" panose="020B0604030504040204" pitchFamily="34" charset="0"/>
+                    <a:cs typeface="Verdana" panose="020B0604030504040204" pitchFamily="34" charset="0"/>
+                  </a:rPr>
+                  <a:t>[</a:t>
+                </a:r>
+                <a:r>
+                  <a:rPr lang="en-US" sz="2400" dirty="0" err="1">
+                    <a:solidFill>
+                      <a:schemeClr val="tx1"/>
+                    </a:solidFill>
+                    <a:latin typeface="Verdana" panose="020B0604030504040204" pitchFamily="34" charset="0"/>
+                    <a:ea typeface="Verdana" panose="020B0604030504040204" pitchFamily="34" charset="0"/>
+                    <a:cs typeface="Verdana" panose="020B0604030504040204" pitchFamily="34" charset="0"/>
+                  </a:rPr>
+                  <a:t>currentInput</a:t>
+                </a:r>
+                <a:r>
+                  <a:rPr lang="en-US" sz="2400" dirty="0">
+                    <a:solidFill>
+                      <a:schemeClr val="tx1"/>
+                    </a:solidFill>
+                    <a:latin typeface="Verdana" panose="020B0604030504040204" pitchFamily="34" charset="0"/>
+                    <a:ea typeface="Verdana" panose="020B0604030504040204" pitchFamily="34" charset="0"/>
+                    <a:cs typeface="Verdana" panose="020B0604030504040204" pitchFamily="34" charset="0"/>
+                  </a:rPr>
+                  <a:t>] += </a:t>
+                </a:r>
+                <a:r>
+                  <a:rPr lang="en-US" sz="2400" dirty="0" err="1">
+                    <a:solidFill>
+                      <a:schemeClr val="tx1"/>
+                    </a:solidFill>
+                    <a:latin typeface="Verdana" panose="020B0604030504040204" pitchFamily="34" charset="0"/>
+                    <a:ea typeface="Verdana" panose="020B0604030504040204" pitchFamily="34" charset="0"/>
+                    <a:cs typeface="Verdana" panose="020B0604030504040204" pitchFamily="34" charset="0"/>
+                  </a:rPr>
+                  <a:t>featureError</a:t>
+                </a:r>
+                <a:r>
+                  <a:rPr lang="en-US" sz="2400" dirty="0">
+                    <a:solidFill>
+                      <a:schemeClr val="tx1"/>
+                    </a:solidFill>
+                    <a:latin typeface="Verdana" panose="020B0604030504040204" pitchFamily="34" charset="0"/>
+                    <a:ea typeface="Verdana" panose="020B0604030504040204" pitchFamily="34" charset="0"/>
+                    <a:cs typeface="Verdana" panose="020B0604030504040204" pitchFamily="34" charset="0"/>
+                  </a:rPr>
+                  <a:t> * </a:t>
+                </a:r>
+                <a:r>
+                  <a:rPr lang="en-US" sz="2400" dirty="0" err="1">
+                    <a:solidFill>
+                      <a:schemeClr val="tx1"/>
+                    </a:solidFill>
+                    <a:latin typeface="Verdana" panose="020B0604030504040204" pitchFamily="34" charset="0"/>
+                    <a:ea typeface="Verdana" panose="020B0604030504040204" pitchFamily="34" charset="0"/>
+                    <a:cs typeface="Verdana" panose="020B0604030504040204" pitchFamily="34" charset="0"/>
+                  </a:rPr>
+                  <a:t>currentFeature</a:t>
+                </a:r>
+                <a:r>
+                  <a:rPr lang="en-US" sz="2400" dirty="0">
+                    <a:solidFill>
+                      <a:schemeClr val="tx1"/>
+                    </a:solidFill>
+                    <a:latin typeface="Verdana" panose="020B0604030504040204" pitchFamily="34" charset="0"/>
+                    <a:ea typeface="Verdana" panose="020B0604030504040204" pitchFamily="34" charset="0"/>
+                    <a:cs typeface="Verdana" panose="020B0604030504040204" pitchFamily="34" charset="0"/>
+                  </a:rPr>
+                  <a:t>[</a:t>
+                </a:r>
+                <a:r>
+                  <a:rPr lang="en-US" sz="2400" dirty="0" err="1">
+                    <a:solidFill>
+                      <a:schemeClr val="tx1"/>
+                    </a:solidFill>
+                    <a:latin typeface="Verdana" panose="020B0604030504040204" pitchFamily="34" charset="0"/>
+                    <a:ea typeface="Verdana" panose="020B0604030504040204" pitchFamily="34" charset="0"/>
+                    <a:cs typeface="Verdana" panose="020B0604030504040204" pitchFamily="34" charset="0"/>
+                  </a:rPr>
+                  <a:t>currentInput</a:t>
+                </a:r>
+                <a:r>
+                  <a:rPr lang="en-US" sz="2400" dirty="0">
+                    <a:solidFill>
+                      <a:schemeClr val="tx1"/>
+                    </a:solidFill>
+                    <a:latin typeface="Verdana" panose="020B0604030504040204" pitchFamily="34" charset="0"/>
+                    <a:ea typeface="Verdana" panose="020B0604030504040204" pitchFamily="34" charset="0"/>
+                    <a:cs typeface="Verdana" panose="020B0604030504040204" pitchFamily="34" charset="0"/>
+                  </a:rPr>
+                  <a:t>]</a:t>
+                </a:r>
+                <a:r>
+                  <a:rPr lang="en-US" sz="2400" i="1" dirty="0">
+                    <a:solidFill>
+                      <a:srgbClr val="FFC000"/>
+                    </a:solidFill>
+                    <a:latin typeface="Verdana" panose="020B0604030504040204" pitchFamily="34" charset="0"/>
+                    <a:ea typeface="Verdana" panose="020B0604030504040204" pitchFamily="34" charset="0"/>
+                    <a:cs typeface="Verdana" panose="020B0604030504040204" pitchFamily="34" charset="0"/>
+                  </a:rPr>
+                  <a:t>(</a:t>
+                </a:r>
+                <a14:m>
+                  <m:oMath xmlns:m="http://schemas.openxmlformats.org/officeDocument/2006/math">
+                    <m:sSub>
+                      <m:sSubPr>
+                        <m:ctrlPr>
+                          <a:rPr lang="en-US" sz="2400" i="1">
+                            <a:solidFill>
+                              <a:srgbClr val="FFC000"/>
+                            </a:solidFill>
+                            <a:latin typeface="Cambria Math" panose="02040503050406030204" pitchFamily="18" charset="0"/>
+                            <a:ea typeface="Cambria Math" panose="02040503050406030204" pitchFamily="18" charset="0"/>
+                          </a:rPr>
+                        </m:ctrlPr>
+                      </m:sSubPr>
+                      <m:e>
+                        <m:r>
+                          <a:rPr lang="en-US" sz="2400" i="1">
+                            <a:solidFill>
+                              <a:srgbClr val="FFC000"/>
+                            </a:solidFill>
+                            <a:latin typeface="Cambria Math" panose="02040503050406030204" pitchFamily="18" charset="0"/>
+                            <a:ea typeface="Cambria Math" panose="02040503050406030204" pitchFamily="18" charset="0"/>
+                          </a:rPr>
+                          <m:t>𝑥</m:t>
+                        </m:r>
+                      </m:e>
+                      <m:sub>
+                        <m:r>
+                          <a:rPr lang="en-US" sz="2400" i="1">
+                            <a:solidFill>
+                              <a:srgbClr val="FFC000"/>
+                            </a:solidFill>
+                            <a:latin typeface="Cambria Math" panose="02040503050406030204" pitchFamily="18" charset="0"/>
+                            <a:ea typeface="Cambria Math" panose="02040503050406030204" pitchFamily="18" charset="0"/>
+                          </a:rPr>
+                          <m:t>𝑖</m:t>
+                        </m:r>
+                      </m:sub>
+                    </m:sSub>
+                  </m:oMath>
+                </a14:m>
+                <a:r>
+                  <a:rPr lang="en-US" sz="2400" i="1" dirty="0">
+                    <a:solidFill>
+                      <a:srgbClr val="FFC000"/>
+                    </a:solidFill>
+                    <a:latin typeface="Verdana" panose="020B0604030504040204" pitchFamily="34" charset="0"/>
+                    <a:ea typeface="Verdana" panose="020B0604030504040204" pitchFamily="34" charset="0"/>
+                    <a:cs typeface="Verdana" panose="020B0604030504040204" pitchFamily="34" charset="0"/>
+                  </a:rPr>
+                  <a:t>)</a:t>
+                </a:r>
+                <a:endParaRPr lang="en-US" sz="2400" i="1" dirty="0">
+                  <a:solidFill>
+                    <a:schemeClr val="tx1"/>
+                  </a:solidFill>
+                  <a:latin typeface="Verdana" panose="020B0604030504040204" pitchFamily="34" charset="0"/>
+                  <a:ea typeface="Verdana" panose="020B0604030504040204" pitchFamily="34" charset="0"/>
+                  <a:cs typeface="Verdana" panose="020B0604030504040204" pitchFamily="34" charset="0"/>
+                </a:endParaRPr>
+              </a:p>
+              <a:p>
+                <a:r>
+                  <a:rPr lang="en-US" dirty="0">
+                    <a:solidFill>
+                      <a:schemeClr val="tx1"/>
+                    </a:solidFill>
+                    <a:latin typeface="Verdana" panose="020B0604030504040204" pitchFamily="34" charset="0"/>
+                    <a:ea typeface="Verdana" panose="020B0604030504040204" pitchFamily="34" charset="0"/>
+                    <a:cs typeface="Verdana" panose="020B0604030504040204" pitchFamily="34" charset="0"/>
+                  </a:rPr>
+                  <a:t>for </a:t>
+                </a:r>
+                <a:r>
+                  <a:rPr lang="en-US" dirty="0" err="1">
+                    <a:solidFill>
+                      <a:schemeClr val="tx1"/>
+                    </a:solidFill>
+                    <a:latin typeface="Verdana" panose="020B0604030504040204" pitchFamily="34" charset="0"/>
+                    <a:ea typeface="Verdana" panose="020B0604030504040204" pitchFamily="34" charset="0"/>
+                    <a:cs typeface="Verdana" panose="020B0604030504040204" pitchFamily="34" charset="0"/>
+                  </a:rPr>
+                  <a:t>numInputs</a:t>
+                </a:r>
+                <a:r>
+                  <a:rPr lang="en-US" dirty="0">
+                    <a:solidFill>
+                      <a:schemeClr val="tx1"/>
+                    </a:solidFill>
+                    <a:latin typeface="Verdana" panose="020B0604030504040204" pitchFamily="34" charset="0"/>
+                    <a:ea typeface="Verdana" panose="020B0604030504040204" pitchFamily="34" charset="0"/>
+                    <a:cs typeface="Verdana" panose="020B0604030504040204" pitchFamily="34" charset="0"/>
+                  </a:rPr>
+                  <a:t> </a:t>
+                </a:r>
+              </a:p>
+              <a:p>
+                <a:pPr lvl="1"/>
+                <a:r>
+                  <a:rPr lang="en-US" dirty="0" err="1">
+                    <a:solidFill>
+                      <a:schemeClr val="tx1"/>
+                    </a:solidFill>
+                  </a:rPr>
+                  <a:t>resultingChange</a:t>
+                </a:r>
+                <a:r>
+                  <a:rPr lang="en-US" dirty="0">
+                    <a:solidFill>
+                      <a:schemeClr val="tx1"/>
+                    </a:solidFill>
+                  </a:rPr>
+                  <a:t>[</a:t>
+                </a:r>
+                <a:r>
+                  <a:rPr lang="en-US" dirty="0" err="1">
+                    <a:solidFill>
+                      <a:schemeClr val="tx1"/>
+                    </a:solidFill>
+                  </a:rPr>
+                  <a:t>currentInput</a:t>
+                </a:r>
+                <a:r>
+                  <a:rPr lang="en-US" dirty="0">
+                    <a:solidFill>
+                      <a:schemeClr val="tx1"/>
+                    </a:solidFill>
+                  </a:rPr>
+                  <a:t>] = </a:t>
+                </a:r>
+                <a:r>
+                  <a:rPr lang="en-US" dirty="0" err="1">
+                    <a:solidFill>
+                      <a:schemeClr val="tx1"/>
+                    </a:solidFill>
+                  </a:rPr>
+                  <a:t>runningTotal</a:t>
+                </a:r>
+                <a:r>
+                  <a:rPr lang="en-US" dirty="0">
+                    <a:solidFill>
+                      <a:schemeClr val="tx1"/>
+                    </a:solidFill>
+                  </a:rPr>
+                  <a:t>[</a:t>
+                </a:r>
+                <a:r>
+                  <a:rPr lang="en-US" dirty="0" err="1">
+                    <a:solidFill>
+                      <a:schemeClr val="tx1"/>
+                    </a:solidFill>
+                  </a:rPr>
+                  <a:t>currentInput</a:t>
+                </a:r>
+                <a:r>
+                  <a:rPr lang="en-US" dirty="0">
+                    <a:solidFill>
+                      <a:schemeClr val="tx1"/>
+                    </a:solidFill>
+                  </a:rPr>
+                  <a:t>] / </a:t>
+                </a:r>
+                <a:r>
+                  <a:rPr lang="en-US" dirty="0" err="1">
+                    <a:solidFill>
+                      <a:schemeClr val="tx1"/>
+                    </a:solidFill>
+                  </a:rPr>
+                  <a:t>numFeatures</a:t>
+                </a:r>
+                <a:endParaRPr lang="en-US" dirty="0">
+                  <a:solidFill>
+                    <a:schemeClr val="tx1"/>
+                  </a:solidFill>
+                </a:endParaRPr>
+              </a:p>
+              <a:p>
+                <a:endParaRPr lang="en-US" dirty="0"/>
+              </a:p>
+              <a:p>
+                <a:endParaRPr lang="en-US" dirty="0"/>
+              </a:p>
+            </p:txBody>
+          </p:sp>
+        </mc:Choice>
+        <mc:Fallback xmlns="">
+          <p:sp>
+            <p:nvSpPr>
+              <p:cNvPr id="3" name="Content Placeholder 2"/>
+              <p:cNvSpPr>
+                <a:spLocks noGrp="1" noRot="1" noChangeAspect="1" noMove="1" noResize="1" noEditPoints="1" noAdjustHandles="1" noChangeArrowheads="1" noChangeShapeType="1" noTextEdit="1"/>
+              </p:cNvSpPr>
+              <p:nvPr>
+                <p:ph idx="1"/>
+              </p:nvPr>
+            </p:nvSpPr>
+            <p:spPr>
+              <a:blipFill>
+                <a:blip r:embed="rId2"/>
+                <a:stretch>
+                  <a:fillRect l="-1072" t="-1261" r="-715"/>
+                </a:stretch>
+              </a:blipFill>
+            </p:spPr>
+            <p:txBody>
+              <a:bodyPr/>
+              <a:lstStyle/>
+              <a:p>
+                <a:r>
+                  <a:rPr lang="en-US">
+                    <a:noFill/>
+                  </a:rPr>
+                  <a:t> </a:t>
+                </a:r>
+              </a:p>
+            </p:txBody>
+          </p:sp>
+        </mc:Fallback>
+      </mc:AlternateContent>
+    </p:spTree>
+    <p:extLst>
+      <p:ext uri="{BB962C8B-B14F-4D97-AF65-F5344CB8AC3E}">
+        <p14:creationId xmlns:p14="http://schemas.microsoft.com/office/powerpoint/2010/main" val="2831118720"/>
+      </p:ext>
+    </p:extLst>
+  </p:cSld>
+  <p:clrMapOvr>
+    <a:masterClrMapping/>
+  </p:clrMapOvr>
+</p:sld>
+</file>
+
+<file path=ppt/slides/slide14.xml><?xml version="1.0" encoding="utf-8"?>
 <p:sld xmlns:a="http://schemas.openxmlformats.org/drawingml/2006/main" xmlns:r="http://schemas.openxmlformats.org/officeDocument/2006/relationships" xmlns:p="http://schemas.openxmlformats.org/presentationml/2006/main">
   <p:cSld>
     <p:spTree>
@@ -9461,7 +10956,7 @@
           <a:p>
             <a:r>
               <a:rPr lang="en-US" dirty="0"/>
-              <a:t>Luckily, our simple linear regression heuristic and cost method define a convex function where the global and local are always the same.</a:t>
+              <a:t>Luckily, our current simple linear regression heuristic and cost method define a convex function. </a:t>
             </a:r>
           </a:p>
           <a:p>
@@ -9473,7 +10968,7 @@
           <a:p>
             <a:r>
               <a:rPr lang="en-US" dirty="0"/>
-              <a:t>It is impossible to guarantee finding of the global minima of an arbitrary function.</a:t>
+              <a:t>It is impossible to guarantee we find the global minima of an arbitrary function.</a:t>
             </a:r>
           </a:p>
         </p:txBody>
@@ -9557,7 +11052,7 @@
 </p:sld>
 </file>
 
-<file path=ppt/slides/slide13.xml><?xml version="1.0" encoding="utf-8"?>
+<file path=ppt/slides/slide15.xml><?xml version="1.0" encoding="utf-8"?>
 <p:sld xmlns:a="http://schemas.openxmlformats.org/drawingml/2006/main" xmlns:r="http://schemas.openxmlformats.org/officeDocument/2006/relationships" xmlns:p="http://schemas.openxmlformats.org/presentationml/2006/main">
   <p:cSld>
     <p:spTree>
@@ -10177,7 +11672,7 @@
 </p:sld>
 </file>
 
-<file path=ppt/slides/slide14.xml><?xml version="1.0" encoding="utf-8"?>
+<file path=ppt/slides/slide16.xml><?xml version="1.0" encoding="utf-8"?>
 <p:sld xmlns:a="http://schemas.openxmlformats.org/drawingml/2006/main" xmlns:r="http://schemas.openxmlformats.org/officeDocument/2006/relationships" xmlns:p="http://schemas.openxmlformats.org/presentationml/2006/main">
   <p:cSld>
     <p:spTree>
@@ -10799,7 +12294,7 @@
               <a:p>
                 <a:r>
                   <a:rPr lang="en-US" dirty="0"/>
-                  <a:t>“Repeat until convergence” means repeat this process until we stop getting a change, indicating we are at a local or global minima.</a:t>
+                  <a:t>“Repeat until convergence” means repeat this process until we stop getting a change, indicating we are at a local or global minima. We can make other stopping conditions.</a:t>
                 </a:r>
               </a:p>
               <a:p>
@@ -10888,7 +12383,4092 @@
 </p:sld>
 </file>
 
-<file path=ppt/slides/slide15.xml><?xml version="1.0" encoding="utf-8"?>
+<file path=ppt/slides/slide17.xml><?xml version="1.0" encoding="utf-8"?>
+<p:sld xmlns:a="http://schemas.openxmlformats.org/drawingml/2006/main" xmlns:r="http://schemas.openxmlformats.org/officeDocument/2006/relationships" xmlns:p="http://schemas.openxmlformats.org/presentationml/2006/main">
+  <p:cSld>
+    <p:spTree>
+      <p:nvGrpSpPr>
+        <p:cNvPr id="1" name=""/>
+        <p:cNvGrpSpPr/>
+        <p:nvPr/>
+      </p:nvGrpSpPr>
+      <p:grpSpPr>
+        <a:xfrm>
+          <a:off x="0" y="0"/>
+          <a:ext cx="0" cy="0"/>
+          <a:chOff x="0" y="0"/>
+          <a:chExt cx="0" cy="0"/>
+        </a:xfrm>
+      </p:grpSpPr>
+      <p:sp>
+        <p:nvSpPr>
+          <p:cNvPr id="5" name="Title 4"/>
+          <p:cNvSpPr>
+            <a:spLocks noGrp="1"/>
+          </p:cNvSpPr>
+          <p:nvPr>
+            <p:ph type="title"/>
+          </p:nvPr>
+        </p:nvSpPr>
+        <p:spPr/>
+        <p:txBody>
+          <a:bodyPr/>
+          <a:lstStyle/>
+          <a:p>
+            <a:r>
+              <a:rPr lang="en-US" dirty="0"/>
+              <a:t>Gradient Descent Pseudo-code</a:t>
+            </a:r>
+          </a:p>
+        </p:txBody>
+      </p:sp>
+      <mc:AlternateContent xmlns:mc="http://schemas.openxmlformats.org/markup-compatibility/2006" xmlns:a14="http://schemas.microsoft.com/office/drawing/2010/main">
+        <mc:Choice Requires="a14">
+          <p:sp>
+            <p:nvSpPr>
+              <p:cNvPr id="6" name="Content Placeholder 5"/>
+              <p:cNvSpPr>
+                <a:spLocks noGrp="1"/>
+              </p:cNvSpPr>
+              <p:nvPr>
+                <p:ph idx="1"/>
+              </p:nvPr>
+            </p:nvSpPr>
+            <p:spPr/>
+            <p:txBody>
+              <a:bodyPr>
+                <a:normAutofit fontScale="85000" lnSpcReduction="20000"/>
+              </a:bodyPr>
+              <a:lstStyle/>
+              <a:p>
+                <a:pPr marL="0" indent="0">
+                  <a:buNone/>
+                </a:pPr>
+                <a:r>
+                  <a:rPr lang="en-US" dirty="0"/>
+                  <a:t>repeat until convergence</a:t>
+                </a:r>
+              </a:p>
+              <a:p>
+                <a:pPr marL="0" indent="0">
+                  <a:buNone/>
+                </a:pPr>
+                <a:r>
+                  <a:rPr lang="en-US" dirty="0">
+                    <a:solidFill>
+                      <a:srgbClr val="4BFB53"/>
+                    </a:solidFill>
+                  </a:rPr>
+                  <a:t>for </a:t>
+                </a:r>
+                <a:r>
+                  <a:rPr lang="en-US" dirty="0" err="1">
+                    <a:solidFill>
+                      <a:srgbClr val="4BFB53"/>
+                    </a:solidFill>
+                  </a:rPr>
+                  <a:t>numIterations</a:t>
+                </a:r>
+                <a:endParaRPr lang="en-US" dirty="0">
+                  <a:solidFill>
+                    <a:srgbClr val="4BFB53"/>
+                  </a:solidFill>
+                </a:endParaRPr>
+              </a:p>
+              <a:p>
+                <a:pPr marL="0" indent="0">
+                  <a:buNone/>
+                </a:pPr>
+                <a:r>
+                  <a:rPr lang="en-US" dirty="0"/>
+                  <a:t>{</a:t>
+                </a:r>
+              </a:p>
+              <a:p>
+                <a:pPr marL="0" indent="0">
+                  <a:buNone/>
+                </a:pPr>
+                <a:r>
+                  <a:rPr lang="en-US" dirty="0"/>
+                  <a:t>	for each </a:t>
+                </a:r>
+                <a14:m>
+                  <m:oMath xmlns:m="http://schemas.openxmlformats.org/officeDocument/2006/math">
+                    <m:sSub>
+                      <m:sSubPr>
+                        <m:ctrlPr>
+                          <a:rPr lang="en-US" i="1">
+                            <a:solidFill>
+                              <a:schemeClr val="tx1"/>
+                            </a:solidFill>
+                            <a:latin typeface="Cambria Math" panose="02040503050406030204" pitchFamily="18" charset="0"/>
+                          </a:rPr>
+                        </m:ctrlPr>
+                      </m:sSubPr>
+                      <m:e>
+                        <m:r>
+                          <a:rPr lang="en-US" i="1">
+                            <a:solidFill>
+                              <a:schemeClr val="tx1"/>
+                            </a:solidFill>
+                            <a:latin typeface="Cambria Math" panose="02040503050406030204" pitchFamily="18" charset="0"/>
+                            <a:ea typeface="Cambria Math" panose="02040503050406030204" pitchFamily="18" charset="0"/>
+                          </a:rPr>
+                          <m:t>𝜃</m:t>
+                        </m:r>
+                      </m:e>
+                      <m:sub>
+                        <m:r>
+                          <a:rPr lang="en-US" i="1">
+                            <a:solidFill>
+                              <a:schemeClr val="tx1"/>
+                            </a:solidFill>
+                            <a:latin typeface="Cambria Math" panose="02040503050406030204" pitchFamily="18" charset="0"/>
+                          </a:rPr>
+                          <m:t>𝑗</m:t>
+                        </m:r>
+                      </m:sub>
+                    </m:sSub>
+                  </m:oMath>
+                </a14:m>
+                <a:endParaRPr lang="en-US" dirty="0"/>
+              </a:p>
+              <a:p>
+                <a:pPr marL="0" indent="0">
+                  <a:buNone/>
+                </a:pPr>
+                <a:r>
+                  <a:rPr lang="en-US" dirty="0"/>
+                  <a:t>		</a:t>
+                </a:r>
+                <a14:m>
+                  <m:oMath xmlns:m="http://schemas.openxmlformats.org/officeDocument/2006/math">
+                    <m:sSub>
+                      <m:sSubPr>
+                        <m:ctrlPr>
+                          <a:rPr lang="en-US" i="1">
+                            <a:solidFill>
+                              <a:schemeClr val="tx1"/>
+                            </a:solidFill>
+                            <a:latin typeface="Cambria Math" panose="02040503050406030204" pitchFamily="18" charset="0"/>
+                          </a:rPr>
+                        </m:ctrlPr>
+                      </m:sSubPr>
+                      <m:e>
+                        <m:r>
+                          <a:rPr lang="en-US" i="1">
+                            <a:solidFill>
+                              <a:schemeClr val="tx1"/>
+                            </a:solidFill>
+                            <a:latin typeface="Cambria Math" panose="02040503050406030204" pitchFamily="18" charset="0"/>
+                            <a:ea typeface="Cambria Math" panose="02040503050406030204" pitchFamily="18" charset="0"/>
+                          </a:rPr>
+                          <m:t>𝜃</m:t>
+                        </m:r>
+                      </m:e>
+                      <m:sub>
+                        <m:r>
+                          <a:rPr lang="en-US" i="1">
+                            <a:solidFill>
+                              <a:schemeClr val="tx1"/>
+                            </a:solidFill>
+                            <a:latin typeface="Cambria Math" panose="02040503050406030204" pitchFamily="18" charset="0"/>
+                          </a:rPr>
+                          <m:t>𝑗</m:t>
+                        </m:r>
+                      </m:sub>
+                    </m:sSub>
+                  </m:oMath>
+                </a14:m>
+                <a:r>
+                  <a:rPr lang="en-US" dirty="0"/>
+                  <a:t>update = </a:t>
+                </a:r>
+                <a14:m>
+                  <m:oMath xmlns:m="http://schemas.openxmlformats.org/officeDocument/2006/math">
+                    <m:sSub>
+                      <m:sSubPr>
+                        <m:ctrlPr>
+                          <a:rPr lang="en-US" i="1">
+                            <a:solidFill>
+                              <a:schemeClr val="tx1"/>
+                            </a:solidFill>
+                            <a:latin typeface="Cambria Math" panose="02040503050406030204" pitchFamily="18" charset="0"/>
+                          </a:rPr>
+                        </m:ctrlPr>
+                      </m:sSubPr>
+                      <m:e>
+                        <m:r>
+                          <a:rPr lang="en-US" i="1">
+                            <a:solidFill>
+                              <a:schemeClr val="tx1"/>
+                            </a:solidFill>
+                            <a:latin typeface="Cambria Math" panose="02040503050406030204" pitchFamily="18" charset="0"/>
+                            <a:ea typeface="Cambria Math" panose="02040503050406030204" pitchFamily="18" charset="0"/>
+                          </a:rPr>
+                          <m:t>𝜃</m:t>
+                        </m:r>
+                      </m:e>
+                      <m:sub>
+                        <m:r>
+                          <a:rPr lang="en-US" i="1">
+                            <a:solidFill>
+                              <a:schemeClr val="tx1"/>
+                            </a:solidFill>
+                            <a:latin typeface="Cambria Math" panose="02040503050406030204" pitchFamily="18" charset="0"/>
+                          </a:rPr>
+                          <m:t>𝑗</m:t>
+                        </m:r>
+                      </m:sub>
+                    </m:sSub>
+                    <m:r>
+                      <a:rPr lang="en-US" i="1">
+                        <a:solidFill>
+                          <a:schemeClr val="tx1"/>
+                        </a:solidFill>
+                        <a:latin typeface="Cambria Math" panose="02040503050406030204" pitchFamily="18" charset="0"/>
+                      </a:rPr>
+                      <m:t>−</m:t>
+                    </m:r>
+                    <m:r>
+                      <a:rPr lang="en-US" i="1">
+                        <a:solidFill>
+                          <a:schemeClr val="tx1"/>
+                        </a:solidFill>
+                        <a:latin typeface="Cambria Math" panose="02040503050406030204" pitchFamily="18" charset="0"/>
+                        <a:ea typeface="Cambria Math" panose="02040503050406030204" pitchFamily="18" charset="0"/>
+                      </a:rPr>
+                      <m:t>𝛼</m:t>
+                    </m:r>
+                  </m:oMath>
+                </a14:m>
+                <a:r>
+                  <a:rPr lang="en-US" dirty="0"/>
+                  <a:t> </a:t>
+                </a:r>
+                <a14:m>
+                  <m:oMath xmlns:m="http://schemas.openxmlformats.org/officeDocument/2006/math">
+                    <m:f>
+                      <m:fPr>
+                        <m:ctrlPr>
+                          <a:rPr lang="en-US" i="1">
+                            <a:latin typeface="Cambria Math" panose="02040503050406030204" pitchFamily="18" charset="0"/>
+                          </a:rPr>
+                        </m:ctrlPr>
+                      </m:fPr>
+                      <m:num>
+                        <m:r>
+                          <a:rPr lang="en-US" i="1">
+                            <a:latin typeface="Cambria Math" panose="02040503050406030204" pitchFamily="18" charset="0"/>
+                          </a:rPr>
+                          <m:t>𝜕</m:t>
+                        </m:r>
+                      </m:num>
+                      <m:den>
+                        <m:r>
+                          <a:rPr lang="en-US" i="1">
+                            <a:latin typeface="Cambria Math" panose="02040503050406030204" pitchFamily="18" charset="0"/>
+                          </a:rPr>
+                          <m:t>𝜕</m:t>
+                        </m:r>
+                        <m:sSub>
+                          <m:sSubPr>
+                            <m:ctrlPr>
+                              <a:rPr lang="en-US" i="1">
+                                <a:solidFill>
+                                  <a:schemeClr val="tx1"/>
+                                </a:solidFill>
+                                <a:latin typeface="Cambria Math" panose="02040503050406030204" pitchFamily="18" charset="0"/>
+                              </a:rPr>
+                            </m:ctrlPr>
+                          </m:sSubPr>
+                          <m:e>
+                            <m:r>
+                              <a:rPr lang="en-US" i="1">
+                                <a:solidFill>
+                                  <a:schemeClr val="tx1"/>
+                                </a:solidFill>
+                                <a:latin typeface="Cambria Math" panose="02040503050406030204" pitchFamily="18" charset="0"/>
+                                <a:ea typeface="Cambria Math" panose="02040503050406030204" pitchFamily="18" charset="0"/>
+                              </a:rPr>
+                              <m:t>𝜃</m:t>
+                            </m:r>
+                          </m:e>
+                          <m:sub>
+                            <m:r>
+                              <a:rPr lang="en-US" i="1">
+                                <a:solidFill>
+                                  <a:schemeClr val="tx1"/>
+                                </a:solidFill>
+                                <a:latin typeface="Cambria Math" panose="02040503050406030204" pitchFamily="18" charset="0"/>
+                              </a:rPr>
+                              <m:t>𝑗</m:t>
+                            </m:r>
+                          </m:sub>
+                        </m:sSub>
+                      </m:den>
+                    </m:f>
+                    <m:r>
+                      <a:rPr lang="en-US" i="1">
+                        <a:latin typeface="Cambria Math" panose="02040503050406030204" pitchFamily="18" charset="0"/>
+                      </a:rPr>
+                      <m:t>𝐽</m:t>
+                    </m:r>
+                    <m:d>
+                      <m:dPr>
+                        <m:ctrlPr>
+                          <a:rPr lang="en-US" i="1">
+                            <a:latin typeface="Cambria Math" panose="02040503050406030204" pitchFamily="18" charset="0"/>
+                          </a:rPr>
+                        </m:ctrlPr>
+                      </m:dPr>
+                      <m:e>
+                        <m:sSub>
+                          <m:sSubPr>
+                            <m:ctrlPr>
+                              <a:rPr lang="en-US" i="1">
+                                <a:solidFill>
+                                  <a:schemeClr val="tx1"/>
+                                </a:solidFill>
+                                <a:latin typeface="Cambria Math" panose="02040503050406030204" pitchFamily="18" charset="0"/>
+                              </a:rPr>
+                            </m:ctrlPr>
+                          </m:sSubPr>
+                          <m:e>
+                            <m:r>
+                              <a:rPr lang="en-US" i="1">
+                                <a:solidFill>
+                                  <a:schemeClr val="tx1"/>
+                                </a:solidFill>
+                                <a:latin typeface="Cambria Math" panose="02040503050406030204" pitchFamily="18" charset="0"/>
+                                <a:ea typeface="Cambria Math" panose="02040503050406030204" pitchFamily="18" charset="0"/>
+                              </a:rPr>
+                              <m:t>𝜃</m:t>
+                            </m:r>
+                          </m:e>
+                          <m:sub>
+                            <m:r>
+                              <a:rPr lang="en-US" i="1">
+                                <a:solidFill>
+                                  <a:schemeClr val="tx1"/>
+                                </a:solidFill>
+                                <a:latin typeface="Cambria Math" panose="02040503050406030204" pitchFamily="18" charset="0"/>
+                              </a:rPr>
+                              <m:t>0</m:t>
+                            </m:r>
+                          </m:sub>
+                        </m:sSub>
+                        <m:r>
+                          <a:rPr lang="en-US" i="1">
+                            <a:solidFill>
+                              <a:schemeClr val="tx1"/>
+                            </a:solidFill>
+                            <a:latin typeface="Cambria Math" panose="02040503050406030204" pitchFamily="18" charset="0"/>
+                          </a:rPr>
+                          <m:t>,</m:t>
+                        </m:r>
+                        <m:sSub>
+                          <m:sSubPr>
+                            <m:ctrlPr>
+                              <a:rPr lang="en-US" i="1">
+                                <a:solidFill>
+                                  <a:schemeClr val="tx1"/>
+                                </a:solidFill>
+                                <a:latin typeface="Cambria Math" panose="02040503050406030204" pitchFamily="18" charset="0"/>
+                              </a:rPr>
+                            </m:ctrlPr>
+                          </m:sSubPr>
+                          <m:e>
+                            <m:r>
+                              <a:rPr lang="en-US" i="1">
+                                <a:solidFill>
+                                  <a:schemeClr val="tx1"/>
+                                </a:solidFill>
+                                <a:latin typeface="Cambria Math" panose="02040503050406030204" pitchFamily="18" charset="0"/>
+                                <a:ea typeface="Cambria Math" panose="02040503050406030204" pitchFamily="18" charset="0"/>
+                              </a:rPr>
+                              <m:t>𝜃</m:t>
+                            </m:r>
+                          </m:e>
+                          <m:sub>
+                            <m:r>
+                              <a:rPr lang="en-US" i="1">
+                                <a:solidFill>
+                                  <a:schemeClr val="tx1"/>
+                                </a:solidFill>
+                                <a:latin typeface="Cambria Math" panose="02040503050406030204" pitchFamily="18" charset="0"/>
+                              </a:rPr>
+                              <m:t>1</m:t>
+                            </m:r>
+                          </m:sub>
+                        </m:sSub>
+                      </m:e>
+                    </m:d>
+                  </m:oMath>
+                </a14:m>
+                <a:endParaRPr lang="en-US" dirty="0"/>
+              </a:p>
+              <a:p>
+                <a:pPr marL="0" indent="0">
+                  <a:buNone/>
+                </a:pPr>
+                <a:r>
+                  <a:rPr lang="en-US" dirty="0">
+                    <a:solidFill>
+                      <a:srgbClr val="4BFB53"/>
+                    </a:solidFill>
+                  </a:rPr>
+                  <a:t>	// (Optional) Has convergence been reached?</a:t>
+                </a:r>
+              </a:p>
+              <a:p>
+                <a:pPr marL="0" indent="0">
+                  <a:buNone/>
+                </a:pPr>
+                <a:r>
+                  <a:rPr lang="en-US" dirty="0">
+                    <a:solidFill>
+                      <a:srgbClr val="4BFB53"/>
+                    </a:solidFill>
+                  </a:rPr>
+                  <a:t>	if(</a:t>
+                </a:r>
+                <a14:m>
+                  <m:oMath xmlns:m="http://schemas.openxmlformats.org/officeDocument/2006/math">
+                    <m:sSub>
+                      <m:sSubPr>
+                        <m:ctrlPr>
+                          <a:rPr lang="en-US" i="1">
+                            <a:solidFill>
+                              <a:srgbClr val="4BFB53"/>
+                            </a:solidFill>
+                            <a:latin typeface="Cambria Math" panose="02040503050406030204" pitchFamily="18" charset="0"/>
+                          </a:rPr>
+                        </m:ctrlPr>
+                      </m:sSubPr>
+                      <m:e>
+                        <m:r>
+                          <a:rPr lang="en-US" i="1">
+                            <a:solidFill>
+                              <a:srgbClr val="4BFB53"/>
+                            </a:solidFill>
+                            <a:latin typeface="Cambria Math" panose="02040503050406030204" pitchFamily="18" charset="0"/>
+                            <a:ea typeface="Cambria Math" panose="02040503050406030204" pitchFamily="18" charset="0"/>
+                          </a:rPr>
+                          <m:t>𝜃</m:t>
+                        </m:r>
+                      </m:e>
+                      <m:sub>
+                        <m:r>
+                          <a:rPr lang="en-US" i="1">
+                            <a:solidFill>
+                              <a:srgbClr val="4BFB53"/>
+                            </a:solidFill>
+                            <a:latin typeface="Cambria Math" panose="02040503050406030204" pitchFamily="18" charset="0"/>
+                          </a:rPr>
+                          <m:t>𝑗</m:t>
+                        </m:r>
+                      </m:sub>
+                    </m:sSub>
+                  </m:oMath>
+                </a14:m>
+                <a:r>
+                  <a:rPr lang="en-US" dirty="0">
+                    <a:solidFill>
+                      <a:srgbClr val="4BFB53"/>
+                    </a:solidFill>
+                  </a:rPr>
+                  <a:t>update == </a:t>
+                </a:r>
+                <a14:m>
+                  <m:oMath xmlns:m="http://schemas.openxmlformats.org/officeDocument/2006/math">
+                    <m:sSub>
+                      <m:sSubPr>
+                        <m:ctrlPr>
+                          <a:rPr lang="en-US" i="1">
+                            <a:solidFill>
+                              <a:srgbClr val="4BFB53"/>
+                            </a:solidFill>
+                            <a:latin typeface="Cambria Math" panose="02040503050406030204" pitchFamily="18" charset="0"/>
+                          </a:rPr>
+                        </m:ctrlPr>
+                      </m:sSubPr>
+                      <m:e>
+                        <m:r>
+                          <a:rPr lang="en-US" i="1">
+                            <a:solidFill>
+                              <a:srgbClr val="4BFB53"/>
+                            </a:solidFill>
+                            <a:latin typeface="Cambria Math" panose="02040503050406030204" pitchFamily="18" charset="0"/>
+                            <a:ea typeface="Cambria Math" panose="02040503050406030204" pitchFamily="18" charset="0"/>
+                          </a:rPr>
+                          <m:t>𝜃</m:t>
+                        </m:r>
+                      </m:e>
+                      <m:sub>
+                        <m:r>
+                          <a:rPr lang="en-US" i="1">
+                            <a:solidFill>
+                              <a:srgbClr val="4BFB53"/>
+                            </a:solidFill>
+                            <a:latin typeface="Cambria Math" panose="02040503050406030204" pitchFamily="18" charset="0"/>
+                          </a:rPr>
+                          <m:t>𝑗</m:t>
+                        </m:r>
+                      </m:sub>
+                    </m:sSub>
+                  </m:oMath>
+                </a14:m>
+                <a:r>
+                  <a:rPr lang="en-US" dirty="0">
+                    <a:solidFill>
+                      <a:srgbClr val="4BFB53"/>
+                    </a:solidFill>
+                  </a:rPr>
+                  <a:t>, for all values of j)</a:t>
+                </a:r>
+                <a:br>
+                  <a:rPr lang="en-US" dirty="0">
+                    <a:solidFill>
+                      <a:srgbClr val="4BFB53"/>
+                    </a:solidFill>
+                  </a:rPr>
+                </a:br>
+                <a:r>
+                  <a:rPr lang="en-US" dirty="0">
+                    <a:solidFill>
+                      <a:srgbClr val="4BFB53"/>
+                    </a:solidFill>
+                  </a:rPr>
+                  <a:t>		break; </a:t>
+                </a:r>
+              </a:p>
+              <a:p>
+                <a:pPr marL="0" indent="0">
+                  <a:buNone/>
+                </a:pPr>
+                <a:r>
+                  <a:rPr lang="en-US" dirty="0"/>
+                  <a:t>	for each </a:t>
+                </a:r>
+                <a14:m>
+                  <m:oMath xmlns:m="http://schemas.openxmlformats.org/officeDocument/2006/math">
+                    <m:sSub>
+                      <m:sSubPr>
+                        <m:ctrlPr>
+                          <a:rPr lang="en-US" i="1">
+                            <a:solidFill>
+                              <a:schemeClr val="tx1"/>
+                            </a:solidFill>
+                            <a:latin typeface="Cambria Math" panose="02040503050406030204" pitchFamily="18" charset="0"/>
+                          </a:rPr>
+                        </m:ctrlPr>
+                      </m:sSubPr>
+                      <m:e>
+                        <m:r>
+                          <a:rPr lang="en-US" i="1">
+                            <a:solidFill>
+                              <a:schemeClr val="tx1"/>
+                            </a:solidFill>
+                            <a:latin typeface="Cambria Math" panose="02040503050406030204" pitchFamily="18" charset="0"/>
+                            <a:ea typeface="Cambria Math" panose="02040503050406030204" pitchFamily="18" charset="0"/>
+                          </a:rPr>
+                          <m:t>𝜃</m:t>
+                        </m:r>
+                      </m:e>
+                      <m:sub>
+                        <m:r>
+                          <a:rPr lang="en-US" i="1">
+                            <a:solidFill>
+                              <a:schemeClr val="tx1"/>
+                            </a:solidFill>
+                            <a:latin typeface="Cambria Math" panose="02040503050406030204" pitchFamily="18" charset="0"/>
+                          </a:rPr>
+                          <m:t>𝑗</m:t>
+                        </m:r>
+                      </m:sub>
+                    </m:sSub>
+                  </m:oMath>
+                </a14:m>
+                <a:endParaRPr lang="en-US" dirty="0"/>
+              </a:p>
+              <a:p>
+                <a:pPr marL="0" indent="0">
+                  <a:buNone/>
+                </a:pPr>
+                <a:r>
+                  <a:rPr lang="en-US" dirty="0"/>
+                  <a:t>		</a:t>
+                </a:r>
+                <a14:m>
+                  <m:oMath xmlns:m="http://schemas.openxmlformats.org/officeDocument/2006/math">
+                    <m:sSub>
+                      <m:sSubPr>
+                        <m:ctrlPr>
+                          <a:rPr lang="en-US" i="1">
+                            <a:solidFill>
+                              <a:schemeClr val="tx1"/>
+                            </a:solidFill>
+                            <a:latin typeface="Cambria Math" panose="02040503050406030204" pitchFamily="18" charset="0"/>
+                          </a:rPr>
+                        </m:ctrlPr>
+                      </m:sSubPr>
+                      <m:e>
+                        <m:r>
+                          <a:rPr lang="en-US" i="1">
+                            <a:solidFill>
+                              <a:schemeClr val="tx1"/>
+                            </a:solidFill>
+                            <a:latin typeface="Cambria Math" panose="02040503050406030204" pitchFamily="18" charset="0"/>
+                            <a:ea typeface="Cambria Math" panose="02040503050406030204" pitchFamily="18" charset="0"/>
+                          </a:rPr>
+                          <m:t>𝜃</m:t>
+                        </m:r>
+                      </m:e>
+                      <m:sub>
+                        <m:r>
+                          <a:rPr lang="en-US" i="1">
+                            <a:solidFill>
+                              <a:schemeClr val="tx1"/>
+                            </a:solidFill>
+                            <a:latin typeface="Cambria Math" panose="02040503050406030204" pitchFamily="18" charset="0"/>
+                          </a:rPr>
+                          <m:t>𝑗</m:t>
+                        </m:r>
+                      </m:sub>
+                    </m:sSub>
+                  </m:oMath>
+                </a14:m>
+                <a:r>
+                  <a:rPr lang="en-US" dirty="0"/>
+                  <a:t>= </a:t>
+                </a:r>
+                <a14:m>
+                  <m:oMath xmlns:m="http://schemas.openxmlformats.org/officeDocument/2006/math">
+                    <m:sSub>
+                      <m:sSubPr>
+                        <m:ctrlPr>
+                          <a:rPr lang="en-US" i="1">
+                            <a:solidFill>
+                              <a:schemeClr val="tx1"/>
+                            </a:solidFill>
+                            <a:latin typeface="Cambria Math" panose="02040503050406030204" pitchFamily="18" charset="0"/>
+                          </a:rPr>
+                        </m:ctrlPr>
+                      </m:sSubPr>
+                      <m:e>
+                        <m:r>
+                          <a:rPr lang="en-US" i="1">
+                            <a:solidFill>
+                              <a:schemeClr val="tx1"/>
+                            </a:solidFill>
+                            <a:latin typeface="Cambria Math" panose="02040503050406030204" pitchFamily="18" charset="0"/>
+                            <a:ea typeface="Cambria Math" panose="02040503050406030204" pitchFamily="18" charset="0"/>
+                          </a:rPr>
+                          <m:t>𝜃</m:t>
+                        </m:r>
+                      </m:e>
+                      <m:sub>
+                        <m:r>
+                          <a:rPr lang="en-US" i="1">
+                            <a:solidFill>
+                              <a:schemeClr val="tx1"/>
+                            </a:solidFill>
+                            <a:latin typeface="Cambria Math" panose="02040503050406030204" pitchFamily="18" charset="0"/>
+                          </a:rPr>
+                          <m:t>𝑗</m:t>
+                        </m:r>
+                      </m:sub>
+                    </m:sSub>
+                  </m:oMath>
+                </a14:m>
+                <a:r>
+                  <a:rPr lang="en-US" dirty="0"/>
+                  <a:t>update </a:t>
+                </a:r>
+              </a:p>
+              <a:p>
+                <a:pPr marL="0" indent="0">
+                  <a:buNone/>
+                </a:pPr>
+                <a:r>
+                  <a:rPr lang="en-US" dirty="0"/>
+                  <a:t>}</a:t>
+                </a:r>
+              </a:p>
+              <a:p>
+                <a:endParaRPr lang="en-US" dirty="0"/>
+              </a:p>
+            </p:txBody>
+          </p:sp>
+        </mc:Choice>
+        <mc:Fallback xmlns="">
+          <p:sp>
+            <p:nvSpPr>
+              <p:cNvPr id="6" name="Content Placeholder 5"/>
+              <p:cNvSpPr>
+                <a:spLocks noGrp="1" noRot="1" noChangeAspect="1" noMove="1" noResize="1" noEditPoints="1" noAdjustHandles="1" noChangeArrowheads="1" noChangeShapeType="1" noTextEdit="1"/>
+              </p:cNvSpPr>
+              <p:nvPr>
+                <p:ph idx="1"/>
+              </p:nvPr>
+            </p:nvSpPr>
+            <p:spPr>
+              <a:blipFill>
+                <a:blip r:embed="rId2"/>
+                <a:stretch>
+                  <a:fillRect l="-953"/>
+                </a:stretch>
+              </a:blipFill>
+            </p:spPr>
+            <p:txBody>
+              <a:bodyPr/>
+              <a:lstStyle/>
+              <a:p>
+                <a:r>
+                  <a:rPr lang="en-US">
+                    <a:noFill/>
+                  </a:rPr>
+                  <a:t> </a:t>
+                </a:r>
+              </a:p>
+            </p:txBody>
+          </p:sp>
+        </mc:Fallback>
+      </mc:AlternateContent>
+    </p:spTree>
+    <p:extLst>
+      <p:ext uri="{BB962C8B-B14F-4D97-AF65-F5344CB8AC3E}">
+        <p14:creationId xmlns:p14="http://schemas.microsoft.com/office/powerpoint/2010/main" val="505579889"/>
+      </p:ext>
+    </p:extLst>
+  </p:cSld>
+  <p:clrMapOvr>
+    <a:masterClrMapping/>
+  </p:clrMapOvr>
+  <p:timing>
+    <p:tnLst>
+      <p:par>
+        <p:cTn id="1" dur="indefinite" restart="never" nodeType="tmRoot">
+          <p:childTnLst>
+            <p:seq concurrent="1" nextAc="seek">
+              <p:cTn id="2" dur="indefinite" nodeType="mainSeq">
+                <p:childTnLst>
+                  <p:par>
+                    <p:cTn id="3" fill="hold">
+                      <p:stCondLst>
+                        <p:cond delay="indefinite"/>
+                      </p:stCondLst>
+                      <p:childTnLst>
+                        <p:par>
+                          <p:cTn id="4" fill="hold">
+                            <p:stCondLst>
+                              <p:cond delay="0"/>
+                            </p:stCondLst>
+                            <p:childTnLst>
+                              <p:par>
+                                <p:cTn id="5" presetID="1" presetClass="entr" presetSubtype="0" fill="hold" nodeType="clickEffect">
+                                  <p:stCondLst>
+                                    <p:cond delay="0"/>
+                                  </p:stCondLst>
+                                  <p:childTnLst>
+                                    <p:set>
+                                      <p:cBhvr>
+                                        <p:cTn id="6" dur="1" fill="hold">
+                                          <p:stCondLst>
+                                            <p:cond delay="0"/>
+                                          </p:stCondLst>
+                                        </p:cTn>
+                                        <p:tgtEl>
+                                          <p:spTgt spid="6">
+                                            <p:txEl>
+                                              <p:pRg st="1" end="1"/>
+                                            </p:txEl>
+                                          </p:spTgt>
+                                        </p:tgtEl>
+                                        <p:attrNameLst>
+                                          <p:attrName>style.visibility</p:attrName>
+                                        </p:attrNameLst>
+                                      </p:cBhvr>
+                                      <p:to>
+                                        <p:strVal val="visible"/>
+                                      </p:to>
+                                    </p:set>
+                                  </p:childTnLst>
+                                </p:cTn>
+                              </p:par>
+                              <p:par>
+                                <p:cTn id="7" presetID="1" presetClass="entr" presetSubtype="0" fill="hold" nodeType="withEffect">
+                                  <p:stCondLst>
+                                    <p:cond delay="0"/>
+                                  </p:stCondLst>
+                                  <p:childTnLst>
+                                    <p:set>
+                                      <p:cBhvr>
+                                        <p:cTn id="8" dur="1" fill="hold">
+                                          <p:stCondLst>
+                                            <p:cond delay="0"/>
+                                          </p:stCondLst>
+                                        </p:cTn>
+                                        <p:tgtEl>
+                                          <p:spTgt spid="6">
+                                            <p:txEl>
+                                              <p:pRg st="5" end="5"/>
+                                            </p:txEl>
+                                          </p:spTgt>
+                                        </p:tgtEl>
+                                        <p:attrNameLst>
+                                          <p:attrName>style.visibility</p:attrName>
+                                        </p:attrNameLst>
+                                      </p:cBhvr>
+                                      <p:to>
+                                        <p:strVal val="visible"/>
+                                      </p:to>
+                                    </p:set>
+                                  </p:childTnLst>
+                                </p:cTn>
+                              </p:par>
+                              <p:par>
+                                <p:cTn id="9" presetID="1" presetClass="entr" presetSubtype="0" fill="hold" nodeType="withEffect">
+                                  <p:stCondLst>
+                                    <p:cond delay="0"/>
+                                  </p:stCondLst>
+                                  <p:childTnLst>
+                                    <p:set>
+                                      <p:cBhvr>
+                                        <p:cTn id="10" dur="1" fill="hold">
+                                          <p:stCondLst>
+                                            <p:cond delay="0"/>
+                                          </p:stCondLst>
+                                        </p:cTn>
+                                        <p:tgtEl>
+                                          <p:spTgt spid="6">
+                                            <p:txEl>
+                                              <p:pRg st="6" end="6"/>
+                                            </p:txEl>
+                                          </p:spTgt>
+                                        </p:tgtEl>
+                                        <p:attrNameLst>
+                                          <p:attrName>style.visibility</p:attrName>
+                                        </p:attrNameLst>
+                                      </p:cBhvr>
+                                      <p:to>
+                                        <p:strVal val="visible"/>
+                                      </p:to>
+                                    </p:set>
+                                  </p:childTnLst>
+                                </p:cTn>
+                              </p:par>
+                            </p:childTnLst>
+                          </p:cTn>
+                        </p:par>
+                        <p:par>
+                          <p:cTn id="11" fill="hold">
+                            <p:stCondLst>
+                              <p:cond delay="0"/>
+                            </p:stCondLst>
+                            <p:childTnLst>
+                              <p:par>
+                                <p:cTn id="12" presetID="10" presetClass="exit" presetSubtype="0" fill="hold" nodeType="afterEffect">
+                                  <p:stCondLst>
+                                    <p:cond delay="0"/>
+                                  </p:stCondLst>
+                                  <p:childTnLst>
+                                    <p:animEffect transition="out" filter="fade">
+                                      <p:cBhvr>
+                                        <p:cTn id="13" dur="500"/>
+                                        <p:tgtEl>
+                                          <p:spTgt spid="6">
+                                            <p:txEl>
+                                              <p:pRg st="0" end="0"/>
+                                            </p:txEl>
+                                          </p:spTgt>
+                                        </p:tgtEl>
+                                      </p:cBhvr>
+                                    </p:animEffect>
+                                    <p:set>
+                                      <p:cBhvr>
+                                        <p:cTn id="14" dur="1" fill="hold">
+                                          <p:stCondLst>
+                                            <p:cond delay="499"/>
+                                          </p:stCondLst>
+                                        </p:cTn>
+                                        <p:tgtEl>
+                                          <p:spTgt spid="6">
+                                            <p:txEl>
+                                              <p:pRg st="0" end="0"/>
+                                            </p:txEl>
+                                          </p:spTgt>
+                                        </p:tgtEl>
+                                        <p:attrNameLst>
+                                          <p:attrName>style.visibility</p:attrName>
+                                        </p:attrNameLst>
+                                      </p:cBhvr>
+                                      <p:to>
+                                        <p:strVal val="hidden"/>
+                                      </p:to>
+                                    </p:set>
+                                  </p:childTnLst>
+                                </p:cTn>
+                              </p:par>
+                            </p:childTnLst>
+                          </p:cTn>
+                        </p:par>
+                      </p:childTnLst>
+                    </p:cTn>
+                  </p:par>
+                </p:childTnLst>
+              </p:cTn>
+              <p:prevCondLst>
+                <p:cond evt="onPrev" delay="0">
+                  <p:tgtEl>
+                    <p:sldTgt/>
+                  </p:tgtEl>
+                </p:cond>
+              </p:prevCondLst>
+              <p:nextCondLst>
+                <p:cond evt="onNext" delay="0">
+                  <p:tgtEl>
+                    <p:sldTgt/>
+                  </p:tgtEl>
+                </p:cond>
+              </p:nextCondLst>
+            </p:seq>
+          </p:childTnLst>
+        </p:cTn>
+      </p:par>
+    </p:tnLst>
+  </p:timing>
+</p:sld>
+</file>
+
+<file path=ppt/slides/slide18.xml><?xml version="1.0" encoding="utf-8"?>
+<p:sld xmlns:a="http://schemas.openxmlformats.org/drawingml/2006/main" xmlns:r="http://schemas.openxmlformats.org/officeDocument/2006/relationships" xmlns:p="http://schemas.openxmlformats.org/presentationml/2006/main">
+  <p:cSld>
+    <p:spTree>
+      <p:nvGrpSpPr>
+        <p:cNvPr id="1" name=""/>
+        <p:cNvGrpSpPr/>
+        <p:nvPr/>
+      </p:nvGrpSpPr>
+      <p:grpSpPr>
+        <a:xfrm>
+          <a:off x="0" y="0"/>
+          <a:ext cx="0" cy="0"/>
+          <a:chOff x="0" y="0"/>
+          <a:chExt cx="0" cy="0"/>
+        </a:xfrm>
+      </p:grpSpPr>
+      <p:sp>
+        <p:nvSpPr>
+          <p:cNvPr id="5" name="Title 4"/>
+          <p:cNvSpPr>
+            <a:spLocks noGrp="1"/>
+          </p:cNvSpPr>
+          <p:nvPr>
+            <p:ph type="title"/>
+          </p:nvPr>
+        </p:nvSpPr>
+        <p:spPr/>
+        <p:txBody>
+          <a:bodyPr/>
+          <a:lstStyle/>
+          <a:p>
+            <a:r>
+              <a:rPr lang="en-US" dirty="0"/>
+              <a:t>Gradient Descent Pseudo-code</a:t>
+            </a:r>
+          </a:p>
+        </p:txBody>
+      </p:sp>
+      <mc:AlternateContent xmlns:mc="http://schemas.openxmlformats.org/markup-compatibility/2006">
+        <mc:Choice xmlns:a14="http://schemas.microsoft.com/office/drawing/2010/main" Requires="a14">
+          <p:sp>
+            <p:nvSpPr>
+              <p:cNvPr id="6" name="Content Placeholder 5"/>
+              <p:cNvSpPr>
+                <a:spLocks noGrp="1"/>
+              </p:cNvSpPr>
+              <p:nvPr>
+                <p:ph idx="1"/>
+              </p:nvPr>
+            </p:nvSpPr>
+            <p:spPr/>
+            <p:txBody>
+              <a:bodyPr>
+                <a:normAutofit fontScale="62500" lnSpcReduction="20000"/>
+              </a:bodyPr>
+              <a:lstStyle/>
+              <a:p>
+                <a:pPr marL="0" indent="0">
+                  <a:buNone/>
+                </a:pPr>
+                <a:r>
+                  <a:rPr lang="en-US" sz="2900" dirty="0">
+                    <a:solidFill>
+                      <a:schemeClr val="tx1"/>
+                    </a:solidFill>
+                    <a:latin typeface="Verdana" panose="020B0604030504040204" pitchFamily="34" charset="0"/>
+                    <a:ea typeface="Verdana" panose="020B0604030504040204" pitchFamily="34" charset="0"/>
+                    <a:cs typeface="Verdana" panose="020B0604030504040204" pitchFamily="34" charset="0"/>
+                  </a:rPr>
+                  <a:t>for </a:t>
+                </a:r>
+                <a:r>
+                  <a:rPr lang="en-US" sz="2900" dirty="0" err="1">
+                    <a:solidFill>
+                      <a:schemeClr val="tx1"/>
+                    </a:solidFill>
+                    <a:latin typeface="Verdana" panose="020B0604030504040204" pitchFamily="34" charset="0"/>
+                    <a:ea typeface="Verdana" panose="020B0604030504040204" pitchFamily="34" charset="0"/>
+                    <a:cs typeface="Verdana" panose="020B0604030504040204" pitchFamily="34" charset="0"/>
+                  </a:rPr>
+                  <a:t>numIterations</a:t>
+                </a:r>
+                <a:endParaRPr lang="en-US" sz="2900" dirty="0">
+                  <a:solidFill>
+                    <a:schemeClr val="tx1"/>
+                  </a:solidFill>
+                  <a:latin typeface="Verdana" panose="020B0604030504040204" pitchFamily="34" charset="0"/>
+                  <a:ea typeface="Verdana" panose="020B0604030504040204" pitchFamily="34" charset="0"/>
+                  <a:cs typeface="Verdana" panose="020B0604030504040204" pitchFamily="34" charset="0"/>
+                </a:endParaRPr>
+              </a:p>
+              <a:p>
+                <a:pPr marL="0" indent="0">
+                  <a:buNone/>
+                </a:pPr>
+                <a:r>
+                  <a:rPr lang="en-US" sz="2900" dirty="0">
+                    <a:latin typeface="Verdana" panose="020B0604030504040204" pitchFamily="34" charset="0"/>
+                    <a:ea typeface="Verdana" panose="020B0604030504040204" pitchFamily="34" charset="0"/>
+                    <a:cs typeface="Verdana" panose="020B0604030504040204" pitchFamily="34" charset="0"/>
+                  </a:rPr>
+                  <a:t>{</a:t>
+                </a:r>
+              </a:p>
+              <a:p>
+                <a:pPr marL="0" indent="0">
+                  <a:buNone/>
+                </a:pPr>
+                <a:r>
+                  <a:rPr lang="en-US" sz="2900" dirty="0">
+                    <a:latin typeface="Verdana" panose="020B0604030504040204" pitchFamily="34" charset="0"/>
+                    <a:ea typeface="Verdana" panose="020B0604030504040204" pitchFamily="34" charset="0"/>
+                    <a:cs typeface="Verdana" panose="020B0604030504040204" pitchFamily="34" charset="0"/>
+                  </a:rPr>
+                  <a:t>	for each </a:t>
+                </a:r>
+                <a14:m>
+                  <m:oMath xmlns:m="http://schemas.openxmlformats.org/officeDocument/2006/math">
+                    <m:sSub>
+                      <m:sSubPr>
+                        <m:ctrlPr>
+                          <a:rPr lang="en-US" sz="2900" i="1">
+                            <a:solidFill>
+                              <a:schemeClr val="tx1"/>
+                            </a:solidFill>
+                            <a:latin typeface="Cambria Math" panose="02040503050406030204" pitchFamily="18" charset="0"/>
+                          </a:rPr>
+                        </m:ctrlPr>
+                      </m:sSubPr>
+                      <m:e>
+                        <m:r>
+                          <a:rPr lang="en-US" sz="2900" i="1">
+                            <a:solidFill>
+                              <a:schemeClr val="tx1"/>
+                            </a:solidFill>
+                            <a:latin typeface="Cambria Math" panose="02040503050406030204" pitchFamily="18" charset="0"/>
+                            <a:ea typeface="Cambria Math" panose="02040503050406030204" pitchFamily="18" charset="0"/>
+                          </a:rPr>
+                          <m:t>𝜃</m:t>
+                        </m:r>
+                      </m:e>
+                      <m:sub>
+                        <m:r>
+                          <a:rPr lang="en-US" sz="2900" i="1">
+                            <a:solidFill>
+                              <a:schemeClr val="tx1"/>
+                            </a:solidFill>
+                            <a:latin typeface="Cambria Math" panose="02040503050406030204" pitchFamily="18" charset="0"/>
+                          </a:rPr>
+                          <m:t>𝑗</m:t>
+                        </m:r>
+                      </m:sub>
+                    </m:sSub>
+                  </m:oMath>
+                </a14:m>
+                <a:endParaRPr lang="en-US" sz="2900" dirty="0">
+                  <a:latin typeface="Verdana" panose="020B0604030504040204" pitchFamily="34" charset="0"/>
+                  <a:ea typeface="Verdana" panose="020B0604030504040204" pitchFamily="34" charset="0"/>
+                  <a:cs typeface="Verdana" panose="020B0604030504040204" pitchFamily="34" charset="0"/>
+                </a:endParaRPr>
+              </a:p>
+              <a:p>
+                <a:pPr marL="0" indent="0">
+                  <a:buNone/>
+                </a:pPr>
+                <a:r>
+                  <a:rPr lang="en-US" sz="2900" dirty="0">
+                    <a:latin typeface="Verdana" panose="020B0604030504040204" pitchFamily="34" charset="0"/>
+                    <a:ea typeface="Verdana" panose="020B0604030504040204" pitchFamily="34" charset="0"/>
+                    <a:cs typeface="Verdana" panose="020B0604030504040204" pitchFamily="34" charset="0"/>
+                  </a:rPr>
+                  <a:t>		</a:t>
+                </a:r>
+                <a14:m>
+                  <m:oMath xmlns:m="http://schemas.openxmlformats.org/officeDocument/2006/math">
+                    <m:sSub>
+                      <m:sSubPr>
+                        <m:ctrlPr>
+                          <a:rPr lang="en-US" sz="2900" i="1">
+                            <a:solidFill>
+                              <a:schemeClr val="tx1"/>
+                            </a:solidFill>
+                            <a:latin typeface="Cambria Math" panose="02040503050406030204" pitchFamily="18" charset="0"/>
+                          </a:rPr>
+                        </m:ctrlPr>
+                      </m:sSubPr>
+                      <m:e>
+                        <m:r>
+                          <a:rPr lang="en-US" sz="2900" i="1">
+                            <a:solidFill>
+                              <a:schemeClr val="tx1"/>
+                            </a:solidFill>
+                            <a:latin typeface="Cambria Math" panose="02040503050406030204" pitchFamily="18" charset="0"/>
+                            <a:ea typeface="Cambria Math" panose="02040503050406030204" pitchFamily="18" charset="0"/>
+                          </a:rPr>
+                          <m:t>𝜃</m:t>
+                        </m:r>
+                      </m:e>
+                      <m:sub>
+                        <m:r>
+                          <a:rPr lang="en-US" sz="2900" i="1">
+                            <a:solidFill>
+                              <a:schemeClr val="tx1"/>
+                            </a:solidFill>
+                            <a:latin typeface="Cambria Math" panose="02040503050406030204" pitchFamily="18" charset="0"/>
+                          </a:rPr>
+                          <m:t>𝑗</m:t>
+                        </m:r>
+                      </m:sub>
+                    </m:sSub>
+                  </m:oMath>
+                </a14:m>
+                <a:r>
+                  <a:rPr lang="en-US" sz="2900" dirty="0">
+                    <a:latin typeface="Verdana" panose="020B0604030504040204" pitchFamily="34" charset="0"/>
+                    <a:ea typeface="Verdana" panose="020B0604030504040204" pitchFamily="34" charset="0"/>
+                    <a:cs typeface="Verdana" panose="020B0604030504040204" pitchFamily="34" charset="0"/>
+                  </a:rPr>
+                  <a:t>update = </a:t>
+                </a:r>
+                <a14:m>
+                  <m:oMath xmlns:m="http://schemas.openxmlformats.org/officeDocument/2006/math">
+                    <m:sSub>
+                      <m:sSubPr>
+                        <m:ctrlPr>
+                          <a:rPr lang="en-US" sz="2900" i="1">
+                            <a:solidFill>
+                              <a:schemeClr val="tx1"/>
+                            </a:solidFill>
+                            <a:latin typeface="Cambria Math" panose="02040503050406030204" pitchFamily="18" charset="0"/>
+                          </a:rPr>
+                        </m:ctrlPr>
+                      </m:sSubPr>
+                      <m:e>
+                        <m:r>
+                          <a:rPr lang="en-US" sz="2900" i="1">
+                            <a:solidFill>
+                              <a:schemeClr val="tx1"/>
+                            </a:solidFill>
+                            <a:latin typeface="Cambria Math" panose="02040503050406030204" pitchFamily="18" charset="0"/>
+                            <a:ea typeface="Cambria Math" panose="02040503050406030204" pitchFamily="18" charset="0"/>
+                          </a:rPr>
+                          <m:t>𝜃</m:t>
+                        </m:r>
+                      </m:e>
+                      <m:sub>
+                        <m:r>
+                          <a:rPr lang="en-US" sz="2900" i="1">
+                            <a:solidFill>
+                              <a:schemeClr val="tx1"/>
+                            </a:solidFill>
+                            <a:latin typeface="Cambria Math" panose="02040503050406030204" pitchFamily="18" charset="0"/>
+                          </a:rPr>
+                          <m:t>𝑗</m:t>
+                        </m:r>
+                      </m:sub>
+                    </m:sSub>
+                    <m:r>
+                      <a:rPr lang="en-US" sz="2900" i="1">
+                        <a:solidFill>
+                          <a:schemeClr val="tx1"/>
+                        </a:solidFill>
+                        <a:latin typeface="Cambria Math" panose="02040503050406030204" pitchFamily="18" charset="0"/>
+                      </a:rPr>
+                      <m:t>−</m:t>
+                    </m:r>
+                    <m:r>
+                      <a:rPr lang="en-US" sz="2900" i="1">
+                        <a:solidFill>
+                          <a:schemeClr val="tx1"/>
+                        </a:solidFill>
+                        <a:latin typeface="Cambria Math" panose="02040503050406030204" pitchFamily="18" charset="0"/>
+                        <a:ea typeface="Cambria Math" panose="02040503050406030204" pitchFamily="18" charset="0"/>
+                      </a:rPr>
+                      <m:t>𝛼</m:t>
+                    </m:r>
+                  </m:oMath>
+                </a14:m>
+                <a:r>
+                  <a:rPr lang="en-US" sz="2900" dirty="0">
+                    <a:latin typeface="Verdana" panose="020B0604030504040204" pitchFamily="34" charset="0"/>
+                    <a:ea typeface="Verdana" panose="020B0604030504040204" pitchFamily="34" charset="0"/>
+                    <a:cs typeface="Verdana" panose="020B0604030504040204" pitchFamily="34" charset="0"/>
+                  </a:rPr>
+                  <a:t> </a:t>
+                </a:r>
+                <a14:m>
+                  <m:oMath xmlns:m="http://schemas.openxmlformats.org/officeDocument/2006/math">
+                    <m:f>
+                      <m:fPr>
+                        <m:ctrlPr>
+                          <a:rPr lang="en-US" sz="2900" i="1">
+                            <a:latin typeface="Cambria Math" panose="02040503050406030204" pitchFamily="18" charset="0"/>
+                          </a:rPr>
+                        </m:ctrlPr>
+                      </m:fPr>
+                      <m:num>
+                        <m:r>
+                          <a:rPr lang="en-US" sz="2900" i="1">
+                            <a:latin typeface="Cambria Math" panose="02040503050406030204" pitchFamily="18" charset="0"/>
+                          </a:rPr>
+                          <m:t>𝜕</m:t>
+                        </m:r>
+                      </m:num>
+                      <m:den>
+                        <m:r>
+                          <a:rPr lang="en-US" sz="2900" i="1">
+                            <a:latin typeface="Cambria Math" panose="02040503050406030204" pitchFamily="18" charset="0"/>
+                          </a:rPr>
+                          <m:t>𝜕</m:t>
+                        </m:r>
+                        <m:sSub>
+                          <m:sSubPr>
+                            <m:ctrlPr>
+                              <a:rPr lang="en-US" sz="2900" i="1">
+                                <a:solidFill>
+                                  <a:schemeClr val="tx1"/>
+                                </a:solidFill>
+                                <a:latin typeface="Cambria Math" panose="02040503050406030204" pitchFamily="18" charset="0"/>
+                              </a:rPr>
+                            </m:ctrlPr>
+                          </m:sSubPr>
+                          <m:e>
+                            <m:r>
+                              <a:rPr lang="en-US" sz="2900" i="1">
+                                <a:solidFill>
+                                  <a:schemeClr val="tx1"/>
+                                </a:solidFill>
+                                <a:latin typeface="Cambria Math" panose="02040503050406030204" pitchFamily="18" charset="0"/>
+                                <a:ea typeface="Cambria Math" panose="02040503050406030204" pitchFamily="18" charset="0"/>
+                              </a:rPr>
+                              <m:t>𝜃</m:t>
+                            </m:r>
+                          </m:e>
+                          <m:sub>
+                            <m:r>
+                              <a:rPr lang="en-US" sz="2900" i="1">
+                                <a:solidFill>
+                                  <a:schemeClr val="tx1"/>
+                                </a:solidFill>
+                                <a:latin typeface="Cambria Math" panose="02040503050406030204" pitchFamily="18" charset="0"/>
+                              </a:rPr>
+                              <m:t>𝑗</m:t>
+                            </m:r>
+                          </m:sub>
+                        </m:sSub>
+                      </m:den>
+                    </m:f>
+                    <m:r>
+                      <a:rPr lang="en-US" sz="2900" i="1">
+                        <a:latin typeface="Cambria Math" panose="02040503050406030204" pitchFamily="18" charset="0"/>
+                      </a:rPr>
+                      <m:t>𝐽</m:t>
+                    </m:r>
+                    <m:d>
+                      <m:dPr>
+                        <m:ctrlPr>
+                          <a:rPr lang="en-US" sz="2900" i="1">
+                            <a:latin typeface="Cambria Math" panose="02040503050406030204" pitchFamily="18" charset="0"/>
+                          </a:rPr>
+                        </m:ctrlPr>
+                      </m:dPr>
+                      <m:e>
+                        <m:sSub>
+                          <m:sSubPr>
+                            <m:ctrlPr>
+                              <a:rPr lang="en-US" sz="2900" i="1">
+                                <a:solidFill>
+                                  <a:schemeClr val="tx1"/>
+                                </a:solidFill>
+                                <a:latin typeface="Cambria Math" panose="02040503050406030204" pitchFamily="18" charset="0"/>
+                              </a:rPr>
+                            </m:ctrlPr>
+                          </m:sSubPr>
+                          <m:e>
+                            <m:r>
+                              <a:rPr lang="en-US" sz="2900" i="1">
+                                <a:solidFill>
+                                  <a:schemeClr val="tx1"/>
+                                </a:solidFill>
+                                <a:latin typeface="Cambria Math" panose="02040503050406030204" pitchFamily="18" charset="0"/>
+                                <a:ea typeface="Cambria Math" panose="02040503050406030204" pitchFamily="18" charset="0"/>
+                              </a:rPr>
+                              <m:t>𝜃</m:t>
+                            </m:r>
+                          </m:e>
+                          <m:sub>
+                            <m:r>
+                              <a:rPr lang="en-US" sz="2900" i="1">
+                                <a:solidFill>
+                                  <a:schemeClr val="tx1"/>
+                                </a:solidFill>
+                                <a:latin typeface="Cambria Math" panose="02040503050406030204" pitchFamily="18" charset="0"/>
+                              </a:rPr>
+                              <m:t>0</m:t>
+                            </m:r>
+                          </m:sub>
+                        </m:sSub>
+                        <m:r>
+                          <a:rPr lang="en-US" sz="2900" i="1">
+                            <a:solidFill>
+                              <a:schemeClr val="tx1"/>
+                            </a:solidFill>
+                            <a:latin typeface="Cambria Math" panose="02040503050406030204" pitchFamily="18" charset="0"/>
+                          </a:rPr>
+                          <m:t>,</m:t>
+                        </m:r>
+                        <m:sSub>
+                          <m:sSubPr>
+                            <m:ctrlPr>
+                              <a:rPr lang="en-US" sz="2900" i="1">
+                                <a:solidFill>
+                                  <a:schemeClr val="tx1"/>
+                                </a:solidFill>
+                                <a:latin typeface="Cambria Math" panose="02040503050406030204" pitchFamily="18" charset="0"/>
+                              </a:rPr>
+                            </m:ctrlPr>
+                          </m:sSubPr>
+                          <m:e>
+                            <m:r>
+                              <a:rPr lang="en-US" sz="2900" i="1">
+                                <a:solidFill>
+                                  <a:schemeClr val="tx1"/>
+                                </a:solidFill>
+                                <a:latin typeface="Cambria Math" panose="02040503050406030204" pitchFamily="18" charset="0"/>
+                                <a:ea typeface="Cambria Math" panose="02040503050406030204" pitchFamily="18" charset="0"/>
+                              </a:rPr>
+                              <m:t>𝜃</m:t>
+                            </m:r>
+                          </m:e>
+                          <m:sub>
+                            <m:r>
+                              <a:rPr lang="en-US" sz="2900" i="1">
+                                <a:solidFill>
+                                  <a:schemeClr val="tx1"/>
+                                </a:solidFill>
+                                <a:latin typeface="Cambria Math" panose="02040503050406030204" pitchFamily="18" charset="0"/>
+                              </a:rPr>
+                              <m:t>1</m:t>
+                            </m:r>
+                          </m:sub>
+                        </m:sSub>
+                      </m:e>
+                    </m:d>
+                  </m:oMath>
+                </a14:m>
+                <a:endParaRPr lang="en-US" sz="2900" dirty="0">
+                  <a:latin typeface="Verdana" panose="020B0604030504040204" pitchFamily="34" charset="0"/>
+                  <a:ea typeface="Verdana" panose="020B0604030504040204" pitchFamily="34" charset="0"/>
+                  <a:cs typeface="Verdana" panose="020B0604030504040204" pitchFamily="34" charset="0"/>
+                </a:endParaRPr>
+              </a:p>
+              <a:p>
+                <a:pPr marL="914400" lvl="2" indent="0">
+                  <a:buNone/>
+                </a:pPr>
+                <a:r>
+                  <a:rPr lang="en-US" sz="2900" dirty="0">
+                    <a:solidFill>
+                      <a:srgbClr val="4BFB53"/>
+                    </a:solidFill>
+                    <a:latin typeface="Verdana" panose="020B0604030504040204" pitchFamily="34" charset="0"/>
+                    <a:ea typeface="Verdana" panose="020B0604030504040204" pitchFamily="34" charset="0"/>
+                    <a:cs typeface="Verdana" panose="020B0604030504040204" pitchFamily="34" charset="0"/>
+                  </a:rPr>
+                  <a:t>for each feature</a:t>
+                </a:r>
+                <a:endParaRPr lang="en-US" sz="2900" i="1" dirty="0">
+                  <a:solidFill>
+                    <a:srgbClr val="4BFB53"/>
+                  </a:solidFill>
+                  <a:latin typeface="Verdana" panose="020B0604030504040204" pitchFamily="34" charset="0"/>
+                  <a:ea typeface="Verdana" panose="020B0604030504040204" pitchFamily="34" charset="0"/>
+                  <a:cs typeface="Verdana" panose="020B0604030504040204" pitchFamily="34" charset="0"/>
+                </a:endParaRPr>
+              </a:p>
+              <a:p>
+                <a:pPr marL="1371600" lvl="3" indent="0">
+                  <a:buNone/>
+                </a:pPr>
+                <a:r>
+                  <a:rPr lang="en-US" sz="2900" dirty="0" err="1">
+                    <a:solidFill>
+                      <a:srgbClr val="4BFB53"/>
+                    </a:solidFill>
+                    <a:latin typeface="Verdana" panose="020B0604030504040204" pitchFamily="34" charset="0"/>
+                    <a:ea typeface="Verdana" panose="020B0604030504040204" pitchFamily="34" charset="0"/>
+                    <a:cs typeface="Verdana" panose="020B0604030504040204" pitchFamily="34" charset="0"/>
+                  </a:rPr>
+                  <a:t>featureError</a:t>
+                </a:r>
+                <a:r>
+                  <a:rPr lang="en-US" sz="2900" dirty="0">
+                    <a:solidFill>
+                      <a:srgbClr val="4BFB53"/>
+                    </a:solidFill>
+                    <a:latin typeface="Verdana" panose="020B0604030504040204" pitchFamily="34" charset="0"/>
+                    <a:ea typeface="Verdana" panose="020B0604030504040204" pitchFamily="34" charset="0"/>
+                    <a:cs typeface="Verdana" panose="020B0604030504040204" pitchFamily="34" charset="0"/>
+                  </a:rPr>
+                  <a:t> = </a:t>
+                </a:r>
+                <a:r>
+                  <a:rPr lang="en-US" sz="2900" dirty="0" err="1">
+                    <a:solidFill>
+                      <a:srgbClr val="4BFB53"/>
+                    </a:solidFill>
+                    <a:latin typeface="Verdana" panose="020B0604030504040204" pitchFamily="34" charset="0"/>
+                    <a:ea typeface="Verdana" panose="020B0604030504040204" pitchFamily="34" charset="0"/>
+                    <a:cs typeface="Verdana" panose="020B0604030504040204" pitchFamily="34" charset="0"/>
+                  </a:rPr>
+                  <a:t>linearHeuristic</a:t>
+                </a:r>
+                <a:r>
+                  <a:rPr lang="en-US" sz="2900" dirty="0">
+                    <a:solidFill>
+                      <a:srgbClr val="4BFB53"/>
+                    </a:solidFill>
+                    <a:latin typeface="Verdana" panose="020B0604030504040204" pitchFamily="34" charset="0"/>
+                    <a:ea typeface="Verdana" panose="020B0604030504040204" pitchFamily="34" charset="0"/>
+                    <a:cs typeface="Verdana" panose="020B0604030504040204" pitchFamily="34" charset="0"/>
+                  </a:rPr>
+                  <a:t>(</a:t>
+                </a:r>
+                <a:r>
+                  <a:rPr lang="en-US" sz="2900" dirty="0" err="1">
+                    <a:solidFill>
+                      <a:srgbClr val="4BFB53"/>
+                    </a:solidFill>
+                    <a:latin typeface="Verdana" panose="020B0604030504040204" pitchFamily="34" charset="0"/>
+                    <a:ea typeface="Verdana" panose="020B0604030504040204" pitchFamily="34" charset="0"/>
+                    <a:cs typeface="Verdana" panose="020B0604030504040204" pitchFamily="34" charset="0"/>
+                  </a:rPr>
+                  <a:t>currentFeature</a:t>
+                </a:r>
+                <a:r>
+                  <a:rPr lang="en-US" sz="2900" dirty="0">
+                    <a:solidFill>
+                      <a:srgbClr val="4BFB53"/>
+                    </a:solidFill>
+                    <a:latin typeface="Verdana" panose="020B0604030504040204" pitchFamily="34" charset="0"/>
+                    <a:ea typeface="Verdana" panose="020B0604030504040204" pitchFamily="34" charset="0"/>
+                    <a:cs typeface="Verdana" panose="020B0604030504040204" pitchFamily="34" charset="0"/>
+                  </a:rPr>
+                  <a:t>) – </a:t>
+                </a:r>
+                <a:r>
+                  <a:rPr lang="en-US" sz="2900" dirty="0" err="1">
+                    <a:solidFill>
+                      <a:srgbClr val="4BFB53"/>
+                    </a:solidFill>
+                    <a:latin typeface="Verdana" panose="020B0604030504040204" pitchFamily="34" charset="0"/>
+                    <a:ea typeface="Verdana" panose="020B0604030504040204" pitchFamily="34" charset="0"/>
+                    <a:cs typeface="Verdana" panose="020B0604030504040204" pitchFamily="34" charset="0"/>
+                  </a:rPr>
+                  <a:t>currentLabel</a:t>
+                </a:r>
+                <a:endParaRPr lang="en-US" sz="2900" dirty="0">
+                  <a:solidFill>
+                    <a:srgbClr val="4BFB53"/>
+                  </a:solidFill>
+                  <a:latin typeface="Verdana" panose="020B0604030504040204" pitchFamily="34" charset="0"/>
+                  <a:ea typeface="Verdana" panose="020B0604030504040204" pitchFamily="34" charset="0"/>
+                  <a:cs typeface="Verdana" panose="020B0604030504040204" pitchFamily="34" charset="0"/>
+                </a:endParaRPr>
+              </a:p>
+              <a:p>
+                <a:pPr marL="1371600" lvl="3" indent="0">
+                  <a:buNone/>
+                </a:pPr>
+                <a:r>
+                  <a:rPr lang="en-US" sz="2900" dirty="0">
+                    <a:solidFill>
+                      <a:srgbClr val="4BFB53"/>
+                    </a:solidFill>
+                    <a:latin typeface="Verdana" panose="020B0604030504040204" pitchFamily="34" charset="0"/>
+                    <a:ea typeface="Verdana" panose="020B0604030504040204" pitchFamily="34" charset="0"/>
+                    <a:cs typeface="Verdana" panose="020B0604030504040204" pitchFamily="34" charset="0"/>
+                  </a:rPr>
+                  <a:t>for </a:t>
+                </a:r>
+                <a:r>
+                  <a:rPr lang="en-US" sz="2900" dirty="0" err="1">
+                    <a:solidFill>
+                      <a:srgbClr val="4BFB53"/>
+                    </a:solidFill>
+                    <a:latin typeface="Verdana" panose="020B0604030504040204" pitchFamily="34" charset="0"/>
+                    <a:ea typeface="Verdana" panose="020B0604030504040204" pitchFamily="34" charset="0"/>
+                    <a:cs typeface="Verdana" panose="020B0604030504040204" pitchFamily="34" charset="0"/>
+                  </a:rPr>
+                  <a:t>numInputs</a:t>
+                </a:r>
+                <a:endParaRPr lang="en-US" sz="2900" i="1" dirty="0">
+                  <a:solidFill>
+                    <a:srgbClr val="4BFB53"/>
+                  </a:solidFill>
+                  <a:latin typeface="Verdana" panose="020B0604030504040204" pitchFamily="34" charset="0"/>
+                  <a:ea typeface="Verdana" panose="020B0604030504040204" pitchFamily="34" charset="0"/>
+                  <a:cs typeface="Verdana" panose="020B0604030504040204" pitchFamily="34" charset="0"/>
+                </a:endParaRPr>
+              </a:p>
+              <a:p>
+                <a:pPr marL="1828800" lvl="4" indent="0">
+                  <a:buNone/>
+                </a:pPr>
+                <a:r>
+                  <a:rPr lang="en-US" sz="2900" dirty="0" err="1">
+                    <a:solidFill>
+                      <a:srgbClr val="4BFB53"/>
+                    </a:solidFill>
+                    <a:latin typeface="Verdana" panose="020B0604030504040204" pitchFamily="34" charset="0"/>
+                    <a:ea typeface="Verdana" panose="020B0604030504040204" pitchFamily="34" charset="0"/>
+                    <a:cs typeface="Verdana" panose="020B0604030504040204" pitchFamily="34" charset="0"/>
+                  </a:rPr>
+                  <a:t>thetaUpdate</a:t>
+                </a:r>
+                <a:r>
+                  <a:rPr lang="en-US" sz="2900" dirty="0">
+                    <a:solidFill>
+                      <a:srgbClr val="4BFB53"/>
+                    </a:solidFill>
+                    <a:latin typeface="Verdana" panose="020B0604030504040204" pitchFamily="34" charset="0"/>
+                    <a:ea typeface="Verdana" panose="020B0604030504040204" pitchFamily="34" charset="0"/>
+                    <a:cs typeface="Verdana" panose="020B0604030504040204" pitchFamily="34" charset="0"/>
+                  </a:rPr>
+                  <a:t>[</a:t>
+                </a:r>
+                <a:r>
+                  <a:rPr lang="en-US" sz="2900" dirty="0" err="1">
+                    <a:solidFill>
+                      <a:srgbClr val="4BFB53"/>
+                    </a:solidFill>
+                    <a:latin typeface="Verdana" panose="020B0604030504040204" pitchFamily="34" charset="0"/>
+                    <a:ea typeface="Verdana" panose="020B0604030504040204" pitchFamily="34" charset="0"/>
+                    <a:cs typeface="Verdana" panose="020B0604030504040204" pitchFamily="34" charset="0"/>
+                  </a:rPr>
+                  <a:t>currentInput</a:t>
+                </a:r>
+                <a:r>
+                  <a:rPr lang="en-US" sz="2900" dirty="0">
+                    <a:solidFill>
+                      <a:srgbClr val="4BFB53"/>
+                    </a:solidFill>
+                    <a:latin typeface="Verdana" panose="020B0604030504040204" pitchFamily="34" charset="0"/>
+                    <a:ea typeface="Verdana" panose="020B0604030504040204" pitchFamily="34" charset="0"/>
+                    <a:cs typeface="Verdana" panose="020B0604030504040204" pitchFamily="34" charset="0"/>
+                  </a:rPr>
+                  <a:t>] += </a:t>
+                </a:r>
+                <a:r>
+                  <a:rPr lang="en-US" sz="2900" dirty="0" err="1">
+                    <a:solidFill>
+                      <a:srgbClr val="4BFB53"/>
+                    </a:solidFill>
+                    <a:latin typeface="Verdana" panose="020B0604030504040204" pitchFamily="34" charset="0"/>
+                    <a:ea typeface="Verdana" panose="020B0604030504040204" pitchFamily="34" charset="0"/>
+                    <a:cs typeface="Verdana" panose="020B0604030504040204" pitchFamily="34" charset="0"/>
+                  </a:rPr>
+                  <a:t>featureError</a:t>
+                </a:r>
+                <a:r>
+                  <a:rPr lang="en-US" sz="2900" dirty="0">
+                    <a:solidFill>
+                      <a:srgbClr val="4BFB53"/>
+                    </a:solidFill>
+                    <a:latin typeface="Verdana" panose="020B0604030504040204" pitchFamily="34" charset="0"/>
+                    <a:ea typeface="Verdana" panose="020B0604030504040204" pitchFamily="34" charset="0"/>
+                    <a:cs typeface="Verdana" panose="020B0604030504040204" pitchFamily="34" charset="0"/>
+                  </a:rPr>
+                  <a:t> * </a:t>
+                </a:r>
+                <a:r>
+                  <a:rPr lang="en-US" sz="2900" dirty="0" err="1">
+                    <a:solidFill>
+                      <a:srgbClr val="4BFB53"/>
+                    </a:solidFill>
+                    <a:latin typeface="Verdana" panose="020B0604030504040204" pitchFamily="34" charset="0"/>
+                    <a:ea typeface="Verdana" panose="020B0604030504040204" pitchFamily="34" charset="0"/>
+                    <a:cs typeface="Verdana" panose="020B0604030504040204" pitchFamily="34" charset="0"/>
+                  </a:rPr>
+                  <a:t>currentFeature</a:t>
+                </a:r>
+                <a:r>
+                  <a:rPr lang="en-US" sz="2900" dirty="0">
+                    <a:solidFill>
+                      <a:srgbClr val="4BFB53"/>
+                    </a:solidFill>
+                    <a:latin typeface="Verdana" panose="020B0604030504040204" pitchFamily="34" charset="0"/>
+                    <a:ea typeface="Verdana" panose="020B0604030504040204" pitchFamily="34" charset="0"/>
+                    <a:cs typeface="Verdana" panose="020B0604030504040204" pitchFamily="34" charset="0"/>
+                  </a:rPr>
+                  <a:t>[</a:t>
+                </a:r>
+                <a:r>
+                  <a:rPr lang="en-US" sz="2900" dirty="0" err="1">
+                    <a:solidFill>
+                      <a:srgbClr val="4BFB53"/>
+                    </a:solidFill>
+                    <a:latin typeface="Verdana" panose="020B0604030504040204" pitchFamily="34" charset="0"/>
+                    <a:ea typeface="Verdana" panose="020B0604030504040204" pitchFamily="34" charset="0"/>
+                    <a:cs typeface="Verdana" panose="020B0604030504040204" pitchFamily="34" charset="0"/>
+                  </a:rPr>
+                  <a:t>currentInput</a:t>
+                </a:r>
+                <a:r>
+                  <a:rPr lang="en-US" sz="2900" dirty="0">
+                    <a:solidFill>
+                      <a:srgbClr val="4BFB53"/>
+                    </a:solidFill>
+                    <a:latin typeface="Verdana" panose="020B0604030504040204" pitchFamily="34" charset="0"/>
+                    <a:ea typeface="Verdana" panose="020B0604030504040204" pitchFamily="34" charset="0"/>
+                    <a:cs typeface="Verdana" panose="020B0604030504040204" pitchFamily="34" charset="0"/>
+                  </a:rPr>
+                  <a:t>]</a:t>
+                </a:r>
+              </a:p>
+              <a:p>
+                <a:pPr marL="0" indent="0">
+                  <a:buNone/>
+                </a:pPr>
+                <a:r>
+                  <a:rPr lang="en-US" sz="2900" dirty="0">
+                    <a:solidFill>
+                      <a:srgbClr val="4BFB53"/>
+                    </a:solidFill>
+                    <a:latin typeface="Verdana" panose="020B0604030504040204" pitchFamily="34" charset="0"/>
+                    <a:ea typeface="Verdana" panose="020B0604030504040204" pitchFamily="34" charset="0"/>
+                    <a:cs typeface="Verdana" panose="020B0604030504040204" pitchFamily="34" charset="0"/>
+                  </a:rPr>
+                  <a:t>	//</a:t>
+                </a:r>
+                <a:r>
+                  <a:rPr lang="en-US" sz="2900" dirty="0">
+                    <a:solidFill>
+                      <a:srgbClr val="4BFB53"/>
+                    </a:solidFill>
+                    <a:latin typeface="Verdana" panose="020B0604030504040204" pitchFamily="34" charset="0"/>
+                    <a:ea typeface="Verdana" panose="020B0604030504040204" pitchFamily="34" charset="0"/>
+                    <a:cs typeface="Verdana" panose="020B0604030504040204" pitchFamily="34" charset="0"/>
+                  </a:rPr>
+                  <a:t> Notice we are not subtracting from our old theta, or scaling by alpha, yet</a:t>
+                </a:r>
+                <a:endParaRPr lang="en-US" sz="2900" dirty="0">
+                  <a:solidFill>
+                    <a:srgbClr val="4BFB53"/>
+                  </a:solidFill>
+                  <a:latin typeface="Verdana" panose="020B0604030504040204" pitchFamily="34" charset="0"/>
+                  <a:ea typeface="Verdana" panose="020B0604030504040204" pitchFamily="34" charset="0"/>
+                  <a:cs typeface="Verdana" panose="020B0604030504040204" pitchFamily="34" charset="0"/>
+                </a:endParaRPr>
+              </a:p>
+              <a:p>
+                <a:pPr marL="0" indent="0">
+                  <a:buNone/>
+                </a:pPr>
+                <a:r>
+                  <a:rPr lang="en-US" sz="2900" dirty="0">
+                    <a:latin typeface="Verdana" panose="020B0604030504040204" pitchFamily="34" charset="0"/>
+                    <a:ea typeface="Verdana" panose="020B0604030504040204" pitchFamily="34" charset="0"/>
+                    <a:cs typeface="Verdana" panose="020B0604030504040204" pitchFamily="34" charset="0"/>
+                  </a:rPr>
+                  <a:t>	for each </a:t>
+                </a:r>
+                <a14:m>
+                  <m:oMath xmlns:m="http://schemas.openxmlformats.org/officeDocument/2006/math">
+                    <m:sSub>
+                      <m:sSubPr>
+                        <m:ctrlPr>
+                          <a:rPr lang="en-US" sz="2900" i="1">
+                            <a:solidFill>
+                              <a:schemeClr val="tx1"/>
+                            </a:solidFill>
+                            <a:latin typeface="Cambria Math" panose="02040503050406030204" pitchFamily="18" charset="0"/>
+                          </a:rPr>
+                        </m:ctrlPr>
+                      </m:sSubPr>
+                      <m:e>
+                        <m:r>
+                          <a:rPr lang="en-US" sz="2900" i="1">
+                            <a:solidFill>
+                              <a:schemeClr val="tx1"/>
+                            </a:solidFill>
+                            <a:latin typeface="Cambria Math" panose="02040503050406030204" pitchFamily="18" charset="0"/>
+                            <a:ea typeface="Cambria Math" panose="02040503050406030204" pitchFamily="18" charset="0"/>
+                          </a:rPr>
+                          <m:t>𝜃</m:t>
+                        </m:r>
+                      </m:e>
+                      <m:sub>
+                        <m:r>
+                          <a:rPr lang="en-US" sz="2900" i="1">
+                            <a:solidFill>
+                              <a:schemeClr val="tx1"/>
+                            </a:solidFill>
+                            <a:latin typeface="Cambria Math" panose="02040503050406030204" pitchFamily="18" charset="0"/>
+                          </a:rPr>
+                          <m:t>𝑗</m:t>
+                        </m:r>
+                      </m:sub>
+                    </m:sSub>
+                  </m:oMath>
+                </a14:m>
+                <a:endParaRPr lang="en-US" sz="2900" dirty="0">
+                  <a:latin typeface="Verdana" panose="020B0604030504040204" pitchFamily="34" charset="0"/>
+                  <a:ea typeface="Verdana" panose="020B0604030504040204" pitchFamily="34" charset="0"/>
+                  <a:cs typeface="Verdana" panose="020B0604030504040204" pitchFamily="34" charset="0"/>
+                </a:endParaRPr>
+              </a:p>
+              <a:p>
+                <a:pPr marL="0" indent="0">
+                  <a:buNone/>
+                </a:pPr>
+                <a:r>
+                  <a:rPr lang="en-US" sz="2900" dirty="0">
+                    <a:latin typeface="Verdana" panose="020B0604030504040204" pitchFamily="34" charset="0"/>
+                    <a:ea typeface="Verdana" panose="020B0604030504040204" pitchFamily="34" charset="0"/>
+                    <a:cs typeface="Verdana" panose="020B0604030504040204" pitchFamily="34" charset="0"/>
+                  </a:rPr>
+                  <a:t>		</a:t>
+                </a:r>
+                <a14:m>
+                  <m:oMath xmlns:m="http://schemas.openxmlformats.org/officeDocument/2006/math">
+                    <m:sSub>
+                      <m:sSubPr>
+                        <m:ctrlPr>
+                          <a:rPr lang="en-US" sz="2900" i="1">
+                            <a:solidFill>
+                              <a:schemeClr val="tx1"/>
+                            </a:solidFill>
+                            <a:latin typeface="Cambria Math" panose="02040503050406030204" pitchFamily="18" charset="0"/>
+                          </a:rPr>
+                        </m:ctrlPr>
+                      </m:sSubPr>
+                      <m:e>
+                        <m:r>
+                          <a:rPr lang="en-US" sz="2900" i="1">
+                            <a:solidFill>
+                              <a:schemeClr val="tx1"/>
+                            </a:solidFill>
+                            <a:latin typeface="Cambria Math" panose="02040503050406030204" pitchFamily="18" charset="0"/>
+                            <a:ea typeface="Cambria Math" panose="02040503050406030204" pitchFamily="18" charset="0"/>
+                          </a:rPr>
+                          <m:t>𝜃</m:t>
+                        </m:r>
+                      </m:e>
+                      <m:sub>
+                        <m:r>
+                          <a:rPr lang="en-US" sz="2900" i="1">
+                            <a:solidFill>
+                              <a:schemeClr val="tx1"/>
+                            </a:solidFill>
+                            <a:latin typeface="Cambria Math" panose="02040503050406030204" pitchFamily="18" charset="0"/>
+                          </a:rPr>
+                          <m:t>𝑗</m:t>
+                        </m:r>
+                      </m:sub>
+                    </m:sSub>
+                  </m:oMath>
+                </a14:m>
+                <a:r>
+                  <a:rPr lang="en-US" sz="2900" dirty="0">
+                    <a:latin typeface="Verdana" panose="020B0604030504040204" pitchFamily="34" charset="0"/>
+                    <a:ea typeface="Verdana" panose="020B0604030504040204" pitchFamily="34" charset="0"/>
+                    <a:cs typeface="Verdana" panose="020B0604030504040204" pitchFamily="34" charset="0"/>
+                  </a:rPr>
+                  <a:t>= </a:t>
+                </a:r>
+                <a14:m>
+                  <m:oMath xmlns:m="http://schemas.openxmlformats.org/officeDocument/2006/math">
+                    <m:sSub>
+                      <m:sSubPr>
+                        <m:ctrlPr>
+                          <a:rPr lang="en-US" sz="2900" i="1">
+                            <a:solidFill>
+                              <a:schemeClr val="tx1"/>
+                            </a:solidFill>
+                            <a:latin typeface="Cambria Math" panose="02040503050406030204" pitchFamily="18" charset="0"/>
+                          </a:rPr>
+                        </m:ctrlPr>
+                      </m:sSubPr>
+                      <m:e>
+                        <m:r>
+                          <a:rPr lang="en-US" sz="2900" i="1">
+                            <a:solidFill>
+                              <a:schemeClr val="tx1"/>
+                            </a:solidFill>
+                            <a:latin typeface="Cambria Math" panose="02040503050406030204" pitchFamily="18" charset="0"/>
+                            <a:ea typeface="Cambria Math" panose="02040503050406030204" pitchFamily="18" charset="0"/>
+                          </a:rPr>
+                          <m:t>𝜃</m:t>
+                        </m:r>
+                      </m:e>
+                      <m:sub>
+                        <m:r>
+                          <a:rPr lang="en-US" sz="2900" i="1">
+                            <a:solidFill>
+                              <a:schemeClr val="tx1"/>
+                            </a:solidFill>
+                            <a:latin typeface="Cambria Math" panose="02040503050406030204" pitchFamily="18" charset="0"/>
+                          </a:rPr>
+                          <m:t>𝑗</m:t>
+                        </m:r>
+                      </m:sub>
+                    </m:sSub>
+                  </m:oMath>
+                </a14:m>
+                <a:r>
+                  <a:rPr lang="en-US" sz="2900" dirty="0">
+                    <a:latin typeface="Verdana" panose="020B0604030504040204" pitchFamily="34" charset="0"/>
+                    <a:ea typeface="Verdana" panose="020B0604030504040204" pitchFamily="34" charset="0"/>
+                    <a:cs typeface="Verdana" panose="020B0604030504040204" pitchFamily="34" charset="0"/>
+                  </a:rPr>
+                  <a:t>update </a:t>
+                </a:r>
+              </a:p>
+              <a:p>
+                <a:pPr marL="0" indent="0">
+                  <a:buNone/>
+                </a:pPr>
+                <a:r>
+                  <a:rPr lang="en-US" dirty="0"/>
+                  <a:t>}</a:t>
+                </a:r>
+              </a:p>
+              <a:p>
+                <a:endParaRPr lang="en-US" dirty="0"/>
+              </a:p>
+            </p:txBody>
+          </p:sp>
+        </mc:Choice>
+        <mc:Fallback>
+          <p:sp>
+            <p:nvSpPr>
+              <p:cNvPr id="6" name="Content Placeholder 5"/>
+              <p:cNvSpPr>
+                <a:spLocks noGrp="1" noRot="1" noChangeAspect="1" noMove="1" noResize="1" noEditPoints="1" noAdjustHandles="1" noChangeArrowheads="1" noChangeShapeType="1" noTextEdit="1"/>
+              </p:cNvSpPr>
+              <p:nvPr>
+                <p:ph idx="1"/>
+              </p:nvPr>
+            </p:nvSpPr>
+            <p:spPr>
+              <a:blipFill>
+                <a:blip r:embed="rId2"/>
+                <a:stretch>
+                  <a:fillRect l="-536" t="-2521"/>
+                </a:stretch>
+              </a:blipFill>
+            </p:spPr>
+            <p:txBody>
+              <a:bodyPr/>
+              <a:lstStyle/>
+              <a:p>
+                <a:r>
+                  <a:rPr lang="en-US">
+                    <a:noFill/>
+                  </a:rPr>
+                  <a:t> </a:t>
+                </a:r>
+              </a:p>
+            </p:txBody>
+          </p:sp>
+        </mc:Fallback>
+      </mc:AlternateContent>
+    </p:spTree>
+    <p:extLst>
+      <p:ext uri="{BB962C8B-B14F-4D97-AF65-F5344CB8AC3E}">
+        <p14:creationId xmlns:p14="http://schemas.microsoft.com/office/powerpoint/2010/main" val="1080106412"/>
+      </p:ext>
+    </p:extLst>
+  </p:cSld>
+  <p:clrMapOvr>
+    <a:masterClrMapping/>
+  </p:clrMapOvr>
+  <p:timing>
+    <p:tnLst>
+      <p:par>
+        <p:cTn id="1" dur="indefinite" restart="never" nodeType="tmRoot">
+          <p:childTnLst>
+            <p:seq concurrent="1" nextAc="seek">
+              <p:cTn id="2" dur="indefinite" nodeType="mainSeq">
+                <p:childTnLst>
+                  <p:par>
+                    <p:cTn id="3" fill="hold">
+                      <p:stCondLst>
+                        <p:cond delay="indefinite"/>
+                      </p:stCondLst>
+                      <p:childTnLst>
+                        <p:par>
+                          <p:cTn id="4" fill="hold">
+                            <p:stCondLst>
+                              <p:cond delay="0"/>
+                            </p:stCondLst>
+                            <p:childTnLst>
+                              <p:par>
+                                <p:cTn id="5" presetID="26" presetClass="emph" presetSubtype="0" fill="hold" nodeType="clickEffect">
+                                  <p:stCondLst>
+                                    <p:cond delay="0"/>
+                                  </p:stCondLst>
+                                  <p:childTnLst>
+                                    <p:animEffect transition="out" filter="fade">
+                                      <p:cBhvr>
+                                        <p:cTn id="6" dur="500" tmFilter="0, 0; .2, .5; .8, .5; 1, 0"/>
+                                        <p:tgtEl>
+                                          <p:spTgt spid="6">
+                                            <p:txEl>
+                                              <p:pRg st="2" end="2"/>
+                                            </p:txEl>
+                                          </p:spTgt>
+                                        </p:tgtEl>
+                                      </p:cBhvr>
+                                    </p:animEffect>
+                                    <p:animScale>
+                                      <p:cBhvr>
+                                        <p:cTn id="7" dur="250" autoRev="1" fill="hold"/>
+                                        <p:tgtEl>
+                                          <p:spTgt spid="6">
+                                            <p:txEl>
+                                              <p:pRg st="2" end="2"/>
+                                            </p:txEl>
+                                          </p:spTgt>
+                                        </p:tgtEl>
+                                      </p:cBhvr>
+                                      <p:by x="105000" y="105000"/>
+                                    </p:animScale>
+                                  </p:childTnLst>
+                                </p:cTn>
+                              </p:par>
+                              <p:par>
+                                <p:cTn id="8" presetID="26" presetClass="emph" presetSubtype="0" fill="hold" nodeType="withEffect">
+                                  <p:stCondLst>
+                                    <p:cond delay="0"/>
+                                  </p:stCondLst>
+                                  <p:childTnLst>
+                                    <p:animEffect transition="out" filter="fade">
+                                      <p:cBhvr>
+                                        <p:cTn id="9" dur="500" tmFilter="0, 0; .2, .5; .8, .5; 1, 0"/>
+                                        <p:tgtEl>
+                                          <p:spTgt spid="6">
+                                            <p:txEl>
+                                              <p:pRg st="3" end="3"/>
+                                            </p:txEl>
+                                          </p:spTgt>
+                                        </p:tgtEl>
+                                      </p:cBhvr>
+                                    </p:animEffect>
+                                    <p:animScale>
+                                      <p:cBhvr>
+                                        <p:cTn id="10" dur="250" autoRev="1" fill="hold"/>
+                                        <p:tgtEl>
+                                          <p:spTgt spid="6">
+                                            <p:txEl>
+                                              <p:pRg st="3" end="3"/>
+                                            </p:txEl>
+                                          </p:spTgt>
+                                        </p:tgtEl>
+                                      </p:cBhvr>
+                                      <p:by x="105000" y="105000"/>
+                                    </p:animScale>
+                                  </p:childTnLst>
+                                </p:cTn>
+                              </p:par>
+                            </p:childTnLst>
+                          </p:cTn>
+                        </p:par>
+                        <p:par>
+                          <p:cTn id="11" fill="hold">
+                            <p:stCondLst>
+                              <p:cond delay="500"/>
+                            </p:stCondLst>
+                            <p:childTnLst>
+                              <p:par>
+                                <p:cTn id="12" presetID="1" presetClass="entr" presetSubtype="0" fill="hold" nodeType="afterEffect">
+                                  <p:stCondLst>
+                                    <p:cond delay="0"/>
+                                  </p:stCondLst>
+                                  <p:childTnLst>
+                                    <p:set>
+                                      <p:cBhvr>
+                                        <p:cTn id="13" dur="1" fill="hold">
+                                          <p:stCondLst>
+                                            <p:cond delay="0"/>
+                                          </p:stCondLst>
+                                        </p:cTn>
+                                        <p:tgtEl>
+                                          <p:spTgt spid="6">
+                                            <p:txEl>
+                                              <p:pRg st="4" end="4"/>
+                                            </p:txEl>
+                                          </p:spTgt>
+                                        </p:tgtEl>
+                                        <p:attrNameLst>
+                                          <p:attrName>style.visibility</p:attrName>
+                                        </p:attrNameLst>
+                                      </p:cBhvr>
+                                      <p:to>
+                                        <p:strVal val="visible"/>
+                                      </p:to>
+                                    </p:set>
+                                  </p:childTnLst>
+                                </p:cTn>
+                              </p:par>
+                              <p:par>
+                                <p:cTn id="14" presetID="1" presetClass="entr" presetSubtype="0" fill="hold" nodeType="withEffect">
+                                  <p:stCondLst>
+                                    <p:cond delay="0"/>
+                                  </p:stCondLst>
+                                  <p:childTnLst>
+                                    <p:set>
+                                      <p:cBhvr>
+                                        <p:cTn id="15" dur="1" fill="hold">
+                                          <p:stCondLst>
+                                            <p:cond delay="0"/>
+                                          </p:stCondLst>
+                                        </p:cTn>
+                                        <p:tgtEl>
+                                          <p:spTgt spid="6">
+                                            <p:txEl>
+                                              <p:pRg st="5" end="5"/>
+                                            </p:txEl>
+                                          </p:spTgt>
+                                        </p:tgtEl>
+                                        <p:attrNameLst>
+                                          <p:attrName>style.visibility</p:attrName>
+                                        </p:attrNameLst>
+                                      </p:cBhvr>
+                                      <p:to>
+                                        <p:strVal val="visible"/>
+                                      </p:to>
+                                    </p:set>
+                                  </p:childTnLst>
+                                </p:cTn>
+                              </p:par>
+                              <p:par>
+                                <p:cTn id="16" presetID="1" presetClass="entr" presetSubtype="0" fill="hold" nodeType="withEffect">
+                                  <p:stCondLst>
+                                    <p:cond delay="0"/>
+                                  </p:stCondLst>
+                                  <p:childTnLst>
+                                    <p:set>
+                                      <p:cBhvr>
+                                        <p:cTn id="17" dur="1" fill="hold">
+                                          <p:stCondLst>
+                                            <p:cond delay="0"/>
+                                          </p:stCondLst>
+                                        </p:cTn>
+                                        <p:tgtEl>
+                                          <p:spTgt spid="6">
+                                            <p:txEl>
+                                              <p:pRg st="6" end="6"/>
+                                            </p:txEl>
+                                          </p:spTgt>
+                                        </p:tgtEl>
+                                        <p:attrNameLst>
+                                          <p:attrName>style.visibility</p:attrName>
+                                        </p:attrNameLst>
+                                      </p:cBhvr>
+                                      <p:to>
+                                        <p:strVal val="visible"/>
+                                      </p:to>
+                                    </p:set>
+                                  </p:childTnLst>
+                                </p:cTn>
+                              </p:par>
+                              <p:par>
+                                <p:cTn id="18" presetID="1" presetClass="entr" presetSubtype="0" fill="hold" nodeType="withEffect">
+                                  <p:stCondLst>
+                                    <p:cond delay="0"/>
+                                  </p:stCondLst>
+                                  <p:childTnLst>
+                                    <p:set>
+                                      <p:cBhvr>
+                                        <p:cTn id="19" dur="1" fill="hold">
+                                          <p:stCondLst>
+                                            <p:cond delay="0"/>
+                                          </p:stCondLst>
+                                        </p:cTn>
+                                        <p:tgtEl>
+                                          <p:spTgt spid="6">
+                                            <p:txEl>
+                                              <p:pRg st="7" end="7"/>
+                                            </p:txEl>
+                                          </p:spTgt>
+                                        </p:tgtEl>
+                                        <p:attrNameLst>
+                                          <p:attrName>style.visibility</p:attrName>
+                                        </p:attrNameLst>
+                                      </p:cBhvr>
+                                      <p:to>
+                                        <p:strVal val="visible"/>
+                                      </p:to>
+                                    </p:set>
+                                  </p:childTnLst>
+                                </p:cTn>
+                              </p:par>
+                              <p:par>
+                                <p:cTn id="20" presetID="1" presetClass="entr" presetSubtype="0" fill="hold" nodeType="withEffect">
+                                  <p:stCondLst>
+                                    <p:cond delay="0"/>
+                                  </p:stCondLst>
+                                  <p:childTnLst>
+                                    <p:set>
+                                      <p:cBhvr>
+                                        <p:cTn id="21" dur="1" fill="hold">
+                                          <p:stCondLst>
+                                            <p:cond delay="0"/>
+                                          </p:stCondLst>
+                                        </p:cTn>
+                                        <p:tgtEl>
+                                          <p:spTgt spid="6">
+                                            <p:txEl>
+                                              <p:pRg st="8" end="8"/>
+                                            </p:txEl>
+                                          </p:spTgt>
+                                        </p:tgtEl>
+                                        <p:attrNameLst>
+                                          <p:attrName>style.visibility</p:attrName>
+                                        </p:attrNameLst>
+                                      </p:cBhvr>
+                                      <p:to>
+                                        <p:strVal val="visible"/>
+                                      </p:to>
+                                    </p:set>
+                                  </p:childTnLst>
+                                </p:cTn>
+                              </p:par>
+                            </p:childTnLst>
+                          </p:cTn>
+                        </p:par>
+                        <p:par>
+                          <p:cTn id="22" fill="hold">
+                            <p:stCondLst>
+                              <p:cond delay="500"/>
+                            </p:stCondLst>
+                            <p:childTnLst>
+                              <p:par>
+                                <p:cTn id="23" presetID="10" presetClass="exit" presetSubtype="0" fill="hold" nodeType="afterEffect">
+                                  <p:stCondLst>
+                                    <p:cond delay="0"/>
+                                  </p:stCondLst>
+                                  <p:childTnLst>
+                                    <p:animEffect transition="out" filter="fade">
+                                      <p:cBhvr>
+                                        <p:cTn id="24" dur="500"/>
+                                        <p:tgtEl>
+                                          <p:spTgt spid="6">
+                                            <p:txEl>
+                                              <p:pRg st="2" end="2"/>
+                                            </p:txEl>
+                                          </p:spTgt>
+                                        </p:tgtEl>
+                                      </p:cBhvr>
+                                    </p:animEffect>
+                                    <p:set>
+                                      <p:cBhvr>
+                                        <p:cTn id="25" dur="1" fill="hold">
+                                          <p:stCondLst>
+                                            <p:cond delay="499"/>
+                                          </p:stCondLst>
+                                        </p:cTn>
+                                        <p:tgtEl>
+                                          <p:spTgt spid="6">
+                                            <p:txEl>
+                                              <p:pRg st="2" end="2"/>
+                                            </p:txEl>
+                                          </p:spTgt>
+                                        </p:tgtEl>
+                                        <p:attrNameLst>
+                                          <p:attrName>style.visibility</p:attrName>
+                                        </p:attrNameLst>
+                                      </p:cBhvr>
+                                      <p:to>
+                                        <p:strVal val="hidden"/>
+                                      </p:to>
+                                    </p:set>
+                                  </p:childTnLst>
+                                </p:cTn>
+                              </p:par>
+                              <p:par>
+                                <p:cTn id="26" presetID="10" presetClass="exit" presetSubtype="0" fill="hold" nodeType="withEffect">
+                                  <p:stCondLst>
+                                    <p:cond delay="0"/>
+                                  </p:stCondLst>
+                                  <p:childTnLst>
+                                    <p:animEffect transition="out" filter="fade">
+                                      <p:cBhvr>
+                                        <p:cTn id="27" dur="500"/>
+                                        <p:tgtEl>
+                                          <p:spTgt spid="6">
+                                            <p:txEl>
+                                              <p:pRg st="3" end="3"/>
+                                            </p:txEl>
+                                          </p:spTgt>
+                                        </p:tgtEl>
+                                      </p:cBhvr>
+                                    </p:animEffect>
+                                    <p:set>
+                                      <p:cBhvr>
+                                        <p:cTn id="28" dur="1" fill="hold">
+                                          <p:stCondLst>
+                                            <p:cond delay="499"/>
+                                          </p:stCondLst>
+                                        </p:cTn>
+                                        <p:tgtEl>
+                                          <p:spTgt spid="6">
+                                            <p:txEl>
+                                              <p:pRg st="3" end="3"/>
+                                            </p:txEl>
+                                          </p:spTgt>
+                                        </p:tgtEl>
+                                        <p:attrNameLst>
+                                          <p:attrName>style.visibility</p:attrName>
+                                        </p:attrNameLst>
+                                      </p:cBhvr>
+                                      <p:to>
+                                        <p:strVal val="hidden"/>
+                                      </p:to>
+                                    </p:set>
+                                  </p:childTnLst>
+                                </p:cTn>
+                              </p:par>
+                            </p:childTnLst>
+                          </p:cTn>
+                        </p:par>
+                      </p:childTnLst>
+                    </p:cTn>
+                  </p:par>
+                </p:childTnLst>
+              </p:cTn>
+              <p:prevCondLst>
+                <p:cond evt="onPrev" delay="0">
+                  <p:tgtEl>
+                    <p:sldTgt/>
+                  </p:tgtEl>
+                </p:cond>
+              </p:prevCondLst>
+              <p:nextCondLst>
+                <p:cond evt="onNext" delay="0">
+                  <p:tgtEl>
+                    <p:sldTgt/>
+                  </p:tgtEl>
+                </p:cond>
+              </p:nextCondLst>
+            </p:seq>
+          </p:childTnLst>
+        </p:cTn>
+      </p:par>
+    </p:tnLst>
+  </p:timing>
+</p:sld>
+</file>
+
+<file path=ppt/slides/slide19.xml><?xml version="1.0" encoding="utf-8"?>
+<p:sld xmlns:a="http://schemas.openxmlformats.org/drawingml/2006/main" xmlns:r="http://schemas.openxmlformats.org/officeDocument/2006/relationships" xmlns:p="http://schemas.openxmlformats.org/presentationml/2006/main">
+  <p:cSld>
+    <p:spTree>
+      <p:nvGrpSpPr>
+        <p:cNvPr id="1" name=""/>
+        <p:cNvGrpSpPr/>
+        <p:nvPr/>
+      </p:nvGrpSpPr>
+      <p:grpSpPr>
+        <a:xfrm>
+          <a:off x="0" y="0"/>
+          <a:ext cx="0" cy="0"/>
+          <a:chOff x="0" y="0"/>
+          <a:chExt cx="0" cy="0"/>
+        </a:xfrm>
+      </p:grpSpPr>
+      <p:sp>
+        <p:nvSpPr>
+          <p:cNvPr id="5" name="Title 4"/>
+          <p:cNvSpPr>
+            <a:spLocks noGrp="1"/>
+          </p:cNvSpPr>
+          <p:nvPr>
+            <p:ph type="title"/>
+          </p:nvPr>
+        </p:nvSpPr>
+        <p:spPr/>
+        <p:txBody>
+          <a:bodyPr/>
+          <a:lstStyle/>
+          <a:p>
+            <a:r>
+              <a:rPr lang="en-US" dirty="0"/>
+              <a:t>Gradient Descent Pseudo-code</a:t>
+            </a:r>
+          </a:p>
+        </p:txBody>
+      </p:sp>
+      <mc:AlternateContent xmlns:mc="http://schemas.openxmlformats.org/markup-compatibility/2006">
+        <mc:Choice xmlns:a14="http://schemas.microsoft.com/office/drawing/2010/main" Requires="a14">
+          <p:sp>
+            <p:nvSpPr>
+              <p:cNvPr id="6" name="Content Placeholder 5"/>
+              <p:cNvSpPr>
+                <a:spLocks noGrp="1"/>
+              </p:cNvSpPr>
+              <p:nvPr>
+                <p:ph idx="1"/>
+              </p:nvPr>
+            </p:nvSpPr>
+            <p:spPr/>
+            <p:txBody>
+              <a:bodyPr>
+                <a:normAutofit fontScale="77500" lnSpcReduction="20000"/>
+              </a:bodyPr>
+              <a:lstStyle/>
+              <a:p>
+                <a:pPr marL="0" indent="0">
+                  <a:buNone/>
+                </a:pPr>
+                <a:r>
+                  <a:rPr lang="en-US" sz="2900" dirty="0">
+                    <a:solidFill>
+                      <a:schemeClr val="tx1"/>
+                    </a:solidFill>
+                    <a:latin typeface="Verdana" panose="020B0604030504040204" pitchFamily="34" charset="0"/>
+                    <a:ea typeface="Verdana" panose="020B0604030504040204" pitchFamily="34" charset="0"/>
+                    <a:cs typeface="Verdana" panose="020B0604030504040204" pitchFamily="34" charset="0"/>
+                  </a:rPr>
+                  <a:t>for </a:t>
+                </a:r>
+                <a:r>
+                  <a:rPr lang="en-US" sz="2900" dirty="0" err="1">
+                    <a:solidFill>
+                      <a:schemeClr val="tx1"/>
+                    </a:solidFill>
+                    <a:latin typeface="Verdana" panose="020B0604030504040204" pitchFamily="34" charset="0"/>
+                    <a:ea typeface="Verdana" panose="020B0604030504040204" pitchFamily="34" charset="0"/>
+                    <a:cs typeface="Verdana" panose="020B0604030504040204" pitchFamily="34" charset="0"/>
+                  </a:rPr>
+                  <a:t>numIterations</a:t>
+                </a:r>
+                <a:endParaRPr lang="en-US" sz="2900" dirty="0">
+                  <a:solidFill>
+                    <a:schemeClr val="tx1"/>
+                  </a:solidFill>
+                  <a:latin typeface="Verdana" panose="020B0604030504040204" pitchFamily="34" charset="0"/>
+                  <a:ea typeface="Verdana" panose="020B0604030504040204" pitchFamily="34" charset="0"/>
+                  <a:cs typeface="Verdana" panose="020B0604030504040204" pitchFamily="34" charset="0"/>
+                </a:endParaRPr>
+              </a:p>
+              <a:p>
+                <a:pPr marL="0" indent="0">
+                  <a:buNone/>
+                </a:pPr>
+                <a:r>
+                  <a:rPr lang="en-US" sz="2900" dirty="0">
+                    <a:solidFill>
+                      <a:schemeClr val="tx1"/>
+                    </a:solidFill>
+                    <a:latin typeface="Verdana" panose="020B0604030504040204" pitchFamily="34" charset="0"/>
+                    <a:ea typeface="Verdana" panose="020B0604030504040204" pitchFamily="34" charset="0"/>
+                    <a:cs typeface="Verdana" panose="020B0604030504040204" pitchFamily="34" charset="0"/>
+                  </a:rPr>
+                  <a:t>{</a:t>
+                </a:r>
+              </a:p>
+              <a:p>
+                <a:pPr marL="914400" lvl="2" indent="0">
+                  <a:buNone/>
+                </a:pPr>
+                <a:r>
+                  <a:rPr lang="en-US" sz="2900" dirty="0">
+                    <a:solidFill>
+                      <a:schemeClr val="tx1"/>
+                    </a:solidFill>
+                    <a:latin typeface="Verdana" panose="020B0604030504040204" pitchFamily="34" charset="0"/>
+                    <a:ea typeface="Verdana" panose="020B0604030504040204" pitchFamily="34" charset="0"/>
+                    <a:cs typeface="Verdana" panose="020B0604030504040204" pitchFamily="34" charset="0"/>
+                  </a:rPr>
+                  <a:t>for each feature</a:t>
+                </a:r>
+                <a:endParaRPr lang="en-US" sz="2900" i="1" dirty="0">
+                  <a:solidFill>
+                    <a:schemeClr val="tx1"/>
+                  </a:solidFill>
+                  <a:latin typeface="Verdana" panose="020B0604030504040204" pitchFamily="34" charset="0"/>
+                  <a:ea typeface="Verdana" panose="020B0604030504040204" pitchFamily="34" charset="0"/>
+                  <a:cs typeface="Verdana" panose="020B0604030504040204" pitchFamily="34" charset="0"/>
+                </a:endParaRPr>
+              </a:p>
+              <a:p>
+                <a:pPr marL="1371600" lvl="3" indent="0">
+                  <a:buNone/>
+                </a:pPr>
+                <a:r>
+                  <a:rPr lang="en-US" sz="2900" dirty="0" err="1">
+                    <a:solidFill>
+                      <a:schemeClr val="tx1"/>
+                    </a:solidFill>
+                    <a:latin typeface="Verdana" panose="020B0604030504040204" pitchFamily="34" charset="0"/>
+                    <a:ea typeface="Verdana" panose="020B0604030504040204" pitchFamily="34" charset="0"/>
+                    <a:cs typeface="Verdana" panose="020B0604030504040204" pitchFamily="34" charset="0"/>
+                  </a:rPr>
+                  <a:t>featureError</a:t>
+                </a:r>
+                <a:r>
+                  <a:rPr lang="en-US" sz="2900" dirty="0">
+                    <a:solidFill>
+                      <a:schemeClr val="tx1"/>
+                    </a:solidFill>
+                    <a:latin typeface="Verdana" panose="020B0604030504040204" pitchFamily="34" charset="0"/>
+                    <a:ea typeface="Verdana" panose="020B0604030504040204" pitchFamily="34" charset="0"/>
+                    <a:cs typeface="Verdana" panose="020B0604030504040204" pitchFamily="34" charset="0"/>
+                  </a:rPr>
+                  <a:t> = </a:t>
+                </a:r>
+                <a:r>
+                  <a:rPr lang="en-US" sz="2900" dirty="0" err="1">
+                    <a:solidFill>
+                      <a:schemeClr val="tx1"/>
+                    </a:solidFill>
+                    <a:latin typeface="Verdana" panose="020B0604030504040204" pitchFamily="34" charset="0"/>
+                    <a:ea typeface="Verdana" panose="020B0604030504040204" pitchFamily="34" charset="0"/>
+                    <a:cs typeface="Verdana" panose="020B0604030504040204" pitchFamily="34" charset="0"/>
+                  </a:rPr>
+                  <a:t>linearHeuristic</a:t>
+                </a:r>
+                <a:r>
+                  <a:rPr lang="en-US" sz="2900" dirty="0">
+                    <a:solidFill>
+                      <a:schemeClr val="tx1"/>
+                    </a:solidFill>
+                    <a:latin typeface="Verdana" panose="020B0604030504040204" pitchFamily="34" charset="0"/>
+                    <a:ea typeface="Verdana" panose="020B0604030504040204" pitchFamily="34" charset="0"/>
+                    <a:cs typeface="Verdana" panose="020B0604030504040204" pitchFamily="34" charset="0"/>
+                  </a:rPr>
+                  <a:t>(</a:t>
+                </a:r>
+                <a:r>
+                  <a:rPr lang="en-US" sz="2900" dirty="0" err="1">
+                    <a:solidFill>
+                      <a:schemeClr val="tx1"/>
+                    </a:solidFill>
+                    <a:latin typeface="Verdana" panose="020B0604030504040204" pitchFamily="34" charset="0"/>
+                    <a:ea typeface="Verdana" panose="020B0604030504040204" pitchFamily="34" charset="0"/>
+                    <a:cs typeface="Verdana" panose="020B0604030504040204" pitchFamily="34" charset="0"/>
+                  </a:rPr>
+                  <a:t>currentFeature</a:t>
+                </a:r>
+                <a:r>
+                  <a:rPr lang="en-US" sz="2900" dirty="0">
+                    <a:solidFill>
+                      <a:schemeClr val="tx1"/>
+                    </a:solidFill>
+                    <a:latin typeface="Verdana" panose="020B0604030504040204" pitchFamily="34" charset="0"/>
+                    <a:ea typeface="Verdana" panose="020B0604030504040204" pitchFamily="34" charset="0"/>
+                    <a:cs typeface="Verdana" panose="020B0604030504040204" pitchFamily="34" charset="0"/>
+                  </a:rPr>
+                  <a:t>) – </a:t>
+                </a:r>
+                <a:r>
+                  <a:rPr lang="en-US" sz="2900" dirty="0" err="1">
+                    <a:solidFill>
+                      <a:schemeClr val="tx1"/>
+                    </a:solidFill>
+                    <a:latin typeface="Verdana" panose="020B0604030504040204" pitchFamily="34" charset="0"/>
+                    <a:ea typeface="Verdana" panose="020B0604030504040204" pitchFamily="34" charset="0"/>
+                    <a:cs typeface="Verdana" panose="020B0604030504040204" pitchFamily="34" charset="0"/>
+                  </a:rPr>
+                  <a:t>currentLabel</a:t>
+                </a:r>
+                <a:endParaRPr lang="en-US" sz="2900" dirty="0">
+                  <a:solidFill>
+                    <a:schemeClr val="tx1"/>
+                  </a:solidFill>
+                  <a:latin typeface="Verdana" panose="020B0604030504040204" pitchFamily="34" charset="0"/>
+                  <a:ea typeface="Verdana" panose="020B0604030504040204" pitchFamily="34" charset="0"/>
+                  <a:cs typeface="Verdana" panose="020B0604030504040204" pitchFamily="34" charset="0"/>
+                </a:endParaRPr>
+              </a:p>
+              <a:p>
+                <a:pPr marL="1371600" lvl="3" indent="0">
+                  <a:buNone/>
+                </a:pPr>
+                <a:r>
+                  <a:rPr lang="en-US" sz="2900" dirty="0">
+                    <a:solidFill>
+                      <a:schemeClr val="tx1"/>
+                    </a:solidFill>
+                    <a:latin typeface="Verdana" panose="020B0604030504040204" pitchFamily="34" charset="0"/>
+                    <a:ea typeface="Verdana" panose="020B0604030504040204" pitchFamily="34" charset="0"/>
+                    <a:cs typeface="Verdana" panose="020B0604030504040204" pitchFamily="34" charset="0"/>
+                  </a:rPr>
+                  <a:t>for </a:t>
+                </a:r>
+                <a:r>
+                  <a:rPr lang="en-US" sz="2900" dirty="0" err="1">
+                    <a:solidFill>
+                      <a:schemeClr val="tx1"/>
+                    </a:solidFill>
+                    <a:latin typeface="Verdana" panose="020B0604030504040204" pitchFamily="34" charset="0"/>
+                    <a:ea typeface="Verdana" panose="020B0604030504040204" pitchFamily="34" charset="0"/>
+                    <a:cs typeface="Verdana" panose="020B0604030504040204" pitchFamily="34" charset="0"/>
+                  </a:rPr>
+                  <a:t>numInputs</a:t>
+                </a:r>
+                <a:endParaRPr lang="en-US" sz="2900" i="1" dirty="0">
+                  <a:solidFill>
+                    <a:schemeClr val="tx1"/>
+                  </a:solidFill>
+                  <a:latin typeface="Verdana" panose="020B0604030504040204" pitchFamily="34" charset="0"/>
+                  <a:ea typeface="Verdana" panose="020B0604030504040204" pitchFamily="34" charset="0"/>
+                  <a:cs typeface="Verdana" panose="020B0604030504040204" pitchFamily="34" charset="0"/>
+                </a:endParaRPr>
+              </a:p>
+              <a:p>
+                <a:pPr marL="1828800" lvl="4" indent="0">
+                  <a:buNone/>
+                </a:pPr>
+                <a:r>
+                  <a:rPr lang="en-US" sz="2900" dirty="0" err="1">
+                    <a:solidFill>
+                      <a:schemeClr val="tx1"/>
+                    </a:solidFill>
+                    <a:latin typeface="Verdana" panose="020B0604030504040204" pitchFamily="34" charset="0"/>
+                    <a:ea typeface="Verdana" panose="020B0604030504040204" pitchFamily="34" charset="0"/>
+                    <a:cs typeface="Verdana" panose="020B0604030504040204" pitchFamily="34" charset="0"/>
+                  </a:rPr>
+                  <a:t>thetaUpdate</a:t>
+                </a:r>
+                <a:r>
+                  <a:rPr lang="en-US" sz="2900" dirty="0">
+                    <a:solidFill>
+                      <a:schemeClr val="tx1"/>
+                    </a:solidFill>
+                    <a:latin typeface="Verdana" panose="020B0604030504040204" pitchFamily="34" charset="0"/>
+                    <a:ea typeface="Verdana" panose="020B0604030504040204" pitchFamily="34" charset="0"/>
+                    <a:cs typeface="Verdana" panose="020B0604030504040204" pitchFamily="34" charset="0"/>
+                  </a:rPr>
+                  <a:t>[</a:t>
+                </a:r>
+                <a:r>
+                  <a:rPr lang="en-US" sz="2900" dirty="0" err="1">
+                    <a:solidFill>
+                      <a:schemeClr val="tx1"/>
+                    </a:solidFill>
+                    <a:latin typeface="Verdana" panose="020B0604030504040204" pitchFamily="34" charset="0"/>
+                    <a:ea typeface="Verdana" panose="020B0604030504040204" pitchFamily="34" charset="0"/>
+                    <a:cs typeface="Verdana" panose="020B0604030504040204" pitchFamily="34" charset="0"/>
+                  </a:rPr>
+                  <a:t>currentInput</a:t>
+                </a:r>
+                <a:r>
+                  <a:rPr lang="en-US" sz="2900" dirty="0">
+                    <a:solidFill>
+                      <a:schemeClr val="tx1"/>
+                    </a:solidFill>
+                    <a:latin typeface="Verdana" panose="020B0604030504040204" pitchFamily="34" charset="0"/>
+                    <a:ea typeface="Verdana" panose="020B0604030504040204" pitchFamily="34" charset="0"/>
+                    <a:cs typeface="Verdana" panose="020B0604030504040204" pitchFamily="34" charset="0"/>
+                  </a:rPr>
+                  <a:t>] += </a:t>
+                </a:r>
+                <a:r>
+                  <a:rPr lang="en-US" sz="2900" dirty="0" err="1">
+                    <a:solidFill>
+                      <a:schemeClr val="tx1"/>
+                    </a:solidFill>
+                    <a:latin typeface="Verdana" panose="020B0604030504040204" pitchFamily="34" charset="0"/>
+                    <a:ea typeface="Verdana" panose="020B0604030504040204" pitchFamily="34" charset="0"/>
+                    <a:cs typeface="Verdana" panose="020B0604030504040204" pitchFamily="34" charset="0"/>
+                  </a:rPr>
+                  <a:t>featureError</a:t>
+                </a:r>
+                <a:r>
+                  <a:rPr lang="en-US" sz="2900" dirty="0">
+                    <a:solidFill>
+                      <a:schemeClr val="tx1"/>
+                    </a:solidFill>
+                    <a:latin typeface="Verdana" panose="020B0604030504040204" pitchFamily="34" charset="0"/>
+                    <a:ea typeface="Verdana" panose="020B0604030504040204" pitchFamily="34" charset="0"/>
+                    <a:cs typeface="Verdana" panose="020B0604030504040204" pitchFamily="34" charset="0"/>
+                  </a:rPr>
+                  <a:t> * </a:t>
+                </a:r>
+                <a:r>
+                  <a:rPr lang="en-US" sz="2900" dirty="0" err="1">
+                    <a:solidFill>
+                      <a:schemeClr val="tx1"/>
+                    </a:solidFill>
+                    <a:latin typeface="Verdana" panose="020B0604030504040204" pitchFamily="34" charset="0"/>
+                    <a:ea typeface="Verdana" panose="020B0604030504040204" pitchFamily="34" charset="0"/>
+                    <a:cs typeface="Verdana" panose="020B0604030504040204" pitchFamily="34" charset="0"/>
+                  </a:rPr>
+                  <a:t>currentFeature</a:t>
+                </a:r>
+                <a:r>
+                  <a:rPr lang="en-US" sz="2900" dirty="0">
+                    <a:solidFill>
+                      <a:schemeClr val="tx1"/>
+                    </a:solidFill>
+                    <a:latin typeface="Verdana" panose="020B0604030504040204" pitchFamily="34" charset="0"/>
+                    <a:ea typeface="Verdana" panose="020B0604030504040204" pitchFamily="34" charset="0"/>
+                    <a:cs typeface="Verdana" panose="020B0604030504040204" pitchFamily="34" charset="0"/>
+                  </a:rPr>
+                  <a:t>[</a:t>
+                </a:r>
+                <a:r>
+                  <a:rPr lang="en-US" sz="2900" dirty="0" err="1">
+                    <a:solidFill>
+                      <a:schemeClr val="tx1"/>
+                    </a:solidFill>
+                    <a:latin typeface="Verdana" panose="020B0604030504040204" pitchFamily="34" charset="0"/>
+                    <a:ea typeface="Verdana" panose="020B0604030504040204" pitchFamily="34" charset="0"/>
+                    <a:cs typeface="Verdana" panose="020B0604030504040204" pitchFamily="34" charset="0"/>
+                  </a:rPr>
+                  <a:t>currentInput</a:t>
+                </a:r>
+                <a:r>
+                  <a:rPr lang="en-US" sz="2900" dirty="0">
+                    <a:solidFill>
+                      <a:schemeClr val="tx1"/>
+                    </a:solidFill>
+                    <a:latin typeface="Verdana" panose="020B0604030504040204" pitchFamily="34" charset="0"/>
+                    <a:ea typeface="Verdana" panose="020B0604030504040204" pitchFamily="34" charset="0"/>
+                    <a:cs typeface="Verdana" panose="020B0604030504040204" pitchFamily="34" charset="0"/>
+                  </a:rPr>
+                  <a:t>]</a:t>
+                </a:r>
+                <a:endParaRPr lang="en-US" sz="2900" i="1" dirty="0">
+                  <a:solidFill>
+                    <a:schemeClr val="tx1"/>
+                  </a:solidFill>
+                  <a:latin typeface="Verdana" panose="020B0604030504040204" pitchFamily="34" charset="0"/>
+                  <a:ea typeface="Verdana" panose="020B0604030504040204" pitchFamily="34" charset="0"/>
+                  <a:cs typeface="Verdana" panose="020B0604030504040204" pitchFamily="34" charset="0"/>
+                </a:endParaRPr>
+              </a:p>
+              <a:p>
+                <a:pPr marL="0" indent="0">
+                  <a:buNone/>
+                </a:pPr>
+                <a:r>
+                  <a:rPr lang="en-US" sz="2900" dirty="0">
+                    <a:solidFill>
+                      <a:schemeClr val="tx1"/>
+                    </a:solidFill>
+                    <a:latin typeface="Verdana" panose="020B0604030504040204" pitchFamily="34" charset="0"/>
+                    <a:ea typeface="Verdana" panose="020B0604030504040204" pitchFamily="34" charset="0"/>
+                    <a:cs typeface="Verdana" panose="020B0604030504040204" pitchFamily="34" charset="0"/>
+                  </a:rPr>
+                  <a:t>	for each </a:t>
+                </a:r>
+                <a14:m>
+                  <m:oMath xmlns:m="http://schemas.openxmlformats.org/officeDocument/2006/math">
+                    <m:sSub>
+                      <m:sSubPr>
+                        <m:ctrlPr>
+                          <a:rPr lang="en-US" sz="2900" i="1">
+                            <a:solidFill>
+                              <a:schemeClr val="tx1"/>
+                            </a:solidFill>
+                            <a:latin typeface="Cambria Math" panose="02040503050406030204" pitchFamily="18" charset="0"/>
+                          </a:rPr>
+                        </m:ctrlPr>
+                      </m:sSubPr>
+                      <m:e>
+                        <m:r>
+                          <a:rPr lang="en-US" sz="2900" i="1">
+                            <a:solidFill>
+                              <a:schemeClr val="tx1"/>
+                            </a:solidFill>
+                            <a:latin typeface="Cambria Math" panose="02040503050406030204" pitchFamily="18" charset="0"/>
+                            <a:ea typeface="Cambria Math" panose="02040503050406030204" pitchFamily="18" charset="0"/>
+                          </a:rPr>
+                          <m:t>𝜃</m:t>
+                        </m:r>
+                      </m:e>
+                      <m:sub>
+                        <m:r>
+                          <a:rPr lang="en-US" sz="2900" i="1">
+                            <a:solidFill>
+                              <a:schemeClr val="tx1"/>
+                            </a:solidFill>
+                            <a:latin typeface="Cambria Math" panose="02040503050406030204" pitchFamily="18" charset="0"/>
+                          </a:rPr>
+                          <m:t>𝑗</m:t>
+                        </m:r>
+                      </m:sub>
+                    </m:sSub>
+                  </m:oMath>
+                </a14:m>
+                <a:endParaRPr lang="en-US" sz="2900" dirty="0">
+                  <a:solidFill>
+                    <a:schemeClr val="tx1"/>
+                  </a:solidFill>
+                  <a:latin typeface="Verdana" panose="020B0604030504040204" pitchFamily="34" charset="0"/>
+                  <a:ea typeface="Verdana" panose="020B0604030504040204" pitchFamily="34" charset="0"/>
+                  <a:cs typeface="Verdana" panose="020B0604030504040204" pitchFamily="34" charset="0"/>
+                </a:endParaRPr>
+              </a:p>
+              <a:p>
+                <a:pPr marL="0" indent="0">
+                  <a:buNone/>
+                </a:pPr>
+                <a:r>
+                  <a:rPr lang="en-US" sz="2900" dirty="0">
+                    <a:solidFill>
+                      <a:schemeClr val="tx1"/>
+                    </a:solidFill>
+                    <a:latin typeface="Verdana" panose="020B0604030504040204" pitchFamily="34" charset="0"/>
+                    <a:ea typeface="Verdana" panose="020B0604030504040204" pitchFamily="34" charset="0"/>
+                    <a:cs typeface="Verdana" panose="020B0604030504040204" pitchFamily="34" charset="0"/>
+                  </a:rPr>
+                  <a:t>		</a:t>
+                </a:r>
+                <a14:m>
+                  <m:oMath xmlns:m="http://schemas.openxmlformats.org/officeDocument/2006/math">
+                    <m:sSub>
+                      <m:sSubPr>
+                        <m:ctrlPr>
+                          <a:rPr lang="en-US" sz="2900" i="1">
+                            <a:solidFill>
+                              <a:schemeClr val="tx1"/>
+                            </a:solidFill>
+                            <a:latin typeface="Cambria Math" panose="02040503050406030204" pitchFamily="18" charset="0"/>
+                          </a:rPr>
+                        </m:ctrlPr>
+                      </m:sSubPr>
+                      <m:e>
+                        <m:r>
+                          <a:rPr lang="en-US" sz="2900" i="1">
+                            <a:solidFill>
+                              <a:schemeClr val="tx1"/>
+                            </a:solidFill>
+                            <a:latin typeface="Cambria Math" panose="02040503050406030204" pitchFamily="18" charset="0"/>
+                            <a:ea typeface="Cambria Math" panose="02040503050406030204" pitchFamily="18" charset="0"/>
+                          </a:rPr>
+                          <m:t>𝜃</m:t>
+                        </m:r>
+                      </m:e>
+                      <m:sub>
+                        <m:r>
+                          <a:rPr lang="en-US" sz="2900" i="1">
+                            <a:solidFill>
+                              <a:schemeClr val="tx1"/>
+                            </a:solidFill>
+                            <a:latin typeface="Cambria Math" panose="02040503050406030204" pitchFamily="18" charset="0"/>
+                          </a:rPr>
+                          <m:t>𝑗</m:t>
+                        </m:r>
+                      </m:sub>
+                    </m:sSub>
+                  </m:oMath>
+                </a14:m>
+                <a:r>
+                  <a:rPr lang="en-US" sz="2900" dirty="0">
+                    <a:solidFill>
+                      <a:schemeClr val="tx1"/>
+                    </a:solidFill>
+                    <a:latin typeface="Verdana" panose="020B0604030504040204" pitchFamily="34" charset="0"/>
+                    <a:ea typeface="Verdana" panose="020B0604030504040204" pitchFamily="34" charset="0"/>
+                    <a:cs typeface="Verdana" panose="020B0604030504040204" pitchFamily="34" charset="0"/>
+                  </a:rPr>
+                  <a:t>= </a:t>
+                </a:r>
+                <a14:m>
+                  <m:oMath xmlns:m="http://schemas.openxmlformats.org/officeDocument/2006/math">
+                    <m:sSub>
+                      <m:sSubPr>
+                        <m:ctrlPr>
+                          <a:rPr lang="en-US" sz="2900" i="1">
+                            <a:solidFill>
+                              <a:schemeClr val="tx1"/>
+                            </a:solidFill>
+                            <a:latin typeface="Cambria Math" panose="02040503050406030204" pitchFamily="18" charset="0"/>
+                          </a:rPr>
+                        </m:ctrlPr>
+                      </m:sSubPr>
+                      <m:e>
+                        <m:r>
+                          <a:rPr lang="en-US" sz="2900" i="1">
+                            <a:solidFill>
+                              <a:schemeClr val="tx1"/>
+                            </a:solidFill>
+                            <a:latin typeface="Cambria Math" panose="02040503050406030204" pitchFamily="18" charset="0"/>
+                            <a:ea typeface="Cambria Math" panose="02040503050406030204" pitchFamily="18" charset="0"/>
+                          </a:rPr>
+                          <m:t>𝜃</m:t>
+                        </m:r>
+                      </m:e>
+                      <m:sub>
+                        <m:r>
+                          <a:rPr lang="en-US" sz="2900" i="1">
+                            <a:solidFill>
+                              <a:schemeClr val="tx1"/>
+                            </a:solidFill>
+                            <a:latin typeface="Cambria Math" panose="02040503050406030204" pitchFamily="18" charset="0"/>
+                          </a:rPr>
+                          <m:t>𝑗</m:t>
+                        </m:r>
+                      </m:sub>
+                    </m:sSub>
+                  </m:oMath>
+                </a14:m>
+                <a:r>
+                  <a:rPr lang="en-US" sz="2900" dirty="0">
+                    <a:solidFill>
+                      <a:schemeClr val="tx1"/>
+                    </a:solidFill>
+                    <a:latin typeface="Verdana" panose="020B0604030504040204" pitchFamily="34" charset="0"/>
+                    <a:ea typeface="Verdana" panose="020B0604030504040204" pitchFamily="34" charset="0"/>
+                    <a:cs typeface="Verdana" panose="020B0604030504040204" pitchFamily="34" charset="0"/>
+                  </a:rPr>
+                  <a:t>update </a:t>
+                </a:r>
+              </a:p>
+              <a:p>
+                <a:pPr marL="914400" lvl="2" indent="0">
+                  <a:buNone/>
+                </a:pPr>
+                <a:r>
+                  <a:rPr lang="en-US" sz="2900" dirty="0">
+                    <a:solidFill>
+                      <a:srgbClr val="4BFB53"/>
+                    </a:solidFill>
+                    <a:latin typeface="Verdana" panose="020B0604030504040204" pitchFamily="34" charset="0"/>
+                    <a:ea typeface="Verdana" panose="020B0604030504040204" pitchFamily="34" charset="0"/>
+                    <a:cs typeface="Verdana" panose="020B0604030504040204" pitchFamily="34" charset="0"/>
+                  </a:rPr>
+                  <a:t>for </a:t>
+                </a:r>
+                <a:r>
+                  <a:rPr lang="en-US" sz="2900" dirty="0" err="1">
+                    <a:solidFill>
+                      <a:srgbClr val="4BFB53"/>
+                    </a:solidFill>
+                    <a:latin typeface="Verdana" panose="020B0604030504040204" pitchFamily="34" charset="0"/>
+                    <a:ea typeface="Verdana" panose="020B0604030504040204" pitchFamily="34" charset="0"/>
+                    <a:cs typeface="Verdana" panose="020B0604030504040204" pitchFamily="34" charset="0"/>
+                  </a:rPr>
+                  <a:t>numInputs</a:t>
+                </a:r>
+                <a:r>
+                  <a:rPr lang="en-US" sz="2900" dirty="0">
+                    <a:solidFill>
+                      <a:srgbClr val="4BFB53"/>
+                    </a:solidFill>
+                    <a:latin typeface="Verdana" panose="020B0604030504040204" pitchFamily="34" charset="0"/>
+                    <a:ea typeface="Verdana" panose="020B0604030504040204" pitchFamily="34" charset="0"/>
+                    <a:cs typeface="Verdana" panose="020B0604030504040204" pitchFamily="34" charset="0"/>
+                  </a:rPr>
+                  <a:t> </a:t>
+                </a:r>
+              </a:p>
+              <a:p>
+                <a:pPr marL="1371600" lvl="3" indent="0">
+                  <a:buNone/>
+                </a:pPr>
+                <a:r>
+                  <a:rPr lang="en-US" sz="2900" dirty="0">
+                    <a:solidFill>
+                      <a:srgbClr val="4BFB53"/>
+                    </a:solidFill>
+                    <a:latin typeface="Verdana" panose="020B0604030504040204" pitchFamily="34" charset="0"/>
+                    <a:ea typeface="Verdana" panose="020B0604030504040204" pitchFamily="34" charset="0"/>
+                    <a:cs typeface="Verdana" panose="020B0604030504040204" pitchFamily="34" charset="0"/>
+                  </a:rPr>
+                  <a:t>theta[</a:t>
+                </a:r>
+                <a:r>
+                  <a:rPr lang="en-US" sz="2900" dirty="0" err="1">
+                    <a:solidFill>
+                      <a:srgbClr val="4BFB53"/>
+                    </a:solidFill>
+                    <a:latin typeface="Verdana" panose="020B0604030504040204" pitchFamily="34" charset="0"/>
+                    <a:ea typeface="Verdana" panose="020B0604030504040204" pitchFamily="34" charset="0"/>
+                    <a:cs typeface="Verdana" panose="020B0604030504040204" pitchFamily="34" charset="0"/>
+                  </a:rPr>
+                  <a:t>currentInput</a:t>
+                </a:r>
+                <a:r>
+                  <a:rPr lang="en-US" sz="2900" dirty="0">
+                    <a:solidFill>
+                      <a:srgbClr val="4BFB53"/>
+                    </a:solidFill>
+                    <a:latin typeface="Verdana" panose="020B0604030504040204" pitchFamily="34" charset="0"/>
+                    <a:ea typeface="Verdana" panose="020B0604030504040204" pitchFamily="34" charset="0"/>
+                    <a:cs typeface="Verdana" panose="020B0604030504040204" pitchFamily="34" charset="0"/>
+                  </a:rPr>
+                  <a:t>] = theta[</a:t>
+                </a:r>
+                <a:r>
+                  <a:rPr lang="en-US" sz="2900" dirty="0" err="1">
+                    <a:solidFill>
+                      <a:srgbClr val="4BFB53"/>
+                    </a:solidFill>
+                    <a:latin typeface="Verdana" panose="020B0604030504040204" pitchFamily="34" charset="0"/>
+                    <a:ea typeface="Verdana" panose="020B0604030504040204" pitchFamily="34" charset="0"/>
+                    <a:cs typeface="Verdana" panose="020B0604030504040204" pitchFamily="34" charset="0"/>
+                  </a:rPr>
+                  <a:t>currentInput</a:t>
+                </a:r>
+                <a:r>
+                  <a:rPr lang="en-US" sz="2900" dirty="0">
+                    <a:solidFill>
+                      <a:srgbClr val="4BFB53"/>
+                    </a:solidFill>
+                    <a:latin typeface="Verdana" panose="020B0604030504040204" pitchFamily="34" charset="0"/>
+                    <a:ea typeface="Verdana" panose="020B0604030504040204" pitchFamily="34" charset="0"/>
+                    <a:cs typeface="Verdana" panose="020B0604030504040204" pitchFamily="34" charset="0"/>
+                  </a:rPr>
+                  <a:t>] – alpha * </a:t>
+                </a:r>
+                <a:r>
+                  <a:rPr lang="en-US" sz="2900" dirty="0" err="1">
+                    <a:solidFill>
+                      <a:srgbClr val="4BFB53"/>
+                    </a:solidFill>
+                    <a:latin typeface="Verdana" panose="020B0604030504040204" pitchFamily="34" charset="0"/>
+                    <a:ea typeface="Verdana" panose="020B0604030504040204" pitchFamily="34" charset="0"/>
+                    <a:cs typeface="Verdana" panose="020B0604030504040204" pitchFamily="34" charset="0"/>
+                  </a:rPr>
+                  <a:t>thetaUpdate</a:t>
+                </a:r>
+                <a:r>
+                  <a:rPr lang="en-US" sz="2900" dirty="0">
+                    <a:solidFill>
+                      <a:srgbClr val="4BFB53"/>
+                    </a:solidFill>
+                    <a:latin typeface="Verdana" panose="020B0604030504040204" pitchFamily="34" charset="0"/>
+                    <a:ea typeface="Verdana" panose="020B0604030504040204" pitchFamily="34" charset="0"/>
+                    <a:cs typeface="Verdana" panose="020B0604030504040204" pitchFamily="34" charset="0"/>
+                  </a:rPr>
+                  <a:t>[</a:t>
+                </a:r>
+                <a:r>
+                  <a:rPr lang="en-US" sz="2900" dirty="0" err="1">
+                    <a:solidFill>
+                      <a:srgbClr val="4BFB53"/>
+                    </a:solidFill>
+                    <a:latin typeface="Verdana" panose="020B0604030504040204" pitchFamily="34" charset="0"/>
+                    <a:ea typeface="Verdana" panose="020B0604030504040204" pitchFamily="34" charset="0"/>
+                    <a:cs typeface="Verdana" panose="020B0604030504040204" pitchFamily="34" charset="0"/>
+                  </a:rPr>
+                  <a:t>currentInput</a:t>
+                </a:r>
+                <a:r>
+                  <a:rPr lang="en-US" sz="2900" dirty="0">
+                    <a:solidFill>
+                      <a:srgbClr val="4BFB53"/>
+                    </a:solidFill>
+                    <a:latin typeface="Verdana" panose="020B0604030504040204" pitchFamily="34" charset="0"/>
+                    <a:ea typeface="Verdana" panose="020B0604030504040204" pitchFamily="34" charset="0"/>
+                    <a:cs typeface="Verdana" panose="020B0604030504040204" pitchFamily="34" charset="0"/>
+                  </a:rPr>
+                  <a:t>] / </a:t>
+                </a:r>
+                <a:r>
+                  <a:rPr lang="en-US" sz="2900" dirty="0" err="1">
+                    <a:solidFill>
+                      <a:srgbClr val="4BFB53"/>
+                    </a:solidFill>
+                    <a:latin typeface="Verdana" panose="020B0604030504040204" pitchFamily="34" charset="0"/>
+                    <a:ea typeface="Verdana" panose="020B0604030504040204" pitchFamily="34" charset="0"/>
+                    <a:cs typeface="Verdana" panose="020B0604030504040204" pitchFamily="34" charset="0"/>
+                  </a:rPr>
+                  <a:t>numFeatures</a:t>
+                </a:r>
+                <a:endParaRPr lang="en-US" sz="2900" dirty="0">
+                  <a:solidFill>
+                    <a:srgbClr val="4BFB53"/>
+                  </a:solidFill>
+                  <a:latin typeface="Verdana" panose="020B0604030504040204" pitchFamily="34" charset="0"/>
+                  <a:ea typeface="Verdana" panose="020B0604030504040204" pitchFamily="34" charset="0"/>
+                  <a:cs typeface="Verdana" panose="020B0604030504040204" pitchFamily="34" charset="0"/>
+                </a:endParaRPr>
+              </a:p>
+              <a:p>
+                <a:pPr marL="0" indent="0">
+                  <a:buNone/>
+                </a:pPr>
+                <a:r>
+                  <a:rPr lang="en-US" dirty="0">
+                    <a:latin typeface="Verdana" panose="020B0604030504040204" pitchFamily="34" charset="0"/>
+                    <a:ea typeface="Verdana" panose="020B0604030504040204" pitchFamily="34" charset="0"/>
+                    <a:cs typeface="Verdana" panose="020B0604030504040204" pitchFamily="34" charset="0"/>
+                  </a:rPr>
+                  <a:t>}</a:t>
+                </a:r>
+              </a:p>
+            </p:txBody>
+          </p:sp>
+        </mc:Choice>
+        <mc:Fallback>
+          <p:sp>
+            <p:nvSpPr>
+              <p:cNvPr id="6" name="Content Placeholder 5"/>
+              <p:cNvSpPr>
+                <a:spLocks noGrp="1" noRot="1" noChangeAspect="1" noMove="1" noResize="1" noEditPoints="1" noAdjustHandles="1" noChangeArrowheads="1" noChangeShapeType="1" noTextEdit="1"/>
+              </p:cNvSpPr>
+              <p:nvPr>
+                <p:ph idx="1"/>
+              </p:nvPr>
+            </p:nvSpPr>
+            <p:spPr>
+              <a:blipFill>
+                <a:blip r:embed="rId2"/>
+                <a:stretch>
+                  <a:fillRect l="-774" t="-3081" r="-60"/>
+                </a:stretch>
+              </a:blipFill>
+            </p:spPr>
+            <p:txBody>
+              <a:bodyPr/>
+              <a:lstStyle/>
+              <a:p>
+                <a:r>
+                  <a:rPr lang="en-US">
+                    <a:noFill/>
+                  </a:rPr>
+                  <a:t> </a:t>
+                </a:r>
+              </a:p>
+            </p:txBody>
+          </p:sp>
+        </mc:Fallback>
+      </mc:AlternateContent>
+    </p:spTree>
+    <p:extLst>
+      <p:ext uri="{BB962C8B-B14F-4D97-AF65-F5344CB8AC3E}">
+        <p14:creationId xmlns:p14="http://schemas.microsoft.com/office/powerpoint/2010/main" val="2816544178"/>
+      </p:ext>
+    </p:extLst>
+  </p:cSld>
+  <p:clrMapOvr>
+    <a:masterClrMapping/>
+  </p:clrMapOvr>
+  <p:timing>
+    <p:tnLst>
+      <p:par>
+        <p:cTn id="1" dur="indefinite" restart="never" nodeType="tmRoot">
+          <p:childTnLst>
+            <p:seq concurrent="1" nextAc="seek">
+              <p:cTn id="2" dur="indefinite" nodeType="mainSeq">
+                <p:childTnLst>
+                  <p:par>
+                    <p:cTn id="3" fill="hold">
+                      <p:stCondLst>
+                        <p:cond delay="indefinite"/>
+                      </p:stCondLst>
+                      <p:childTnLst>
+                        <p:par>
+                          <p:cTn id="4" fill="hold">
+                            <p:stCondLst>
+                              <p:cond delay="0"/>
+                            </p:stCondLst>
+                            <p:childTnLst>
+                              <p:par>
+                                <p:cTn id="5" presetID="1" presetClass="entr" presetSubtype="0" fill="hold" nodeType="clickEffect">
+                                  <p:stCondLst>
+                                    <p:cond delay="0"/>
+                                  </p:stCondLst>
+                                  <p:childTnLst>
+                                    <p:set>
+                                      <p:cBhvr>
+                                        <p:cTn id="6" dur="1" fill="hold">
+                                          <p:stCondLst>
+                                            <p:cond delay="0"/>
+                                          </p:stCondLst>
+                                        </p:cTn>
+                                        <p:tgtEl>
+                                          <p:spTgt spid="6">
+                                            <p:txEl>
+                                              <p:pRg st="8" end="8"/>
+                                            </p:txEl>
+                                          </p:spTgt>
+                                        </p:tgtEl>
+                                        <p:attrNameLst>
+                                          <p:attrName>style.visibility</p:attrName>
+                                        </p:attrNameLst>
+                                      </p:cBhvr>
+                                      <p:to>
+                                        <p:strVal val="visible"/>
+                                      </p:to>
+                                    </p:set>
+                                  </p:childTnLst>
+                                </p:cTn>
+                              </p:par>
+                              <p:par>
+                                <p:cTn id="7" presetID="1" presetClass="entr" presetSubtype="0" fill="hold" nodeType="withEffect">
+                                  <p:stCondLst>
+                                    <p:cond delay="0"/>
+                                  </p:stCondLst>
+                                  <p:childTnLst>
+                                    <p:set>
+                                      <p:cBhvr>
+                                        <p:cTn id="8" dur="1" fill="hold">
+                                          <p:stCondLst>
+                                            <p:cond delay="0"/>
+                                          </p:stCondLst>
+                                        </p:cTn>
+                                        <p:tgtEl>
+                                          <p:spTgt spid="6">
+                                            <p:txEl>
+                                              <p:pRg st="9" end="9"/>
+                                            </p:txEl>
+                                          </p:spTgt>
+                                        </p:tgtEl>
+                                        <p:attrNameLst>
+                                          <p:attrName>style.visibility</p:attrName>
+                                        </p:attrNameLst>
+                                      </p:cBhvr>
+                                      <p:to>
+                                        <p:strVal val="visible"/>
+                                      </p:to>
+                                    </p:set>
+                                  </p:childTnLst>
+                                </p:cTn>
+                              </p:par>
+                              <p:par>
+                                <p:cTn id="9" presetID="26" presetClass="emph" presetSubtype="0" fill="hold" nodeType="withEffect">
+                                  <p:stCondLst>
+                                    <p:cond delay="0"/>
+                                  </p:stCondLst>
+                                  <p:childTnLst>
+                                    <p:animEffect transition="out" filter="fade">
+                                      <p:cBhvr>
+                                        <p:cTn id="10" dur="500" tmFilter="0, 0; .2, .5; .8, .5; 1, 0"/>
+                                        <p:tgtEl>
+                                          <p:spTgt spid="6">
+                                            <p:txEl>
+                                              <p:pRg st="6" end="6"/>
+                                            </p:txEl>
+                                          </p:spTgt>
+                                        </p:tgtEl>
+                                      </p:cBhvr>
+                                    </p:animEffect>
+                                    <p:animScale>
+                                      <p:cBhvr>
+                                        <p:cTn id="11" dur="250" autoRev="1" fill="hold"/>
+                                        <p:tgtEl>
+                                          <p:spTgt spid="6">
+                                            <p:txEl>
+                                              <p:pRg st="6" end="6"/>
+                                            </p:txEl>
+                                          </p:spTgt>
+                                        </p:tgtEl>
+                                      </p:cBhvr>
+                                      <p:by x="105000" y="105000"/>
+                                    </p:animScale>
+                                  </p:childTnLst>
+                                </p:cTn>
+                              </p:par>
+                              <p:par>
+                                <p:cTn id="12" presetID="26" presetClass="emph" presetSubtype="0" fill="hold" nodeType="withEffect">
+                                  <p:stCondLst>
+                                    <p:cond delay="0"/>
+                                  </p:stCondLst>
+                                  <p:childTnLst>
+                                    <p:animEffect transition="out" filter="fade">
+                                      <p:cBhvr>
+                                        <p:cTn id="13" dur="500" tmFilter="0, 0; .2, .5; .8, .5; 1, 0"/>
+                                        <p:tgtEl>
+                                          <p:spTgt spid="6">
+                                            <p:txEl>
+                                              <p:pRg st="7" end="7"/>
+                                            </p:txEl>
+                                          </p:spTgt>
+                                        </p:tgtEl>
+                                      </p:cBhvr>
+                                    </p:animEffect>
+                                    <p:animScale>
+                                      <p:cBhvr>
+                                        <p:cTn id="14" dur="250" autoRev="1" fill="hold"/>
+                                        <p:tgtEl>
+                                          <p:spTgt spid="6">
+                                            <p:txEl>
+                                              <p:pRg st="7" end="7"/>
+                                            </p:txEl>
+                                          </p:spTgt>
+                                        </p:tgtEl>
+                                      </p:cBhvr>
+                                      <p:by x="105000" y="105000"/>
+                                    </p:animScale>
+                                  </p:childTnLst>
+                                </p:cTn>
+                              </p:par>
+                            </p:childTnLst>
+                          </p:cTn>
+                        </p:par>
+                        <p:par>
+                          <p:cTn id="15" fill="hold">
+                            <p:stCondLst>
+                              <p:cond delay="500"/>
+                            </p:stCondLst>
+                            <p:childTnLst>
+                              <p:par>
+                                <p:cTn id="16" presetID="10" presetClass="exit" presetSubtype="0" fill="hold" nodeType="afterEffect">
+                                  <p:stCondLst>
+                                    <p:cond delay="0"/>
+                                  </p:stCondLst>
+                                  <p:childTnLst>
+                                    <p:animEffect transition="out" filter="fade">
+                                      <p:cBhvr>
+                                        <p:cTn id="17" dur="500"/>
+                                        <p:tgtEl>
+                                          <p:spTgt spid="6">
+                                            <p:txEl>
+                                              <p:pRg st="6" end="6"/>
+                                            </p:txEl>
+                                          </p:spTgt>
+                                        </p:tgtEl>
+                                      </p:cBhvr>
+                                    </p:animEffect>
+                                    <p:set>
+                                      <p:cBhvr>
+                                        <p:cTn id="18" dur="1" fill="hold">
+                                          <p:stCondLst>
+                                            <p:cond delay="499"/>
+                                          </p:stCondLst>
+                                        </p:cTn>
+                                        <p:tgtEl>
+                                          <p:spTgt spid="6">
+                                            <p:txEl>
+                                              <p:pRg st="6" end="6"/>
+                                            </p:txEl>
+                                          </p:spTgt>
+                                        </p:tgtEl>
+                                        <p:attrNameLst>
+                                          <p:attrName>style.visibility</p:attrName>
+                                        </p:attrNameLst>
+                                      </p:cBhvr>
+                                      <p:to>
+                                        <p:strVal val="hidden"/>
+                                      </p:to>
+                                    </p:set>
+                                  </p:childTnLst>
+                                </p:cTn>
+                              </p:par>
+                            </p:childTnLst>
+                          </p:cTn>
+                        </p:par>
+                        <p:par>
+                          <p:cTn id="19" fill="hold">
+                            <p:stCondLst>
+                              <p:cond delay="1000"/>
+                            </p:stCondLst>
+                            <p:childTnLst>
+                              <p:par>
+                                <p:cTn id="20" presetID="10" presetClass="exit" presetSubtype="0" fill="hold" nodeType="afterEffect">
+                                  <p:stCondLst>
+                                    <p:cond delay="0"/>
+                                  </p:stCondLst>
+                                  <p:childTnLst>
+                                    <p:animEffect transition="out" filter="fade">
+                                      <p:cBhvr>
+                                        <p:cTn id="21" dur="500"/>
+                                        <p:tgtEl>
+                                          <p:spTgt spid="6">
+                                            <p:txEl>
+                                              <p:pRg st="7" end="7"/>
+                                            </p:txEl>
+                                          </p:spTgt>
+                                        </p:tgtEl>
+                                      </p:cBhvr>
+                                    </p:animEffect>
+                                    <p:set>
+                                      <p:cBhvr>
+                                        <p:cTn id="22" dur="1" fill="hold">
+                                          <p:stCondLst>
+                                            <p:cond delay="499"/>
+                                          </p:stCondLst>
+                                        </p:cTn>
+                                        <p:tgtEl>
+                                          <p:spTgt spid="6">
+                                            <p:txEl>
+                                              <p:pRg st="7" end="7"/>
+                                            </p:txEl>
+                                          </p:spTgt>
+                                        </p:tgtEl>
+                                        <p:attrNameLst>
+                                          <p:attrName>style.visibility</p:attrName>
+                                        </p:attrNameLst>
+                                      </p:cBhvr>
+                                      <p:to>
+                                        <p:strVal val="hidden"/>
+                                      </p:to>
+                                    </p:set>
+                                  </p:childTnLst>
+                                </p:cTn>
+                              </p:par>
+                            </p:childTnLst>
+                          </p:cTn>
+                        </p:par>
+                      </p:childTnLst>
+                    </p:cTn>
+                  </p:par>
+                </p:childTnLst>
+              </p:cTn>
+              <p:prevCondLst>
+                <p:cond evt="onPrev" delay="0">
+                  <p:tgtEl>
+                    <p:sldTgt/>
+                  </p:tgtEl>
+                </p:cond>
+              </p:prevCondLst>
+              <p:nextCondLst>
+                <p:cond evt="onNext" delay="0">
+                  <p:tgtEl>
+                    <p:sldTgt/>
+                  </p:tgtEl>
+                </p:cond>
+              </p:nextCondLst>
+            </p:seq>
+          </p:childTnLst>
+        </p:cTn>
+      </p:par>
+    </p:tnLst>
+  </p:timing>
+</p:sld>
+</file>
+
+<file path=ppt/slides/slide2.xml><?xml version="1.0" encoding="utf-8"?>
+<p:sld xmlns:a="http://schemas.openxmlformats.org/drawingml/2006/main" xmlns:r="http://schemas.openxmlformats.org/officeDocument/2006/relationships" xmlns:p="http://schemas.openxmlformats.org/presentationml/2006/main">
+  <p:cSld>
+    <p:spTree>
+      <p:nvGrpSpPr>
+        <p:cNvPr id="1" name=""/>
+        <p:cNvGrpSpPr/>
+        <p:nvPr/>
+      </p:nvGrpSpPr>
+      <p:grpSpPr>
+        <a:xfrm>
+          <a:off x="0" y="0"/>
+          <a:ext cx="0" cy="0"/>
+          <a:chOff x="0" y="0"/>
+          <a:chExt cx="0" cy="0"/>
+        </a:xfrm>
+      </p:grpSpPr>
+      <p:pic>
+        <p:nvPicPr>
+          <p:cNvPr id="5" name="Picture 4"/>
+          <p:cNvPicPr>
+            <a:picLocks noChangeAspect="1"/>
+          </p:cNvPicPr>
+          <p:nvPr/>
+        </p:nvPicPr>
+        <p:blipFill>
+          <a:blip r:embed="rId3">
+            <a:extLst>
+              <a:ext uri="{28A0092B-C50C-407E-A947-70E740481C1C}">
+                <a14:useLocalDpi xmlns:a14="http://schemas.microsoft.com/office/drawing/2010/main" val="0"/>
+              </a:ext>
+            </a:extLst>
+          </a:blip>
+          <a:stretch>
+            <a:fillRect/>
+          </a:stretch>
+        </p:blipFill>
+        <p:spPr>
+          <a:xfrm>
+            <a:off x="7922922" y="1924505"/>
+            <a:ext cx="3354676" cy="3354676"/>
+          </a:xfrm>
+          <a:prstGeom prst="rect">
+            <a:avLst/>
+          </a:prstGeom>
+        </p:spPr>
+      </p:pic>
+      <p:sp>
+        <p:nvSpPr>
+          <p:cNvPr id="2" name="Title 1"/>
+          <p:cNvSpPr>
+            <a:spLocks noGrp="1"/>
+          </p:cNvSpPr>
+          <p:nvPr>
+            <p:ph type="title"/>
+          </p:nvPr>
+        </p:nvSpPr>
+        <p:spPr/>
+        <p:txBody>
+          <a:bodyPr>
+            <a:normAutofit/>
+          </a:bodyPr>
+          <a:lstStyle/>
+          <a:p>
+            <a:r>
+              <a:rPr lang="en-US" dirty="0"/>
+              <a:t>Linear Regression</a:t>
+            </a:r>
+          </a:p>
+        </p:txBody>
+      </p:sp>
+      <p:sp>
+        <p:nvSpPr>
+          <p:cNvPr id="3" name="Content Placeholder 2"/>
+          <p:cNvSpPr>
+            <a:spLocks noGrp="1"/>
+          </p:cNvSpPr>
+          <p:nvPr>
+            <p:ph idx="1"/>
+          </p:nvPr>
+        </p:nvSpPr>
+        <p:spPr>
+          <a:xfrm>
+            <a:off x="1120000" y="1825625"/>
+            <a:ext cx="6358486" cy="4351338"/>
+          </a:xfrm>
+        </p:spPr>
+        <p:txBody>
+          <a:bodyPr>
+            <a:normAutofit/>
+          </a:bodyPr>
+          <a:lstStyle/>
+          <a:p>
+            <a:r>
+              <a:rPr lang="en-US" dirty="0"/>
+              <a:t>Linear Regression attempts to model the relationship between a scalar output value (y) and one or more input variables (X)</a:t>
+            </a:r>
+          </a:p>
+          <a:p>
+            <a:r>
+              <a:rPr lang="en-US" dirty="0"/>
+              <a:t>The function of a line is one model that can be used:</a:t>
+            </a:r>
+          </a:p>
+          <a:p>
+            <a:pPr lvl="1"/>
+            <a:r>
+              <a:rPr lang="en-US" dirty="0"/>
+              <a:t>y = </a:t>
+            </a:r>
+            <a:r>
+              <a:rPr lang="en-US" dirty="0" err="1"/>
+              <a:t>mX</a:t>
+            </a:r>
+            <a:r>
+              <a:rPr lang="en-US" dirty="0"/>
+              <a:t> + b</a:t>
+            </a:r>
+          </a:p>
+          <a:p>
+            <a:pPr lvl="1"/>
+            <a:r>
+              <a:rPr lang="en-US" dirty="0"/>
+              <a:t>We would “learn” by adjusting our ‘m’ and ‘b’ variables so that the line best matches the input data.</a:t>
+            </a:r>
+          </a:p>
+        </p:txBody>
+      </p:sp>
+    </p:spTree>
+    <p:extLst>
+      <p:ext uri="{BB962C8B-B14F-4D97-AF65-F5344CB8AC3E}">
+        <p14:creationId xmlns:p14="http://schemas.microsoft.com/office/powerpoint/2010/main" val="3098336720"/>
+      </p:ext>
+    </p:extLst>
+  </p:cSld>
+  <p:clrMapOvr>
+    <a:masterClrMapping/>
+  </p:clrMapOvr>
+</p:sld>
+</file>
+
+<file path=ppt/slides/slide20.xml><?xml version="1.0" encoding="utf-8"?>
+<p:sld xmlns:a="http://schemas.openxmlformats.org/drawingml/2006/main" xmlns:r="http://schemas.openxmlformats.org/officeDocument/2006/relationships" xmlns:p="http://schemas.openxmlformats.org/presentationml/2006/main">
+  <p:cSld>
+    <p:spTree>
+      <p:nvGrpSpPr>
+        <p:cNvPr id="1" name=""/>
+        <p:cNvGrpSpPr/>
+        <p:nvPr/>
+      </p:nvGrpSpPr>
+      <p:grpSpPr>
+        <a:xfrm>
+          <a:off x="0" y="0"/>
+          <a:ext cx="0" cy="0"/>
+          <a:chOff x="0" y="0"/>
+          <a:chExt cx="0" cy="0"/>
+        </a:xfrm>
+      </p:grpSpPr>
+      <p:sp>
+        <p:nvSpPr>
+          <p:cNvPr id="5" name="Title 4"/>
+          <p:cNvSpPr>
+            <a:spLocks noGrp="1"/>
+          </p:cNvSpPr>
+          <p:nvPr>
+            <p:ph type="title"/>
+          </p:nvPr>
+        </p:nvSpPr>
+        <p:spPr/>
+        <p:txBody>
+          <a:bodyPr/>
+          <a:lstStyle/>
+          <a:p>
+            <a:r>
+              <a:rPr lang="en-US" dirty="0"/>
+              <a:t>Gradient Descent Pseudo-code</a:t>
+            </a:r>
+          </a:p>
+        </p:txBody>
+      </p:sp>
+      <p:sp>
+        <p:nvSpPr>
+          <p:cNvPr id="6" name="Content Placeholder 5"/>
+          <p:cNvSpPr>
+            <a:spLocks noGrp="1"/>
+          </p:cNvSpPr>
+          <p:nvPr>
+            <p:ph idx="1"/>
+          </p:nvPr>
+        </p:nvSpPr>
+        <p:spPr/>
+        <p:txBody>
+          <a:bodyPr>
+            <a:normAutofit fontScale="85000" lnSpcReduction="20000"/>
+          </a:bodyPr>
+          <a:lstStyle/>
+          <a:p>
+            <a:pPr marL="0" indent="0">
+              <a:buNone/>
+            </a:pPr>
+            <a:r>
+              <a:rPr lang="en-US" sz="2900" dirty="0">
+                <a:solidFill>
+                  <a:schemeClr val="tx1"/>
+                </a:solidFill>
+                <a:latin typeface="Verdana" panose="020B0604030504040204" pitchFamily="34" charset="0"/>
+                <a:ea typeface="Verdana" panose="020B0604030504040204" pitchFamily="34" charset="0"/>
+                <a:cs typeface="Verdana" panose="020B0604030504040204" pitchFamily="34" charset="0"/>
+              </a:rPr>
+              <a:t>for </a:t>
+            </a:r>
+            <a:r>
+              <a:rPr lang="en-US" sz="2900" dirty="0" err="1">
+                <a:solidFill>
+                  <a:schemeClr val="tx1"/>
+                </a:solidFill>
+                <a:latin typeface="Verdana" panose="020B0604030504040204" pitchFamily="34" charset="0"/>
+                <a:ea typeface="Verdana" panose="020B0604030504040204" pitchFamily="34" charset="0"/>
+                <a:cs typeface="Verdana" panose="020B0604030504040204" pitchFamily="34" charset="0"/>
+              </a:rPr>
+              <a:t>numIterations</a:t>
+            </a:r>
+            <a:endParaRPr lang="en-US" sz="2900" dirty="0">
+              <a:solidFill>
+                <a:schemeClr val="tx1"/>
+              </a:solidFill>
+              <a:latin typeface="Verdana" panose="020B0604030504040204" pitchFamily="34" charset="0"/>
+              <a:ea typeface="Verdana" panose="020B0604030504040204" pitchFamily="34" charset="0"/>
+              <a:cs typeface="Verdana" panose="020B0604030504040204" pitchFamily="34" charset="0"/>
+            </a:endParaRPr>
+          </a:p>
+          <a:p>
+            <a:pPr marL="0" indent="0">
+              <a:buNone/>
+            </a:pPr>
+            <a:r>
+              <a:rPr lang="en-US" sz="2900" dirty="0">
+                <a:solidFill>
+                  <a:schemeClr val="tx1"/>
+                </a:solidFill>
+                <a:latin typeface="Verdana" panose="020B0604030504040204" pitchFamily="34" charset="0"/>
+                <a:ea typeface="Verdana" panose="020B0604030504040204" pitchFamily="34" charset="0"/>
+                <a:cs typeface="Verdana" panose="020B0604030504040204" pitchFamily="34" charset="0"/>
+              </a:rPr>
+              <a:t>{</a:t>
+            </a:r>
+          </a:p>
+          <a:p>
+            <a:pPr marL="914400" lvl="2" indent="0">
+              <a:buNone/>
+            </a:pPr>
+            <a:r>
+              <a:rPr lang="en-US" sz="2900" dirty="0">
+                <a:solidFill>
+                  <a:schemeClr val="tx1"/>
+                </a:solidFill>
+                <a:latin typeface="Verdana" panose="020B0604030504040204" pitchFamily="34" charset="0"/>
+                <a:ea typeface="Verdana" panose="020B0604030504040204" pitchFamily="34" charset="0"/>
+                <a:cs typeface="Verdana" panose="020B0604030504040204" pitchFamily="34" charset="0"/>
+              </a:rPr>
+              <a:t>for each feature</a:t>
+            </a:r>
+            <a:endParaRPr lang="en-US" sz="2900" i="1" dirty="0">
+              <a:solidFill>
+                <a:schemeClr val="tx1"/>
+              </a:solidFill>
+              <a:latin typeface="Verdana" panose="020B0604030504040204" pitchFamily="34" charset="0"/>
+              <a:ea typeface="Verdana" panose="020B0604030504040204" pitchFamily="34" charset="0"/>
+              <a:cs typeface="Verdana" panose="020B0604030504040204" pitchFamily="34" charset="0"/>
+            </a:endParaRPr>
+          </a:p>
+          <a:p>
+            <a:pPr marL="1371600" lvl="3" indent="0">
+              <a:buNone/>
+            </a:pPr>
+            <a:r>
+              <a:rPr lang="en-US" sz="2900" dirty="0" err="1">
+                <a:solidFill>
+                  <a:schemeClr val="tx1"/>
+                </a:solidFill>
+                <a:latin typeface="Verdana" panose="020B0604030504040204" pitchFamily="34" charset="0"/>
+                <a:ea typeface="Verdana" panose="020B0604030504040204" pitchFamily="34" charset="0"/>
+                <a:cs typeface="Verdana" panose="020B0604030504040204" pitchFamily="34" charset="0"/>
+              </a:rPr>
+              <a:t>featureError</a:t>
+            </a:r>
+            <a:r>
+              <a:rPr lang="en-US" sz="2900" dirty="0">
+                <a:solidFill>
+                  <a:schemeClr val="tx1"/>
+                </a:solidFill>
+                <a:latin typeface="Verdana" panose="020B0604030504040204" pitchFamily="34" charset="0"/>
+                <a:ea typeface="Verdana" panose="020B0604030504040204" pitchFamily="34" charset="0"/>
+                <a:cs typeface="Verdana" panose="020B0604030504040204" pitchFamily="34" charset="0"/>
+              </a:rPr>
+              <a:t> = </a:t>
+            </a:r>
+            <a:r>
+              <a:rPr lang="en-US" sz="2900" dirty="0" err="1">
+                <a:solidFill>
+                  <a:schemeClr val="tx1"/>
+                </a:solidFill>
+                <a:latin typeface="Verdana" panose="020B0604030504040204" pitchFamily="34" charset="0"/>
+                <a:ea typeface="Verdana" panose="020B0604030504040204" pitchFamily="34" charset="0"/>
+                <a:cs typeface="Verdana" panose="020B0604030504040204" pitchFamily="34" charset="0"/>
+              </a:rPr>
+              <a:t>linearHeuristic</a:t>
+            </a:r>
+            <a:r>
+              <a:rPr lang="en-US" sz="2900" dirty="0">
+                <a:solidFill>
+                  <a:schemeClr val="tx1"/>
+                </a:solidFill>
+                <a:latin typeface="Verdana" panose="020B0604030504040204" pitchFamily="34" charset="0"/>
+                <a:ea typeface="Verdana" panose="020B0604030504040204" pitchFamily="34" charset="0"/>
+                <a:cs typeface="Verdana" panose="020B0604030504040204" pitchFamily="34" charset="0"/>
+              </a:rPr>
+              <a:t>(</a:t>
+            </a:r>
+            <a:r>
+              <a:rPr lang="en-US" sz="2900" dirty="0" err="1">
+                <a:solidFill>
+                  <a:schemeClr val="tx1"/>
+                </a:solidFill>
+                <a:latin typeface="Verdana" panose="020B0604030504040204" pitchFamily="34" charset="0"/>
+                <a:ea typeface="Verdana" panose="020B0604030504040204" pitchFamily="34" charset="0"/>
+                <a:cs typeface="Verdana" panose="020B0604030504040204" pitchFamily="34" charset="0"/>
+              </a:rPr>
+              <a:t>currentFeature</a:t>
+            </a:r>
+            <a:r>
+              <a:rPr lang="en-US" sz="2900" dirty="0">
+                <a:solidFill>
+                  <a:schemeClr val="tx1"/>
+                </a:solidFill>
+                <a:latin typeface="Verdana" panose="020B0604030504040204" pitchFamily="34" charset="0"/>
+                <a:ea typeface="Verdana" panose="020B0604030504040204" pitchFamily="34" charset="0"/>
+                <a:cs typeface="Verdana" panose="020B0604030504040204" pitchFamily="34" charset="0"/>
+              </a:rPr>
+              <a:t>) – </a:t>
+            </a:r>
+            <a:r>
+              <a:rPr lang="en-US" sz="2900" dirty="0" err="1">
+                <a:solidFill>
+                  <a:schemeClr val="tx1"/>
+                </a:solidFill>
+                <a:latin typeface="Verdana" panose="020B0604030504040204" pitchFamily="34" charset="0"/>
+                <a:ea typeface="Verdana" panose="020B0604030504040204" pitchFamily="34" charset="0"/>
+                <a:cs typeface="Verdana" panose="020B0604030504040204" pitchFamily="34" charset="0"/>
+              </a:rPr>
+              <a:t>currentLabel</a:t>
+            </a:r>
+            <a:endParaRPr lang="en-US" sz="2900" dirty="0">
+              <a:solidFill>
+                <a:schemeClr val="tx1"/>
+              </a:solidFill>
+              <a:latin typeface="Verdana" panose="020B0604030504040204" pitchFamily="34" charset="0"/>
+              <a:ea typeface="Verdana" panose="020B0604030504040204" pitchFamily="34" charset="0"/>
+              <a:cs typeface="Verdana" panose="020B0604030504040204" pitchFamily="34" charset="0"/>
+            </a:endParaRPr>
+          </a:p>
+          <a:p>
+            <a:pPr marL="1371600" lvl="3" indent="0">
+              <a:buNone/>
+            </a:pPr>
+            <a:r>
+              <a:rPr lang="en-US" sz="2900" dirty="0">
+                <a:solidFill>
+                  <a:schemeClr val="tx1"/>
+                </a:solidFill>
+                <a:latin typeface="Verdana" panose="020B0604030504040204" pitchFamily="34" charset="0"/>
+                <a:ea typeface="Verdana" panose="020B0604030504040204" pitchFamily="34" charset="0"/>
+                <a:cs typeface="Verdana" panose="020B0604030504040204" pitchFamily="34" charset="0"/>
+              </a:rPr>
+              <a:t>for </a:t>
+            </a:r>
+            <a:r>
+              <a:rPr lang="en-US" sz="2900" dirty="0" err="1">
+                <a:solidFill>
+                  <a:schemeClr val="tx1"/>
+                </a:solidFill>
+                <a:latin typeface="Verdana" panose="020B0604030504040204" pitchFamily="34" charset="0"/>
+                <a:ea typeface="Verdana" panose="020B0604030504040204" pitchFamily="34" charset="0"/>
+                <a:cs typeface="Verdana" panose="020B0604030504040204" pitchFamily="34" charset="0"/>
+              </a:rPr>
+              <a:t>numInputs</a:t>
+            </a:r>
+            <a:endParaRPr lang="en-US" sz="2900" i="1" dirty="0">
+              <a:solidFill>
+                <a:schemeClr val="tx1"/>
+              </a:solidFill>
+              <a:latin typeface="Verdana" panose="020B0604030504040204" pitchFamily="34" charset="0"/>
+              <a:ea typeface="Verdana" panose="020B0604030504040204" pitchFamily="34" charset="0"/>
+              <a:cs typeface="Verdana" panose="020B0604030504040204" pitchFamily="34" charset="0"/>
+            </a:endParaRPr>
+          </a:p>
+          <a:p>
+            <a:pPr marL="1828800" lvl="4" indent="0">
+              <a:buNone/>
+            </a:pPr>
+            <a:r>
+              <a:rPr lang="en-US" sz="2900" dirty="0" err="1">
+                <a:solidFill>
+                  <a:schemeClr val="tx1"/>
+                </a:solidFill>
+                <a:latin typeface="Verdana" panose="020B0604030504040204" pitchFamily="34" charset="0"/>
+                <a:ea typeface="Verdana" panose="020B0604030504040204" pitchFamily="34" charset="0"/>
+                <a:cs typeface="Verdana" panose="020B0604030504040204" pitchFamily="34" charset="0"/>
+              </a:rPr>
+              <a:t>thetaUpdate</a:t>
+            </a:r>
+            <a:r>
+              <a:rPr lang="en-US" sz="2900" dirty="0">
+                <a:solidFill>
+                  <a:schemeClr val="tx1"/>
+                </a:solidFill>
+                <a:latin typeface="Verdana" panose="020B0604030504040204" pitchFamily="34" charset="0"/>
+                <a:ea typeface="Verdana" panose="020B0604030504040204" pitchFamily="34" charset="0"/>
+                <a:cs typeface="Verdana" panose="020B0604030504040204" pitchFamily="34" charset="0"/>
+              </a:rPr>
+              <a:t>[</a:t>
+            </a:r>
+            <a:r>
+              <a:rPr lang="en-US" sz="2900" dirty="0" err="1">
+                <a:solidFill>
+                  <a:schemeClr val="tx1"/>
+                </a:solidFill>
+                <a:latin typeface="Verdana" panose="020B0604030504040204" pitchFamily="34" charset="0"/>
+                <a:ea typeface="Verdana" panose="020B0604030504040204" pitchFamily="34" charset="0"/>
+                <a:cs typeface="Verdana" panose="020B0604030504040204" pitchFamily="34" charset="0"/>
+              </a:rPr>
+              <a:t>currentInput</a:t>
+            </a:r>
+            <a:r>
+              <a:rPr lang="en-US" sz="2900" dirty="0">
+                <a:solidFill>
+                  <a:schemeClr val="tx1"/>
+                </a:solidFill>
+                <a:latin typeface="Verdana" panose="020B0604030504040204" pitchFamily="34" charset="0"/>
+                <a:ea typeface="Verdana" panose="020B0604030504040204" pitchFamily="34" charset="0"/>
+                <a:cs typeface="Verdana" panose="020B0604030504040204" pitchFamily="34" charset="0"/>
+              </a:rPr>
+              <a:t>] += </a:t>
+            </a:r>
+            <a:r>
+              <a:rPr lang="en-US" sz="2900" dirty="0" err="1">
+                <a:solidFill>
+                  <a:schemeClr val="tx1"/>
+                </a:solidFill>
+                <a:latin typeface="Verdana" panose="020B0604030504040204" pitchFamily="34" charset="0"/>
+                <a:ea typeface="Verdana" panose="020B0604030504040204" pitchFamily="34" charset="0"/>
+                <a:cs typeface="Verdana" panose="020B0604030504040204" pitchFamily="34" charset="0"/>
+              </a:rPr>
+              <a:t>featureError</a:t>
+            </a:r>
+            <a:r>
+              <a:rPr lang="en-US" sz="2900" dirty="0">
+                <a:solidFill>
+                  <a:schemeClr val="tx1"/>
+                </a:solidFill>
+                <a:latin typeface="Verdana" panose="020B0604030504040204" pitchFamily="34" charset="0"/>
+                <a:ea typeface="Verdana" panose="020B0604030504040204" pitchFamily="34" charset="0"/>
+                <a:cs typeface="Verdana" panose="020B0604030504040204" pitchFamily="34" charset="0"/>
+              </a:rPr>
+              <a:t> * </a:t>
+            </a:r>
+            <a:r>
+              <a:rPr lang="en-US" sz="2900" dirty="0" err="1">
+                <a:solidFill>
+                  <a:schemeClr val="tx1"/>
+                </a:solidFill>
+                <a:latin typeface="Verdana" panose="020B0604030504040204" pitchFamily="34" charset="0"/>
+                <a:ea typeface="Verdana" panose="020B0604030504040204" pitchFamily="34" charset="0"/>
+                <a:cs typeface="Verdana" panose="020B0604030504040204" pitchFamily="34" charset="0"/>
+              </a:rPr>
+              <a:t>currentFeature</a:t>
+            </a:r>
+            <a:r>
+              <a:rPr lang="en-US" sz="2900" dirty="0">
+                <a:solidFill>
+                  <a:schemeClr val="tx1"/>
+                </a:solidFill>
+                <a:latin typeface="Verdana" panose="020B0604030504040204" pitchFamily="34" charset="0"/>
+                <a:ea typeface="Verdana" panose="020B0604030504040204" pitchFamily="34" charset="0"/>
+                <a:cs typeface="Verdana" panose="020B0604030504040204" pitchFamily="34" charset="0"/>
+              </a:rPr>
+              <a:t>[</a:t>
+            </a:r>
+            <a:r>
+              <a:rPr lang="en-US" sz="2900" dirty="0" err="1">
+                <a:solidFill>
+                  <a:schemeClr val="tx1"/>
+                </a:solidFill>
+                <a:latin typeface="Verdana" panose="020B0604030504040204" pitchFamily="34" charset="0"/>
+                <a:ea typeface="Verdana" panose="020B0604030504040204" pitchFamily="34" charset="0"/>
+                <a:cs typeface="Verdana" panose="020B0604030504040204" pitchFamily="34" charset="0"/>
+              </a:rPr>
+              <a:t>currentInput</a:t>
+            </a:r>
+            <a:r>
+              <a:rPr lang="en-US" sz="2900" dirty="0">
+                <a:solidFill>
+                  <a:schemeClr val="tx1"/>
+                </a:solidFill>
+                <a:latin typeface="Verdana" panose="020B0604030504040204" pitchFamily="34" charset="0"/>
+                <a:ea typeface="Verdana" panose="020B0604030504040204" pitchFamily="34" charset="0"/>
+                <a:cs typeface="Verdana" panose="020B0604030504040204" pitchFamily="34" charset="0"/>
+              </a:rPr>
+              <a:t>]</a:t>
+            </a:r>
+            <a:endParaRPr lang="en-US" sz="2900" i="1" dirty="0">
+              <a:solidFill>
+                <a:schemeClr val="tx1"/>
+              </a:solidFill>
+              <a:latin typeface="Verdana" panose="020B0604030504040204" pitchFamily="34" charset="0"/>
+              <a:ea typeface="Verdana" panose="020B0604030504040204" pitchFamily="34" charset="0"/>
+              <a:cs typeface="Verdana" panose="020B0604030504040204" pitchFamily="34" charset="0"/>
+            </a:endParaRPr>
+          </a:p>
+          <a:p>
+            <a:pPr marL="914400" lvl="2" indent="0">
+              <a:buNone/>
+            </a:pPr>
+            <a:r>
+              <a:rPr lang="en-US" sz="2900" dirty="0">
+                <a:solidFill>
+                  <a:schemeClr val="tx1"/>
+                </a:solidFill>
+                <a:latin typeface="Verdana" panose="020B0604030504040204" pitchFamily="34" charset="0"/>
+                <a:ea typeface="Verdana" panose="020B0604030504040204" pitchFamily="34" charset="0"/>
+                <a:cs typeface="Verdana" panose="020B0604030504040204" pitchFamily="34" charset="0"/>
+              </a:rPr>
+              <a:t>for </a:t>
+            </a:r>
+            <a:r>
+              <a:rPr lang="en-US" sz="2900" dirty="0" err="1">
+                <a:solidFill>
+                  <a:schemeClr val="tx1"/>
+                </a:solidFill>
+                <a:latin typeface="Verdana" panose="020B0604030504040204" pitchFamily="34" charset="0"/>
+                <a:ea typeface="Verdana" panose="020B0604030504040204" pitchFamily="34" charset="0"/>
+                <a:cs typeface="Verdana" panose="020B0604030504040204" pitchFamily="34" charset="0"/>
+              </a:rPr>
+              <a:t>numInputs</a:t>
+            </a:r>
+            <a:r>
+              <a:rPr lang="en-US" sz="2900" dirty="0">
+                <a:solidFill>
+                  <a:schemeClr val="tx1"/>
+                </a:solidFill>
+                <a:latin typeface="Verdana" panose="020B0604030504040204" pitchFamily="34" charset="0"/>
+                <a:ea typeface="Verdana" panose="020B0604030504040204" pitchFamily="34" charset="0"/>
+                <a:cs typeface="Verdana" panose="020B0604030504040204" pitchFamily="34" charset="0"/>
+              </a:rPr>
+              <a:t> </a:t>
+            </a:r>
+          </a:p>
+          <a:p>
+            <a:pPr marL="1371600" lvl="3" indent="0">
+              <a:buNone/>
+            </a:pPr>
+            <a:r>
+              <a:rPr lang="en-US" sz="2900" dirty="0">
+                <a:solidFill>
+                  <a:schemeClr val="tx1"/>
+                </a:solidFill>
+                <a:latin typeface="Verdana" panose="020B0604030504040204" pitchFamily="34" charset="0"/>
+                <a:ea typeface="Verdana" panose="020B0604030504040204" pitchFamily="34" charset="0"/>
+                <a:cs typeface="Verdana" panose="020B0604030504040204" pitchFamily="34" charset="0"/>
+              </a:rPr>
+              <a:t>theta[</a:t>
+            </a:r>
+            <a:r>
+              <a:rPr lang="en-US" sz="2900" dirty="0" err="1">
+                <a:solidFill>
+                  <a:schemeClr val="tx1"/>
+                </a:solidFill>
+                <a:latin typeface="Verdana" panose="020B0604030504040204" pitchFamily="34" charset="0"/>
+                <a:ea typeface="Verdana" panose="020B0604030504040204" pitchFamily="34" charset="0"/>
+                <a:cs typeface="Verdana" panose="020B0604030504040204" pitchFamily="34" charset="0"/>
+              </a:rPr>
+              <a:t>currentInput</a:t>
+            </a:r>
+            <a:r>
+              <a:rPr lang="en-US" sz="2900" dirty="0">
+                <a:solidFill>
+                  <a:schemeClr val="tx1"/>
+                </a:solidFill>
+                <a:latin typeface="Verdana" panose="020B0604030504040204" pitchFamily="34" charset="0"/>
+                <a:ea typeface="Verdana" panose="020B0604030504040204" pitchFamily="34" charset="0"/>
+                <a:cs typeface="Verdana" panose="020B0604030504040204" pitchFamily="34" charset="0"/>
+              </a:rPr>
+              <a:t>] = theta[</a:t>
+            </a:r>
+            <a:r>
+              <a:rPr lang="en-US" sz="2900" dirty="0" err="1">
+                <a:solidFill>
+                  <a:schemeClr val="tx1"/>
+                </a:solidFill>
+                <a:latin typeface="Verdana" panose="020B0604030504040204" pitchFamily="34" charset="0"/>
+                <a:ea typeface="Verdana" panose="020B0604030504040204" pitchFamily="34" charset="0"/>
+                <a:cs typeface="Verdana" panose="020B0604030504040204" pitchFamily="34" charset="0"/>
+              </a:rPr>
+              <a:t>currentInput</a:t>
+            </a:r>
+            <a:r>
+              <a:rPr lang="en-US" sz="2900" dirty="0">
+                <a:solidFill>
+                  <a:schemeClr val="tx1"/>
+                </a:solidFill>
+                <a:latin typeface="Verdana" panose="020B0604030504040204" pitchFamily="34" charset="0"/>
+                <a:ea typeface="Verdana" panose="020B0604030504040204" pitchFamily="34" charset="0"/>
+                <a:cs typeface="Verdana" panose="020B0604030504040204" pitchFamily="34" charset="0"/>
+              </a:rPr>
+              <a:t>] – alpha * </a:t>
+            </a:r>
+            <a:r>
+              <a:rPr lang="en-US" sz="2900" dirty="0" err="1">
+                <a:solidFill>
+                  <a:schemeClr val="tx1"/>
+                </a:solidFill>
+                <a:latin typeface="Verdana" panose="020B0604030504040204" pitchFamily="34" charset="0"/>
+                <a:ea typeface="Verdana" panose="020B0604030504040204" pitchFamily="34" charset="0"/>
+                <a:cs typeface="Verdana" panose="020B0604030504040204" pitchFamily="34" charset="0"/>
+              </a:rPr>
+              <a:t>thetaUpdate</a:t>
+            </a:r>
+            <a:r>
+              <a:rPr lang="en-US" sz="2900" dirty="0">
+                <a:solidFill>
+                  <a:schemeClr val="tx1"/>
+                </a:solidFill>
+                <a:latin typeface="Verdana" panose="020B0604030504040204" pitchFamily="34" charset="0"/>
+                <a:ea typeface="Verdana" panose="020B0604030504040204" pitchFamily="34" charset="0"/>
+                <a:cs typeface="Verdana" panose="020B0604030504040204" pitchFamily="34" charset="0"/>
+              </a:rPr>
+              <a:t>[</a:t>
+            </a:r>
+            <a:r>
+              <a:rPr lang="en-US" sz="2900" dirty="0" err="1">
+                <a:solidFill>
+                  <a:schemeClr val="tx1"/>
+                </a:solidFill>
+                <a:latin typeface="Verdana" panose="020B0604030504040204" pitchFamily="34" charset="0"/>
+                <a:ea typeface="Verdana" panose="020B0604030504040204" pitchFamily="34" charset="0"/>
+                <a:cs typeface="Verdana" panose="020B0604030504040204" pitchFamily="34" charset="0"/>
+              </a:rPr>
+              <a:t>currentInput</a:t>
+            </a:r>
+            <a:r>
+              <a:rPr lang="en-US" sz="2900" dirty="0">
+                <a:solidFill>
+                  <a:schemeClr val="tx1"/>
+                </a:solidFill>
+                <a:latin typeface="Verdana" panose="020B0604030504040204" pitchFamily="34" charset="0"/>
+                <a:ea typeface="Verdana" panose="020B0604030504040204" pitchFamily="34" charset="0"/>
+                <a:cs typeface="Verdana" panose="020B0604030504040204" pitchFamily="34" charset="0"/>
+              </a:rPr>
+              <a:t>] / </a:t>
+            </a:r>
+            <a:r>
+              <a:rPr lang="en-US" sz="2900" dirty="0" err="1">
+                <a:solidFill>
+                  <a:schemeClr val="tx1"/>
+                </a:solidFill>
+                <a:latin typeface="Verdana" panose="020B0604030504040204" pitchFamily="34" charset="0"/>
+                <a:ea typeface="Verdana" panose="020B0604030504040204" pitchFamily="34" charset="0"/>
+                <a:cs typeface="Verdana" panose="020B0604030504040204" pitchFamily="34" charset="0"/>
+              </a:rPr>
+              <a:t>numFeatures</a:t>
+            </a:r>
+            <a:endParaRPr lang="en-US" sz="2900" dirty="0">
+              <a:solidFill>
+                <a:schemeClr val="tx1"/>
+              </a:solidFill>
+              <a:latin typeface="Verdana" panose="020B0604030504040204" pitchFamily="34" charset="0"/>
+              <a:ea typeface="Verdana" panose="020B0604030504040204" pitchFamily="34" charset="0"/>
+              <a:cs typeface="Verdana" panose="020B0604030504040204" pitchFamily="34" charset="0"/>
+            </a:endParaRPr>
+          </a:p>
+          <a:p>
+            <a:pPr marL="0" indent="0">
+              <a:buNone/>
+            </a:pPr>
+            <a:r>
+              <a:rPr lang="en-US" dirty="0">
+                <a:latin typeface="Verdana" panose="020B0604030504040204" pitchFamily="34" charset="0"/>
+                <a:ea typeface="Verdana" panose="020B0604030504040204" pitchFamily="34" charset="0"/>
+                <a:cs typeface="Verdana" panose="020B0604030504040204" pitchFamily="34" charset="0"/>
+              </a:rPr>
+              <a:t>}</a:t>
+            </a:r>
+          </a:p>
+        </p:txBody>
+      </p:sp>
+    </p:spTree>
+    <p:extLst>
+      <p:ext uri="{BB962C8B-B14F-4D97-AF65-F5344CB8AC3E}">
+        <p14:creationId xmlns:p14="http://schemas.microsoft.com/office/powerpoint/2010/main" val="3014920901"/>
+      </p:ext>
+    </p:extLst>
+  </p:cSld>
+  <p:clrMapOvr>
+    <a:masterClrMapping/>
+  </p:clrMapOvr>
+</p:sld>
+</file>
+
+<file path=ppt/slides/slide21.xml><?xml version="1.0" encoding="utf-8"?>
 <p:sld xmlns:a="http://schemas.openxmlformats.org/drawingml/2006/main" xmlns:r="http://schemas.openxmlformats.org/officeDocument/2006/relationships" xmlns:p="http://schemas.openxmlformats.org/presentationml/2006/main">
   <p:cSld>
     <p:spTree>
@@ -11042,7 +16622,7 @@
         </p:spPr>
         <p:txBody>
           <a:bodyPr>
-            <a:normAutofit fontScale="92500" lnSpcReduction="20000"/>
+            <a:normAutofit fontScale="92500" lnSpcReduction="10000"/>
           </a:bodyPr>
           <a:lstStyle/>
           <a:p>
@@ -11060,14 +16640,7 @@
           <a:p>
             <a:r>
               <a:rPr lang="en-US" dirty="0"/>
-              <a:t>We will have to manually adjust our number of iterations and learning rate to get the best results possible.</a:t>
-            </a:r>
-          </a:p>
-          <a:p>
-            <a:pPr lvl="1"/>
-            <a:r>
-              <a:rPr lang="en-US" dirty="0"/>
-              <a:t>This can of course be automated as well.</a:t>
+              <a:t>We will have to adjust our number of iterations and learning rate to get the best results possible.</a:t>
             </a:r>
           </a:p>
         </p:txBody>
@@ -11233,7 +16806,7 @@
 </p:sld>
 </file>
 
-<file path=ppt/slides/slide16.xml><?xml version="1.0" encoding="utf-8"?>
+<file path=ppt/slides/slide22.xml><?xml version="1.0" encoding="utf-8"?>
 <p:sld xmlns:a="http://schemas.openxmlformats.org/drawingml/2006/main" xmlns:r="http://schemas.openxmlformats.org/officeDocument/2006/relationships" xmlns:p="http://schemas.openxmlformats.org/presentationml/2006/main">
   <p:cSld>
     <p:spTree>
@@ -11349,147 +16922,6 @@
     <p:extLst>
       <p:ext uri="{BB962C8B-B14F-4D97-AF65-F5344CB8AC3E}">
         <p14:creationId xmlns:p14="http://schemas.microsoft.com/office/powerpoint/2010/main" val="508610739"/>
-      </p:ext>
-    </p:extLst>
-  </p:cSld>
-  <p:clrMapOvr>
-    <a:masterClrMapping/>
-  </p:clrMapOvr>
-</p:sld>
-</file>
-
-<file path=ppt/slides/slide2.xml><?xml version="1.0" encoding="utf-8"?>
-<p:sld xmlns:a="http://schemas.openxmlformats.org/drawingml/2006/main" xmlns:r="http://schemas.openxmlformats.org/officeDocument/2006/relationships" xmlns:p="http://schemas.openxmlformats.org/presentationml/2006/main">
-  <p:cSld>
-    <p:spTree>
-      <p:nvGrpSpPr>
-        <p:cNvPr id="1" name=""/>
-        <p:cNvGrpSpPr/>
-        <p:nvPr/>
-      </p:nvGrpSpPr>
-      <p:grpSpPr>
-        <a:xfrm>
-          <a:off x="0" y="0"/>
-          <a:ext cx="0" cy="0"/>
-          <a:chOff x="0" y="0"/>
-          <a:chExt cx="0" cy="0"/>
-        </a:xfrm>
-      </p:grpSpPr>
-      <p:pic>
-        <p:nvPicPr>
-          <p:cNvPr id="5" name="Picture 4"/>
-          <p:cNvPicPr>
-            <a:picLocks noChangeAspect="1"/>
-          </p:cNvPicPr>
-          <p:nvPr/>
-        </p:nvPicPr>
-        <p:blipFill>
-          <a:blip r:embed="rId3">
-            <a:extLst>
-              <a:ext uri="{28A0092B-C50C-407E-A947-70E740481C1C}">
-                <a14:useLocalDpi xmlns:a14="http://schemas.microsoft.com/office/drawing/2010/main" val="0"/>
-              </a:ext>
-            </a:extLst>
-          </a:blip>
-          <a:stretch>
-            <a:fillRect/>
-          </a:stretch>
-        </p:blipFill>
-        <p:spPr>
-          <a:xfrm>
-            <a:off x="7922922" y="1924505"/>
-            <a:ext cx="3354676" cy="3354676"/>
-          </a:xfrm>
-          <a:prstGeom prst="rect">
-            <a:avLst/>
-          </a:prstGeom>
-        </p:spPr>
-      </p:pic>
-      <p:sp>
-        <p:nvSpPr>
-          <p:cNvPr id="2" name="Title 1"/>
-          <p:cNvSpPr>
-            <a:spLocks noGrp="1"/>
-          </p:cNvSpPr>
-          <p:nvPr>
-            <p:ph type="title"/>
-          </p:nvPr>
-        </p:nvSpPr>
-        <p:spPr/>
-        <p:txBody>
-          <a:bodyPr>
-            <a:normAutofit/>
-          </a:bodyPr>
-          <a:lstStyle/>
-          <a:p>
-            <a:r>
-              <a:rPr lang="en-US" dirty="0"/>
-              <a:t>Linear Regression</a:t>
-            </a:r>
-          </a:p>
-        </p:txBody>
-      </p:sp>
-      <p:sp>
-        <p:nvSpPr>
-          <p:cNvPr id="3" name="Content Placeholder 2"/>
-          <p:cNvSpPr>
-            <a:spLocks noGrp="1"/>
-          </p:cNvSpPr>
-          <p:nvPr>
-            <p:ph idx="1"/>
-          </p:nvPr>
-        </p:nvSpPr>
-        <p:spPr>
-          <a:xfrm>
-            <a:off x="1120000" y="1825625"/>
-            <a:ext cx="6358486" cy="4351338"/>
-          </a:xfrm>
-        </p:spPr>
-        <p:txBody>
-          <a:bodyPr>
-            <a:normAutofit/>
-          </a:bodyPr>
-          <a:lstStyle/>
-          <a:p>
-            <a:r>
-              <a:rPr lang="en-US" dirty="0"/>
-              <a:t>Linear Regression attempts to model the relationship between a scalar output value (y) and one or more input variables (X)</a:t>
-            </a:r>
-          </a:p>
-          <a:p>
-            <a:r>
-              <a:rPr lang="en-US" dirty="0"/>
-              <a:t>The function of a line is one model that can be used:</a:t>
-            </a:r>
-          </a:p>
-          <a:p>
-            <a:pPr lvl="1"/>
-            <a:r>
-              <a:rPr lang="en-US" dirty="0"/>
-              <a:t>y = </a:t>
-            </a:r>
-            <a:r>
-              <a:rPr lang="en-US" dirty="0" err="1"/>
-              <a:t>mX</a:t>
-            </a:r>
-            <a:r>
-              <a:rPr lang="en-US" dirty="0"/>
-              <a:t> + b</a:t>
-            </a:r>
-          </a:p>
-          <a:p>
-            <a:pPr lvl="1"/>
-            <a:r>
-              <a:rPr lang="en-US" dirty="0"/>
-              <a:t>We would “learn” by adjusting our ‘m’ and ‘b’ variables so that the line best matches the input data.</a:t>
-            </a:r>
-          </a:p>
-        </p:txBody>
-      </p:sp>
-    </p:spTree>
-    <p:extLst>
-      <p:ext uri="{BB962C8B-B14F-4D97-AF65-F5344CB8AC3E}">
-        <p14:creationId xmlns:p14="http://schemas.microsoft.com/office/powerpoint/2010/main" val="3098336720"/>
       </p:ext>
     </p:extLst>
   </p:cSld>
@@ -11709,8 +17141,8 @@
           </a:p>
         </p:txBody>
       </p:sp>
-      <mc:AlternateContent xmlns:mc="http://schemas.openxmlformats.org/markup-compatibility/2006">
-        <mc:Choice xmlns:a14="http://schemas.microsoft.com/office/drawing/2010/main" Requires="a14">
+      <mc:AlternateContent xmlns:mc="http://schemas.openxmlformats.org/markup-compatibility/2006" xmlns:a14="http://schemas.microsoft.com/office/drawing/2010/main">
+        <mc:Choice Requires="a14">
           <p:sp>
             <p:nvSpPr>
               <p:cNvPr id="3" name="Content Placeholder 2"/>
@@ -11741,7 +17173,7 @@
               <a:p>
                 <a:r>
                   <a:rPr lang="en-US" dirty="0"/>
-                  <a:t>Standard line formula we may be familiar with:</a:t>
+                  <a:t>Standard line formula we maybe familiar with:</a:t>
                 </a:r>
               </a:p>
               <a:p>
@@ -12024,7 +17456,7 @@
             </p:txBody>
           </p:sp>
         </mc:Choice>
-        <mc:Fallback>
+        <mc:Fallback xmlns="">
           <p:sp>
             <p:nvSpPr>
               <p:cNvPr id="3" name="Content Placeholder 2"/>
@@ -12366,7 +17798,7 @@
               <a:p>
                 <a:r>
                   <a:rPr lang="en-US" dirty="0"/>
-                  <a:t>We will typically start by randomizing our theta values. This will result in our heuristic likely giving very inaccurate predictions.</a:t>
+                  <a:t>We will typically start by randomizing our theta values. This will result in our heuristic likely giving very inaccurate predictions, at first.</a:t>
                 </a:r>
               </a:p>
             </p:txBody>
@@ -13638,8 +19070,8 @@
           </a:p>
         </p:txBody>
       </p:sp>
-      <mc:AlternateContent xmlns:mc="http://schemas.openxmlformats.org/markup-compatibility/2006">
-        <mc:Choice xmlns:a14="http://schemas.microsoft.com/office/drawing/2010/main" Requires="a14">
+      <mc:AlternateContent xmlns:mc="http://schemas.openxmlformats.org/markup-compatibility/2006" xmlns:a14="http://schemas.microsoft.com/office/drawing/2010/main">
+        <mc:Choice Requires="a14">
           <p:sp>
             <p:nvSpPr>
               <p:cNvPr id="8" name="Content Placeholder 7"/>
@@ -13991,7 +19423,7 @@
                   <a:rPr lang="en-US" b="0" dirty="0">
                     <a:latin typeface="Cambria Math" panose="02040503050406030204" pitchFamily="18" charset="0"/>
                   </a:rPr>
-                  <a:t>We want the difference to always be positive, and the further apart they are the larger the result…</a:t>
+                  <a:t>We want the difference to always be positive, and the further apart they are the worse</a:t>
                 </a:r>
               </a:p>
               <a:p>
@@ -14772,13 +20204,13 @@
                 <a:pPr lvl="1"/>
                 <a:r>
                   <a:rPr lang="en-US" dirty="0"/>
-                  <a:t>The divide by 2 does not change our relative results, but makes a derivation we do later easier.</a:t>
+                  <a:t>The divide by 2 does not change our relative results, but makes a derivation we do later easier…</a:t>
                 </a:r>
               </a:p>
             </p:txBody>
           </p:sp>
         </mc:Choice>
-        <mc:Fallback>
+        <mc:Fallback xmlns="">
           <p:sp>
             <p:nvSpPr>
               <p:cNvPr id="8" name="Content Placeholder 7"/>
@@ -15215,6 +20647,780 @@
       </p:grpSpPr>
       <p:sp>
         <p:nvSpPr>
+          <p:cNvPr id="2" name="Title 1"/>
+          <p:cNvSpPr>
+            <a:spLocks noGrp="1"/>
+          </p:cNvSpPr>
+          <p:nvPr>
+            <p:ph type="title"/>
+          </p:nvPr>
+        </p:nvSpPr>
+        <p:spPr/>
+        <p:txBody>
+          <a:bodyPr/>
+          <a:lstStyle/>
+          <a:p>
+            <a:r>
+              <a:rPr lang="en-US" dirty="0"/>
+              <a:t>Linear Cost Pseudo-code</a:t>
+            </a:r>
+          </a:p>
+        </p:txBody>
+      </p:sp>
+      <mc:AlternateContent xmlns:mc="http://schemas.openxmlformats.org/markup-compatibility/2006" xmlns:a14="http://schemas.microsoft.com/office/drawing/2010/main">
+        <mc:Choice Requires="a14">
+          <p:sp>
+            <p:nvSpPr>
+              <p:cNvPr id="3" name="Content Placeholder 2"/>
+              <p:cNvSpPr>
+                <a:spLocks noGrp="1"/>
+              </p:cNvSpPr>
+              <p:nvPr>
+                <p:ph idx="1"/>
+              </p:nvPr>
+            </p:nvSpPr>
+            <p:spPr/>
+            <p:txBody>
+              <a:bodyPr/>
+              <a:lstStyle/>
+              <a:p>
+                <a14:m>
+                  <m:oMath xmlns:m="http://schemas.openxmlformats.org/officeDocument/2006/math">
+                    <m:r>
+                      <a:rPr lang="en-US" i="1" smtClean="0">
+                        <a:solidFill>
+                          <a:schemeClr val="tx1"/>
+                        </a:solidFill>
+                        <a:latin typeface="Cambria Math" panose="02040503050406030204" pitchFamily="18" charset="0"/>
+                      </a:rPr>
+                      <m:t>𝐽</m:t>
+                    </m:r>
+                    <m:d>
+                      <m:dPr>
+                        <m:ctrlPr>
+                          <a:rPr lang="en-US" i="1">
+                            <a:solidFill>
+                              <a:schemeClr val="tx1"/>
+                            </a:solidFill>
+                            <a:latin typeface="Cambria Math" panose="02040503050406030204" pitchFamily="18" charset="0"/>
+                          </a:rPr>
+                        </m:ctrlPr>
+                      </m:dPr>
+                      <m:e>
+                        <m:sSub>
+                          <m:sSubPr>
+                            <m:ctrlPr>
+                              <a:rPr lang="en-US" i="1">
+                                <a:solidFill>
+                                  <a:schemeClr val="tx1"/>
+                                </a:solidFill>
+                                <a:latin typeface="Cambria Math" panose="02040503050406030204" pitchFamily="18" charset="0"/>
+                              </a:rPr>
+                            </m:ctrlPr>
+                          </m:sSubPr>
+                          <m:e>
+                            <m:r>
+                              <a:rPr lang="en-US" i="1">
+                                <a:solidFill>
+                                  <a:schemeClr val="tx1"/>
+                                </a:solidFill>
+                                <a:latin typeface="Cambria Math" panose="02040503050406030204" pitchFamily="18" charset="0"/>
+                                <a:ea typeface="Cambria Math" panose="02040503050406030204" pitchFamily="18" charset="0"/>
+                              </a:rPr>
+                              <m:t>𝜃</m:t>
+                            </m:r>
+                          </m:e>
+                          <m:sub>
+                            <m:r>
+                              <a:rPr lang="en-US" i="1">
+                                <a:solidFill>
+                                  <a:schemeClr val="tx1"/>
+                                </a:solidFill>
+                                <a:latin typeface="Cambria Math" panose="02040503050406030204" pitchFamily="18" charset="0"/>
+                              </a:rPr>
+                              <m:t>0</m:t>
+                            </m:r>
+                          </m:sub>
+                        </m:sSub>
+                        <m:r>
+                          <a:rPr lang="en-US" i="1">
+                            <a:solidFill>
+                              <a:schemeClr val="tx1"/>
+                            </a:solidFill>
+                            <a:latin typeface="Cambria Math" panose="02040503050406030204" pitchFamily="18" charset="0"/>
+                          </a:rPr>
+                          <m:t>,</m:t>
+                        </m:r>
+                        <m:sSub>
+                          <m:sSubPr>
+                            <m:ctrlPr>
+                              <a:rPr lang="en-US" i="1">
+                                <a:solidFill>
+                                  <a:schemeClr val="tx1"/>
+                                </a:solidFill>
+                                <a:latin typeface="Cambria Math" panose="02040503050406030204" pitchFamily="18" charset="0"/>
+                              </a:rPr>
+                            </m:ctrlPr>
+                          </m:sSubPr>
+                          <m:e>
+                            <m:r>
+                              <a:rPr lang="en-US" i="1">
+                                <a:solidFill>
+                                  <a:schemeClr val="tx1"/>
+                                </a:solidFill>
+                                <a:latin typeface="Cambria Math" panose="02040503050406030204" pitchFamily="18" charset="0"/>
+                                <a:ea typeface="Cambria Math" panose="02040503050406030204" pitchFamily="18" charset="0"/>
+                              </a:rPr>
+                              <m:t>𝜃</m:t>
+                            </m:r>
+                          </m:e>
+                          <m:sub>
+                            <m:r>
+                              <a:rPr lang="en-US" i="1">
+                                <a:solidFill>
+                                  <a:schemeClr val="tx1"/>
+                                </a:solidFill>
+                                <a:latin typeface="Cambria Math" panose="02040503050406030204" pitchFamily="18" charset="0"/>
+                              </a:rPr>
+                              <m:t>1</m:t>
+                            </m:r>
+                          </m:sub>
+                        </m:sSub>
+                      </m:e>
+                    </m:d>
+                    <m:r>
+                      <a:rPr lang="en-US" i="1">
+                        <a:solidFill>
+                          <a:schemeClr val="tx1"/>
+                        </a:solidFill>
+                        <a:latin typeface="Cambria Math" panose="02040503050406030204" pitchFamily="18" charset="0"/>
+                        <a:ea typeface="Cambria Math" panose="02040503050406030204" pitchFamily="18" charset="0"/>
+                      </a:rPr>
+                      <m:t>= </m:t>
+                    </m:r>
+                    <m:f>
+                      <m:fPr>
+                        <m:ctrlPr>
+                          <a:rPr lang="en-US" i="1">
+                            <a:solidFill>
+                              <a:schemeClr val="tx1"/>
+                            </a:solidFill>
+                            <a:latin typeface="Cambria Math" panose="02040503050406030204" pitchFamily="18" charset="0"/>
+                            <a:ea typeface="Cambria Math" panose="02040503050406030204" pitchFamily="18" charset="0"/>
+                          </a:rPr>
+                        </m:ctrlPr>
+                      </m:fPr>
+                      <m:num>
+                        <m:r>
+                          <a:rPr lang="en-US" i="1">
+                            <a:solidFill>
+                              <a:schemeClr val="tx1"/>
+                            </a:solidFill>
+                            <a:latin typeface="Cambria Math" panose="02040503050406030204" pitchFamily="18" charset="0"/>
+                            <a:ea typeface="Cambria Math" panose="02040503050406030204" pitchFamily="18" charset="0"/>
+                          </a:rPr>
+                          <m:t>1</m:t>
+                        </m:r>
+                      </m:num>
+                      <m:den>
+                        <m:r>
+                          <a:rPr lang="en-US" i="1">
+                            <a:solidFill>
+                              <a:schemeClr val="tx1"/>
+                            </a:solidFill>
+                            <a:latin typeface="Cambria Math" panose="02040503050406030204" pitchFamily="18" charset="0"/>
+                            <a:ea typeface="Cambria Math" panose="02040503050406030204" pitchFamily="18" charset="0"/>
+                          </a:rPr>
+                          <m:t>2</m:t>
+                        </m:r>
+                        <m:r>
+                          <a:rPr lang="en-US" i="1">
+                            <a:solidFill>
+                              <a:schemeClr val="tx1"/>
+                            </a:solidFill>
+                            <a:latin typeface="Cambria Math" panose="02040503050406030204" pitchFamily="18" charset="0"/>
+                            <a:ea typeface="Cambria Math" panose="02040503050406030204" pitchFamily="18" charset="0"/>
+                          </a:rPr>
+                          <m:t>𝑚</m:t>
+                        </m:r>
+                      </m:den>
+                    </m:f>
+                    <m:nary>
+                      <m:naryPr>
+                        <m:chr m:val="∑"/>
+                        <m:ctrlPr>
+                          <a:rPr lang="en-US" i="1">
+                            <a:solidFill>
+                              <a:schemeClr val="tx1"/>
+                            </a:solidFill>
+                            <a:latin typeface="Cambria Math" panose="02040503050406030204" pitchFamily="18" charset="0"/>
+                            <a:ea typeface="Cambria Math" panose="02040503050406030204" pitchFamily="18" charset="0"/>
+                          </a:rPr>
+                        </m:ctrlPr>
+                      </m:naryPr>
+                      <m:sub>
+                        <m:r>
+                          <m:rPr>
+                            <m:brk m:alnAt="23"/>
+                          </m:rPr>
+                          <a:rPr lang="en-US" i="1">
+                            <a:solidFill>
+                              <a:schemeClr val="tx1"/>
+                            </a:solidFill>
+                            <a:latin typeface="Cambria Math" panose="02040503050406030204" pitchFamily="18" charset="0"/>
+                            <a:ea typeface="Cambria Math" panose="02040503050406030204" pitchFamily="18" charset="0"/>
+                          </a:rPr>
+                          <m:t>𝑖</m:t>
+                        </m:r>
+                        <m:r>
+                          <a:rPr lang="en-US" i="1">
+                            <a:solidFill>
+                              <a:schemeClr val="tx1"/>
+                            </a:solidFill>
+                            <a:latin typeface="Cambria Math" panose="02040503050406030204" pitchFamily="18" charset="0"/>
+                            <a:ea typeface="Cambria Math" panose="02040503050406030204" pitchFamily="18" charset="0"/>
+                          </a:rPr>
+                          <m:t>=1</m:t>
+                        </m:r>
+                      </m:sub>
+                      <m:sup>
+                        <m:r>
+                          <a:rPr lang="en-US" i="1">
+                            <a:solidFill>
+                              <a:schemeClr val="tx1"/>
+                            </a:solidFill>
+                            <a:latin typeface="Cambria Math" panose="02040503050406030204" pitchFamily="18" charset="0"/>
+                            <a:ea typeface="Cambria Math" panose="02040503050406030204" pitchFamily="18" charset="0"/>
+                          </a:rPr>
+                          <m:t>𝑚</m:t>
+                        </m:r>
+                      </m:sup>
+                      <m:e>
+                        <m:sSup>
+                          <m:sSupPr>
+                            <m:ctrlPr>
+                              <a:rPr lang="en-US" i="1">
+                                <a:solidFill>
+                                  <a:schemeClr val="tx1"/>
+                                </a:solidFill>
+                                <a:latin typeface="Cambria Math" panose="02040503050406030204" pitchFamily="18" charset="0"/>
+                                <a:ea typeface="Cambria Math" panose="02040503050406030204" pitchFamily="18" charset="0"/>
+                              </a:rPr>
+                            </m:ctrlPr>
+                          </m:sSupPr>
+                          <m:e>
+                            <m:d>
+                              <m:dPr>
+                                <m:ctrlPr>
+                                  <a:rPr lang="en-US" i="1">
+                                    <a:solidFill>
+                                      <a:schemeClr val="tx1"/>
+                                    </a:solidFill>
+                                    <a:latin typeface="Cambria Math" panose="02040503050406030204" pitchFamily="18" charset="0"/>
+                                    <a:ea typeface="Cambria Math" panose="02040503050406030204" pitchFamily="18" charset="0"/>
+                                  </a:rPr>
+                                </m:ctrlPr>
+                              </m:dPr>
+                              <m:e>
+                                <m:sSub>
+                                  <m:sSubPr>
+                                    <m:ctrlPr>
+                                      <a:rPr lang="en-US" i="1">
+                                        <a:solidFill>
+                                          <a:schemeClr val="tx1"/>
+                                        </a:solidFill>
+                                        <a:latin typeface="Cambria Math" panose="02040503050406030204" pitchFamily="18" charset="0"/>
+                                        <a:ea typeface="Cambria Math" panose="02040503050406030204" pitchFamily="18" charset="0"/>
+                                      </a:rPr>
+                                    </m:ctrlPr>
+                                  </m:sSubPr>
+                                  <m:e>
+                                    <m:r>
+                                      <a:rPr lang="en-US" i="1">
+                                        <a:solidFill>
+                                          <a:schemeClr val="tx1"/>
+                                        </a:solidFill>
+                                        <a:latin typeface="Cambria Math" panose="02040503050406030204" pitchFamily="18" charset="0"/>
+                                        <a:ea typeface="Cambria Math" panose="02040503050406030204" pitchFamily="18" charset="0"/>
+                                      </a:rPr>
+                                      <m:t>h</m:t>
+                                    </m:r>
+                                  </m:e>
+                                  <m:sub>
+                                    <m:r>
+                                      <a:rPr lang="en-US" i="1">
+                                        <a:solidFill>
+                                          <a:schemeClr val="tx1"/>
+                                        </a:solidFill>
+                                        <a:latin typeface="Cambria Math" panose="02040503050406030204" pitchFamily="18" charset="0"/>
+                                        <a:ea typeface="Cambria Math" panose="02040503050406030204" pitchFamily="18" charset="0"/>
+                                      </a:rPr>
+                                      <m:t>𝜃</m:t>
+                                    </m:r>
+                                  </m:sub>
+                                </m:sSub>
+                                <m:d>
+                                  <m:dPr>
+                                    <m:ctrlPr>
+                                      <a:rPr lang="en-US" i="1">
+                                        <a:solidFill>
+                                          <a:schemeClr val="tx1"/>
+                                        </a:solidFill>
+                                        <a:latin typeface="Cambria Math" panose="02040503050406030204" pitchFamily="18" charset="0"/>
+                                        <a:ea typeface="Cambria Math" panose="02040503050406030204" pitchFamily="18" charset="0"/>
+                                      </a:rPr>
+                                    </m:ctrlPr>
+                                  </m:dPr>
+                                  <m:e>
+                                    <m:sSub>
+                                      <m:sSubPr>
+                                        <m:ctrlPr>
+                                          <a:rPr lang="en-US" i="1">
+                                            <a:solidFill>
+                                              <a:schemeClr val="tx1"/>
+                                            </a:solidFill>
+                                            <a:latin typeface="Cambria Math" panose="02040503050406030204" pitchFamily="18" charset="0"/>
+                                            <a:ea typeface="Cambria Math" panose="02040503050406030204" pitchFamily="18" charset="0"/>
+                                          </a:rPr>
+                                        </m:ctrlPr>
+                                      </m:sSubPr>
+                                      <m:e>
+                                        <m:r>
+                                          <a:rPr lang="en-US" i="1">
+                                            <a:solidFill>
+                                              <a:schemeClr val="tx1"/>
+                                            </a:solidFill>
+                                            <a:latin typeface="Cambria Math" panose="02040503050406030204" pitchFamily="18" charset="0"/>
+                                            <a:ea typeface="Cambria Math" panose="02040503050406030204" pitchFamily="18" charset="0"/>
+                                          </a:rPr>
+                                          <m:t>𝑥</m:t>
+                                        </m:r>
+                                      </m:e>
+                                      <m:sub>
+                                        <m:r>
+                                          <a:rPr lang="en-US" i="1">
+                                            <a:solidFill>
+                                              <a:schemeClr val="tx1"/>
+                                            </a:solidFill>
+                                            <a:latin typeface="Cambria Math" panose="02040503050406030204" pitchFamily="18" charset="0"/>
+                                            <a:ea typeface="Cambria Math" panose="02040503050406030204" pitchFamily="18" charset="0"/>
+                                          </a:rPr>
+                                          <m:t>𝑖</m:t>
+                                        </m:r>
+                                      </m:sub>
+                                    </m:sSub>
+                                  </m:e>
+                                </m:d>
+                                <m:r>
+                                  <a:rPr lang="en-US" i="1">
+                                    <a:solidFill>
+                                      <a:schemeClr val="tx1"/>
+                                    </a:solidFill>
+                                    <a:latin typeface="Cambria Math" panose="02040503050406030204" pitchFamily="18" charset="0"/>
+                                    <a:ea typeface="Cambria Math" panose="02040503050406030204" pitchFamily="18" charset="0"/>
+                                  </a:rPr>
+                                  <m:t> − </m:t>
+                                </m:r>
+                                <m:sSub>
+                                  <m:sSubPr>
+                                    <m:ctrlPr>
+                                      <a:rPr lang="en-US" i="1">
+                                        <a:solidFill>
+                                          <a:schemeClr val="tx1"/>
+                                        </a:solidFill>
+                                        <a:latin typeface="Cambria Math" panose="02040503050406030204" pitchFamily="18" charset="0"/>
+                                        <a:ea typeface="Cambria Math" panose="02040503050406030204" pitchFamily="18" charset="0"/>
+                                      </a:rPr>
+                                    </m:ctrlPr>
+                                  </m:sSubPr>
+                                  <m:e>
+                                    <m:r>
+                                      <a:rPr lang="en-US" i="1">
+                                        <a:solidFill>
+                                          <a:schemeClr val="tx1"/>
+                                        </a:solidFill>
+                                        <a:latin typeface="Cambria Math" panose="02040503050406030204" pitchFamily="18" charset="0"/>
+                                        <a:ea typeface="Cambria Math" panose="02040503050406030204" pitchFamily="18" charset="0"/>
+                                      </a:rPr>
+                                      <m:t>𝑦</m:t>
+                                    </m:r>
+                                  </m:e>
+                                  <m:sub>
+                                    <m:r>
+                                      <a:rPr lang="en-US" i="1">
+                                        <a:solidFill>
+                                          <a:schemeClr val="tx1"/>
+                                        </a:solidFill>
+                                        <a:latin typeface="Cambria Math" panose="02040503050406030204" pitchFamily="18" charset="0"/>
+                                        <a:ea typeface="Cambria Math" panose="02040503050406030204" pitchFamily="18" charset="0"/>
+                                      </a:rPr>
+                                      <m:t>𝑖</m:t>
+                                    </m:r>
+                                  </m:sub>
+                                </m:sSub>
+                              </m:e>
+                            </m:d>
+                          </m:e>
+                          <m:sup>
+                            <m:r>
+                              <a:rPr lang="en-US" i="1">
+                                <a:solidFill>
+                                  <a:schemeClr val="tx1"/>
+                                </a:solidFill>
+                                <a:latin typeface="Cambria Math" panose="02040503050406030204" pitchFamily="18" charset="0"/>
+                                <a:ea typeface="Cambria Math" panose="02040503050406030204" pitchFamily="18" charset="0"/>
+                              </a:rPr>
+                              <m:t>2</m:t>
+                            </m:r>
+                          </m:sup>
+                        </m:sSup>
+                      </m:e>
+                    </m:nary>
+                  </m:oMath>
+                </a14:m>
+                <a:endParaRPr lang="en-US" dirty="0">
+                  <a:solidFill>
+                    <a:schemeClr val="tx1"/>
+                  </a:solidFill>
+                </a:endParaRPr>
+              </a:p>
+              <a:p>
+                <a:endParaRPr lang="en-US" dirty="0">
+                  <a:solidFill>
+                    <a:schemeClr val="tx1"/>
+                  </a:solidFill>
+                </a:endParaRPr>
+              </a:p>
+              <a:p>
+                <a:r>
+                  <a:rPr lang="en-US" dirty="0">
+                    <a:solidFill>
+                      <a:schemeClr val="tx1"/>
+                    </a:solidFill>
+                    <a:latin typeface="Verdana" panose="020B0604030504040204" pitchFamily="34" charset="0"/>
+                    <a:ea typeface="Verdana" panose="020B0604030504040204" pitchFamily="34" charset="0"/>
+                    <a:cs typeface="Verdana" panose="020B0604030504040204" pitchFamily="34" charset="0"/>
+                  </a:rPr>
+                  <a:t>for each feature </a:t>
+                </a:r>
+                <a:r>
+                  <a:rPr lang="en-US" i="1" dirty="0">
+                    <a:solidFill>
+                      <a:srgbClr val="FFC000"/>
+                    </a:solidFill>
+                    <a:latin typeface="Verdana" panose="020B0604030504040204" pitchFamily="34" charset="0"/>
+                    <a:ea typeface="Verdana" panose="020B0604030504040204" pitchFamily="34" charset="0"/>
+                    <a:cs typeface="Verdana" panose="020B0604030504040204" pitchFamily="34" charset="0"/>
+                  </a:rPr>
+                  <a:t>(there are </a:t>
+                </a:r>
+                <a14:m>
+                  <m:oMath xmlns:m="http://schemas.openxmlformats.org/officeDocument/2006/math">
+                    <m:r>
+                      <a:rPr lang="en-US" i="1">
+                        <a:solidFill>
+                          <a:srgbClr val="FFC000"/>
+                        </a:solidFill>
+                        <a:latin typeface="Cambria Math" panose="02040503050406030204" pitchFamily="18" charset="0"/>
+                        <a:ea typeface="Cambria Math" panose="02040503050406030204" pitchFamily="18" charset="0"/>
+                      </a:rPr>
+                      <m:t>𝑚</m:t>
+                    </m:r>
+                  </m:oMath>
+                </a14:m>
+                <a:r>
+                  <a:rPr lang="en-US" i="1" dirty="0">
+                    <a:solidFill>
+                      <a:srgbClr val="FFC000"/>
+                    </a:solidFill>
+                  </a:rPr>
+                  <a:t> </a:t>
+                </a:r>
+                <a:r>
+                  <a:rPr lang="en-US" i="1" dirty="0">
+                    <a:solidFill>
+                      <a:srgbClr val="FFC000"/>
+                    </a:solidFill>
+                    <a:latin typeface="Verdana" panose="020B0604030504040204" pitchFamily="34" charset="0"/>
+                    <a:ea typeface="Verdana" panose="020B0604030504040204" pitchFamily="34" charset="0"/>
+                    <a:cs typeface="Verdana" panose="020B0604030504040204" pitchFamily="34" charset="0"/>
+                  </a:rPr>
+                  <a:t>number of features)</a:t>
+                </a:r>
+              </a:p>
+              <a:p>
+                <a:pPr lvl="1"/>
+                <a:r>
+                  <a:rPr lang="en-US" dirty="0" err="1">
+                    <a:solidFill>
+                      <a:schemeClr val="tx1"/>
+                    </a:solidFill>
+                    <a:latin typeface="Verdana" panose="020B0604030504040204" pitchFamily="34" charset="0"/>
+                    <a:ea typeface="Verdana" panose="020B0604030504040204" pitchFamily="34" charset="0"/>
+                    <a:cs typeface="Verdana" panose="020B0604030504040204" pitchFamily="34" charset="0"/>
+                  </a:rPr>
+                  <a:t>featureError</a:t>
+                </a:r>
+                <a:r>
+                  <a:rPr lang="en-US" dirty="0">
+                    <a:solidFill>
+                      <a:schemeClr val="tx1"/>
+                    </a:solidFill>
+                    <a:latin typeface="Verdana" panose="020B0604030504040204" pitchFamily="34" charset="0"/>
+                    <a:ea typeface="Verdana" panose="020B0604030504040204" pitchFamily="34" charset="0"/>
+                    <a:cs typeface="Verdana" panose="020B0604030504040204" pitchFamily="34" charset="0"/>
+                  </a:rPr>
+                  <a:t> = </a:t>
+                </a:r>
+                <a:r>
+                  <a:rPr lang="en-US" dirty="0" err="1">
+                    <a:solidFill>
+                      <a:schemeClr val="tx1"/>
+                    </a:solidFill>
+                    <a:latin typeface="Verdana" panose="020B0604030504040204" pitchFamily="34" charset="0"/>
+                    <a:ea typeface="Verdana" panose="020B0604030504040204" pitchFamily="34" charset="0"/>
+                    <a:cs typeface="Verdana" panose="020B0604030504040204" pitchFamily="34" charset="0"/>
+                  </a:rPr>
+                  <a:t>linearHeuristic</a:t>
+                </a:r>
+                <a:r>
+                  <a:rPr lang="en-US" dirty="0">
+                    <a:solidFill>
+                      <a:schemeClr val="tx1"/>
+                    </a:solidFill>
+                    <a:latin typeface="Verdana" panose="020B0604030504040204" pitchFamily="34" charset="0"/>
+                    <a:ea typeface="Verdana" panose="020B0604030504040204" pitchFamily="34" charset="0"/>
+                    <a:cs typeface="Verdana" panose="020B0604030504040204" pitchFamily="34" charset="0"/>
+                  </a:rPr>
+                  <a:t>(</a:t>
+                </a:r>
+                <a:r>
+                  <a:rPr lang="en-US" dirty="0" err="1">
+                    <a:solidFill>
+                      <a:schemeClr val="tx1"/>
+                    </a:solidFill>
+                    <a:latin typeface="Verdana" panose="020B0604030504040204" pitchFamily="34" charset="0"/>
+                    <a:ea typeface="Verdana" panose="020B0604030504040204" pitchFamily="34" charset="0"/>
+                    <a:cs typeface="Verdana" panose="020B0604030504040204" pitchFamily="34" charset="0"/>
+                  </a:rPr>
+                  <a:t>currentFeature</a:t>
+                </a:r>
+                <a:r>
+                  <a:rPr lang="en-US" dirty="0">
+                    <a:solidFill>
+                      <a:schemeClr val="tx1"/>
+                    </a:solidFill>
+                    <a:latin typeface="Verdana" panose="020B0604030504040204" pitchFamily="34" charset="0"/>
+                    <a:ea typeface="Verdana" panose="020B0604030504040204" pitchFamily="34" charset="0"/>
+                    <a:cs typeface="Verdana" panose="020B0604030504040204" pitchFamily="34" charset="0"/>
+                  </a:rPr>
+                  <a:t>) – </a:t>
+                </a:r>
+                <a:r>
+                  <a:rPr lang="en-US" dirty="0" err="1">
+                    <a:solidFill>
+                      <a:schemeClr val="tx1"/>
+                    </a:solidFill>
+                    <a:latin typeface="Verdana" panose="020B0604030504040204" pitchFamily="34" charset="0"/>
+                    <a:ea typeface="Verdana" panose="020B0604030504040204" pitchFamily="34" charset="0"/>
+                    <a:cs typeface="Verdana" panose="020B0604030504040204" pitchFamily="34" charset="0"/>
+                  </a:rPr>
+                  <a:t>currentLabel</a:t>
+                </a:r>
+                <a:endParaRPr lang="en-US" dirty="0">
+                  <a:solidFill>
+                    <a:schemeClr val="tx1"/>
+                  </a:solidFill>
+                  <a:latin typeface="Verdana" panose="020B0604030504040204" pitchFamily="34" charset="0"/>
+                  <a:ea typeface="Verdana" panose="020B0604030504040204" pitchFamily="34" charset="0"/>
+                  <a:cs typeface="Verdana" panose="020B0604030504040204" pitchFamily="34" charset="0"/>
+                </a:endParaRPr>
+              </a:p>
+              <a:p>
+                <a:pPr lvl="1"/>
+                <a:r>
+                  <a:rPr lang="en-US" dirty="0" err="1">
+                    <a:solidFill>
+                      <a:schemeClr val="tx1"/>
+                    </a:solidFill>
+                    <a:latin typeface="Verdana" panose="020B0604030504040204" pitchFamily="34" charset="0"/>
+                    <a:ea typeface="Verdana" panose="020B0604030504040204" pitchFamily="34" charset="0"/>
+                    <a:cs typeface="Verdana" panose="020B0604030504040204" pitchFamily="34" charset="0"/>
+                  </a:rPr>
+                  <a:t>runningTotal</a:t>
+                </a:r>
+                <a:r>
+                  <a:rPr lang="en-US" dirty="0">
+                    <a:solidFill>
+                      <a:schemeClr val="tx1"/>
+                    </a:solidFill>
+                    <a:latin typeface="Verdana" panose="020B0604030504040204" pitchFamily="34" charset="0"/>
+                    <a:ea typeface="Verdana" panose="020B0604030504040204" pitchFamily="34" charset="0"/>
+                    <a:cs typeface="Verdana" panose="020B0604030504040204" pitchFamily="34" charset="0"/>
+                  </a:rPr>
+                  <a:t> += </a:t>
+                </a:r>
+                <a:r>
+                  <a:rPr lang="en-US" dirty="0" err="1">
+                    <a:solidFill>
+                      <a:schemeClr val="tx1"/>
+                    </a:solidFill>
+                    <a:latin typeface="Verdana" panose="020B0604030504040204" pitchFamily="34" charset="0"/>
+                    <a:ea typeface="Verdana" panose="020B0604030504040204" pitchFamily="34" charset="0"/>
+                    <a:cs typeface="Verdana" panose="020B0604030504040204" pitchFamily="34" charset="0"/>
+                  </a:rPr>
+                  <a:t>featureError</a:t>
+                </a:r>
+                <a:r>
+                  <a:rPr lang="en-US" dirty="0">
+                    <a:solidFill>
+                      <a:schemeClr val="tx1"/>
+                    </a:solidFill>
+                    <a:latin typeface="Verdana" panose="020B0604030504040204" pitchFamily="34" charset="0"/>
+                    <a:ea typeface="Verdana" panose="020B0604030504040204" pitchFamily="34" charset="0"/>
+                    <a:cs typeface="Verdana" panose="020B0604030504040204" pitchFamily="34" charset="0"/>
+                  </a:rPr>
+                  <a:t> * </a:t>
+                </a:r>
+                <a:r>
+                  <a:rPr lang="en-US" dirty="0" err="1">
+                    <a:solidFill>
+                      <a:schemeClr val="tx1"/>
+                    </a:solidFill>
+                    <a:latin typeface="Verdana" panose="020B0604030504040204" pitchFamily="34" charset="0"/>
+                    <a:ea typeface="Verdana" panose="020B0604030504040204" pitchFamily="34" charset="0"/>
+                    <a:cs typeface="Verdana" panose="020B0604030504040204" pitchFamily="34" charset="0"/>
+                  </a:rPr>
+                  <a:t>featureError</a:t>
+                </a:r>
+                <a:endParaRPr lang="en-US" dirty="0">
+                  <a:solidFill>
+                    <a:schemeClr val="tx1"/>
+                  </a:solidFill>
+                  <a:latin typeface="Verdana" panose="020B0604030504040204" pitchFamily="34" charset="0"/>
+                  <a:ea typeface="Verdana" panose="020B0604030504040204" pitchFamily="34" charset="0"/>
+                  <a:cs typeface="Verdana" panose="020B0604030504040204" pitchFamily="34" charset="0"/>
+                </a:endParaRPr>
+              </a:p>
+              <a:p>
+                <a:pPr lvl="1"/>
+                <a:endParaRPr lang="en-US" dirty="0">
+                  <a:solidFill>
+                    <a:schemeClr val="tx1"/>
+                  </a:solidFill>
+                  <a:latin typeface="Verdana" panose="020B0604030504040204" pitchFamily="34" charset="0"/>
+                  <a:ea typeface="Verdana" panose="020B0604030504040204" pitchFamily="34" charset="0"/>
+                  <a:cs typeface="Verdana" panose="020B0604030504040204" pitchFamily="34" charset="0"/>
+                </a:endParaRPr>
+              </a:p>
+              <a:p>
+                <a:r>
+                  <a:rPr lang="en-US" dirty="0">
+                    <a:solidFill>
+                      <a:schemeClr val="tx1"/>
+                    </a:solidFill>
+                  </a:rPr>
+                  <a:t>cost = </a:t>
+                </a:r>
+                <a:r>
+                  <a:rPr lang="en-US" dirty="0" err="1">
+                    <a:solidFill>
+                      <a:schemeClr val="tx1"/>
+                    </a:solidFill>
+                  </a:rPr>
+                  <a:t>runningTotal</a:t>
+                </a:r>
+                <a:r>
+                  <a:rPr lang="en-US" dirty="0">
+                    <a:solidFill>
+                      <a:schemeClr val="tx1"/>
+                    </a:solidFill>
+                  </a:rPr>
+                  <a:t> / 2 * </a:t>
+                </a:r>
+                <a:r>
+                  <a:rPr lang="en-US" dirty="0" err="1">
+                    <a:solidFill>
+                      <a:schemeClr val="tx1"/>
+                    </a:solidFill>
+                  </a:rPr>
+                  <a:t>numFeatures</a:t>
+                </a:r>
+                <a:endParaRPr lang="en-US" dirty="0">
+                  <a:solidFill>
+                    <a:schemeClr val="tx1"/>
+                  </a:solidFill>
+                </a:endParaRPr>
+              </a:p>
+            </p:txBody>
+          </p:sp>
+        </mc:Choice>
+        <mc:Fallback xmlns="">
+          <p:sp>
+            <p:nvSpPr>
+              <p:cNvPr id="3" name="Content Placeholder 2"/>
+              <p:cNvSpPr>
+                <a:spLocks noGrp="1" noRot="1" noChangeAspect="1" noMove="1" noResize="1" noEditPoints="1" noAdjustHandles="1" noChangeArrowheads="1" noChangeShapeType="1" noTextEdit="1"/>
+              </p:cNvSpPr>
+              <p:nvPr>
+                <p:ph idx="1"/>
+              </p:nvPr>
+            </p:nvSpPr>
+            <p:spPr>
+              <a:blipFill>
+                <a:blip r:embed="rId2"/>
+                <a:stretch>
+                  <a:fillRect l="-1072"/>
+                </a:stretch>
+              </a:blipFill>
+            </p:spPr>
+            <p:txBody>
+              <a:bodyPr/>
+              <a:lstStyle/>
+              <a:p>
+                <a:r>
+                  <a:rPr lang="en-US">
+                    <a:noFill/>
+                  </a:rPr>
+                  <a:t> </a:t>
+                </a:r>
+              </a:p>
+            </p:txBody>
+          </p:sp>
+        </mc:Fallback>
+      </mc:AlternateContent>
+    </p:spTree>
+    <p:extLst>
+      <p:ext uri="{BB962C8B-B14F-4D97-AF65-F5344CB8AC3E}">
+        <p14:creationId xmlns:p14="http://schemas.microsoft.com/office/powerpoint/2010/main" val="3920938834"/>
+      </p:ext>
+    </p:extLst>
+  </p:cSld>
+  <p:clrMapOvr>
+    <a:masterClrMapping/>
+  </p:clrMapOvr>
+</p:sld>
+</file>
+
+<file path=ppt/slides/slide9.xml><?xml version="1.0" encoding="utf-8"?>
+<p:sld xmlns:a="http://schemas.openxmlformats.org/drawingml/2006/main" xmlns:r="http://schemas.openxmlformats.org/officeDocument/2006/relationships" xmlns:p="http://schemas.openxmlformats.org/presentationml/2006/main">
+  <p:cSld>
+    <p:spTree>
+      <p:nvGrpSpPr>
+        <p:cNvPr id="1" name=""/>
+        <p:cNvGrpSpPr/>
+        <p:nvPr/>
+      </p:nvGrpSpPr>
+      <p:grpSpPr>
+        <a:xfrm>
+          <a:off x="0" y="0"/>
+          <a:ext cx="0" cy="0"/>
+          <a:chOff x="0" y="0"/>
+          <a:chExt cx="0" cy="0"/>
+        </a:xfrm>
+      </p:grpSpPr>
+      <p:sp>
+        <p:nvSpPr>
           <p:cNvPr id="69" name="Rounded Rectangle 17"/>
           <p:cNvSpPr>
             <a:spLocks noGrp="1" noRot="1" noChangeAspect="1" noMove="1" noResize="1" noEditPoints="1" noAdjustHandles="1" noChangeArrowheads="1" noChangeShapeType="1" noTextEdit="1"/>
@@ -15667,309 +21873,6 @@
     <p:extLst>
       <p:ext uri="{BB962C8B-B14F-4D97-AF65-F5344CB8AC3E}">
         <p14:creationId xmlns:p14="http://schemas.microsoft.com/office/powerpoint/2010/main" val="4133265817"/>
-      </p:ext>
-    </p:extLst>
-  </p:cSld>
-  <p:clrMapOvr>
-    <a:masterClrMapping/>
-  </p:clrMapOvr>
-</p:sld>
-</file>
-
-<file path=ppt/slides/slide9.xml><?xml version="1.0" encoding="utf-8"?>
-<p:sld xmlns:a="http://schemas.openxmlformats.org/drawingml/2006/main" xmlns:r="http://schemas.openxmlformats.org/officeDocument/2006/relationships" xmlns:p="http://schemas.openxmlformats.org/presentationml/2006/main">
-  <p:cSld>
-    <p:spTree>
-      <p:nvGrpSpPr>
-        <p:cNvPr id="1" name=""/>
-        <p:cNvGrpSpPr/>
-        <p:nvPr/>
-      </p:nvGrpSpPr>
-      <p:grpSpPr>
-        <a:xfrm>
-          <a:off x="0" y="0"/>
-          <a:ext cx="0" cy="0"/>
-          <a:chOff x="0" y="0"/>
-          <a:chExt cx="0" cy="0"/>
-        </a:xfrm>
-      </p:grpSpPr>
-      <p:pic>
-        <p:nvPicPr>
-          <p:cNvPr id="4" name="Picture 3" descr="Home-Simpson-Thinking-Vector-Image.png"/>
-          <p:cNvPicPr>
-            <a:picLocks noChangeAspect="1"/>
-          </p:cNvPicPr>
-          <p:nvPr/>
-        </p:nvPicPr>
-        <p:blipFill rotWithShape="1">
-          <a:blip r:embed="rId3">
-            <a:extLst>
-              <a:ext uri="{28A0092B-C50C-407E-A947-70E740481C1C}">
-                <a14:useLocalDpi xmlns:a14="http://schemas.microsoft.com/office/drawing/2010/main" val="0"/>
-              </a:ext>
-            </a:extLst>
-          </a:blip>
-          <a:srcRect l="19149" r="21590" b="-3"/>
-          <a:stretch/>
-        </p:blipFill>
-        <p:spPr>
-          <a:xfrm>
-            <a:off x="6096000" y="10"/>
-            <a:ext cx="6096000" cy="6857990"/>
-          </a:xfrm>
-          <a:prstGeom prst="rect">
-            <a:avLst/>
-          </a:prstGeom>
-        </p:spPr>
-      </p:pic>
-      <p:sp useBgFill="1">
-        <p:nvSpPr>
-          <p:cNvPr id="6" name="Rectangle 5"/>
-          <p:cNvSpPr>
-            <a:spLocks noGrp="1" noRot="1" noChangeAspect="1" noMove="1" noResize="1" noEditPoints="1" noAdjustHandles="1" noChangeArrowheads="1" noChangeShapeType="1" noTextEdit="1"/>
-          </p:cNvSpPr>
-          <p:nvPr>
-            <p:extLst>
-              <p:ext uri="{386F3935-93C4-4BCD-93E2-E3B085C9AB24}">
-                <p16:designElem xmlns:p16="http://schemas.microsoft.com/office/powerpoint/2015/main" val="1"/>
-              </p:ext>
-            </p:extLst>
-          </p:nvPr>
-        </p:nvSpPr>
-        <p:spPr>
-          <a:xfrm>
-            <a:off x="0" y="0"/>
-            <a:ext cx="6096000" cy="6858000"/>
-          </a:xfrm>
-          <a:prstGeom prst="rect">
-            <a:avLst/>
-          </a:prstGeom>
-          <a:ln>
-            <a:noFill/>
-          </a:ln>
-          <a:effectLst>
-            <a:outerShdw blurRad="139700" dist="50800" algn="l" rotWithShape="0">
-              <a:prstClr val="black">
-                <a:alpha val="40000"/>
-              </a:prstClr>
-            </a:outerShdw>
-          </a:effectLst>
-        </p:spPr>
-        <p:style>
-          <a:lnRef idx="2">
-            <a:schemeClr val="accent1">
-              <a:shade val="50000"/>
-            </a:schemeClr>
-          </a:lnRef>
-          <a:fillRef idx="1">
-            <a:schemeClr val="accent1"/>
-          </a:fillRef>
-          <a:effectRef idx="0">
-            <a:schemeClr val="accent1"/>
-          </a:effectRef>
-          <a:fontRef idx="minor">
-            <a:schemeClr val="lt1"/>
-          </a:fontRef>
-        </p:style>
-        <p:txBody>
-          <a:bodyPr rtlCol="0" anchor="ctr"/>
-          <a:lstStyle/>
-          <a:p>
-            <a:pPr algn="ctr"/>
-            <a:endParaRPr lang="en-US"/>
-          </a:p>
-        </p:txBody>
-      </p:sp>
-      <p:sp>
-        <p:nvSpPr>
-          <p:cNvPr id="2" name="Title 1"/>
-          <p:cNvSpPr>
-            <a:spLocks noGrp="1"/>
-          </p:cNvSpPr>
-          <p:nvPr>
-            <p:ph type="title"/>
-          </p:nvPr>
-        </p:nvSpPr>
-        <p:spPr>
-          <a:xfrm>
-            <a:off x="838201" y="365125"/>
-            <a:ext cx="4854676" cy="1325563"/>
-          </a:xfrm>
-        </p:spPr>
-        <p:txBody>
-          <a:bodyPr>
-            <a:normAutofit/>
-          </a:bodyPr>
-          <a:lstStyle/>
-          <a:p>
-            <a:pPr>
-              <a:lnSpc>
-                <a:spcPct val="80000"/>
-              </a:lnSpc>
-            </a:pPr>
-            <a:r>
-              <a:rPr lang="en-US" sz="4600" dirty="0"/>
-              <a:t>Linear Regression- adjusting our guess </a:t>
-            </a:r>
-          </a:p>
-        </p:txBody>
-      </p:sp>
-      <mc:AlternateContent xmlns:mc="http://schemas.openxmlformats.org/markup-compatibility/2006" xmlns:a14="http://schemas.microsoft.com/office/drawing/2010/main">
-        <mc:Choice Requires="a14">
-          <p:sp>
-            <p:nvSpPr>
-              <p:cNvPr id="3" name="Content Placeholder 2"/>
-              <p:cNvSpPr>
-                <a:spLocks noGrp="1"/>
-              </p:cNvSpPr>
-              <p:nvPr>
-                <p:ph idx="1"/>
-              </p:nvPr>
-            </p:nvSpPr>
-            <p:spPr>
-              <a:xfrm>
-                <a:off x="1120000" y="1825625"/>
-                <a:ext cx="4572877" cy="4351338"/>
-              </a:xfrm>
-            </p:spPr>
-            <p:txBody>
-              <a:bodyPr>
-                <a:normAutofit/>
-              </a:bodyPr>
-              <a:lstStyle/>
-              <a:p>
-                <a:pPr>
-                  <a:lnSpc>
-                    <a:spcPct val="80000"/>
-                  </a:lnSpc>
-                </a:pPr>
-                <a:r>
-                  <a:rPr lang="en-US" sz="2600"/>
-                  <a:t>We could just set values for our input weights randomly until we find a low cost, but this approach is likely to give poor results and take a very long time to get any sort of good answer.</a:t>
-                </a:r>
-              </a:p>
-              <a:p>
-                <a:pPr>
-                  <a:lnSpc>
-                    <a:spcPct val="80000"/>
-                  </a:lnSpc>
-                </a:pPr>
-                <a:r>
-                  <a:rPr lang="en-US" sz="2600"/>
-                  <a:t>Each of our input weights, </a:t>
-                </a:r>
-                <a14:m>
-                  <m:oMath xmlns:m="http://schemas.openxmlformats.org/officeDocument/2006/math">
-                    <m:sSub>
-                      <m:sSubPr>
-                        <m:ctrlPr>
-                          <a:rPr lang="en-US" sz="2600" i="1">
-                            <a:latin typeface="Cambria Math" panose="02040503050406030204" pitchFamily="18" charset="0"/>
-                          </a:rPr>
-                        </m:ctrlPr>
-                      </m:sSubPr>
-                      <m:e>
-                        <m:r>
-                          <a:rPr lang="en-US" sz="2600" i="1">
-                            <a:latin typeface="Cambria Math" panose="02040503050406030204" pitchFamily="18" charset="0"/>
-                            <a:ea typeface="Cambria Math" panose="02040503050406030204" pitchFamily="18" charset="0"/>
-                          </a:rPr>
-                          <m:t>𝜃</m:t>
-                        </m:r>
-                      </m:e>
-                      <m:sub>
-                        <m:r>
-                          <a:rPr lang="en-US" sz="2600" i="1">
-                            <a:latin typeface="Cambria Math" panose="02040503050406030204" pitchFamily="18" charset="0"/>
-                          </a:rPr>
-                          <m:t>0</m:t>
-                        </m:r>
-                      </m:sub>
-                    </m:sSub>
-                    <m:r>
-                      <a:rPr lang="en-US" sz="2600" i="1">
-                        <a:latin typeface="Cambria Math" panose="02040503050406030204" pitchFamily="18" charset="0"/>
-                      </a:rPr>
-                      <m:t>,</m:t>
-                    </m:r>
-                    <m:sSub>
-                      <m:sSubPr>
-                        <m:ctrlPr>
-                          <a:rPr lang="en-US" sz="2600" i="1">
-                            <a:latin typeface="Cambria Math" panose="02040503050406030204" pitchFamily="18" charset="0"/>
-                          </a:rPr>
-                        </m:ctrlPr>
-                      </m:sSubPr>
-                      <m:e>
-                        <m:r>
-                          <a:rPr lang="en-US" sz="2600" i="1">
-                            <a:latin typeface="Cambria Math" panose="02040503050406030204" pitchFamily="18" charset="0"/>
-                            <a:ea typeface="Cambria Math" panose="02040503050406030204" pitchFamily="18" charset="0"/>
-                          </a:rPr>
-                          <m:t>𝜃</m:t>
-                        </m:r>
-                      </m:e>
-                      <m:sub>
-                        <m:r>
-                          <a:rPr lang="en-US" sz="2600" i="1">
-                            <a:latin typeface="Cambria Math" panose="02040503050406030204" pitchFamily="18" charset="0"/>
-                          </a:rPr>
-                          <m:t>1</m:t>
-                        </m:r>
-                      </m:sub>
-                    </m:sSub>
-                  </m:oMath>
-                </a14:m>
-                <a:r>
-                  <a:rPr lang="en-US" sz="2600"/>
-                  <a:t>, are linear values. If only we knew which direction to adjust them in so as to reduce our cost function result…</a:t>
-                </a:r>
-              </a:p>
-            </p:txBody>
-          </p:sp>
-        </mc:Choice>
-        <mc:Fallback xmlns="">
-          <p:sp>
-            <p:nvSpPr>
-              <p:cNvPr id="3" name="Content Placeholder 2"/>
-              <p:cNvSpPr>
-                <a:spLocks noGrp="1" noRot="1" noChangeAspect="1" noMove="1" noResize="1" noEditPoints="1" noAdjustHandles="1" noChangeArrowheads="1" noChangeShapeType="1" noTextEdit="1"/>
-              </p:cNvSpPr>
-              <p:nvPr>
-                <p:ph idx="1"/>
-              </p:nvPr>
-            </p:nvSpPr>
-            <p:spPr>
-              <a:xfrm>
-                <a:off x="1120000" y="1825625"/>
-                <a:ext cx="4572877" cy="4351338"/>
-              </a:xfrm>
-              <a:blipFill>
-                <a:blip r:embed="rId4"/>
-                <a:stretch>
-                  <a:fillRect/>
-                </a:stretch>
-              </a:blipFill>
-            </p:spPr>
-            <p:txBody>
-              <a:bodyPr/>
-              <a:lstStyle/>
-              <a:p>
-                <a:r>
-                  <a:rPr lang="en-US">
-                    <a:noFill/>
-                  </a:rPr>
-                  <a:t> </a:t>
-                </a:r>
-              </a:p>
-            </p:txBody>
-          </p:sp>
-        </mc:Fallback>
-      </mc:AlternateContent>
-    </p:spTree>
-    <p:extLst>
-      <p:ext uri="{BB962C8B-B14F-4D97-AF65-F5344CB8AC3E}">
-        <p14:creationId xmlns:p14="http://schemas.microsoft.com/office/powerpoint/2010/main" val="2981040638"/>
       </p:ext>
     </p:extLst>
   </p:cSld>
